--- a/Slides/Football 1/Footballl_1_Lecture.pptx
+++ b/Slides/Football 1/Footballl_1_Lecture.pptx
@@ -5,13 +5,19 @@
     <p:sldMasterId id="2147483900" r:id="rId1"/>
   </p:sldMasterIdLst>
   <p:notesMasterIdLst>
-    <p:notesMasterId r:id="rId6"/>
+    <p:notesMasterId r:id="rId12"/>
   </p:notesMasterIdLst>
   <p:sldIdLst>
     <p:sldId id="298" r:id="rId2"/>
     <p:sldId id="306" r:id="rId3"/>
     <p:sldId id="307" r:id="rId4"/>
-    <p:sldId id="281" r:id="rId5"/>
+    <p:sldId id="308" r:id="rId5"/>
+    <p:sldId id="310" r:id="rId6"/>
+    <p:sldId id="311" r:id="rId7"/>
+    <p:sldId id="312" r:id="rId8"/>
+    <p:sldId id="313" r:id="rId9"/>
+    <p:sldId id="314" r:id="rId10"/>
+    <p:sldId id="281" r:id="rId11"/>
   </p:sldIdLst>
   <p:sldSz cx="12192000" cy="6858000"/>
   <p:notesSz cx="6858000" cy="9144000"/>
@@ -6592,6 +6598,503 @@
 </p:sld>
 </file>
 
+<file path=ppt/slides/slide10.xml><?xml version="1.0" encoding="utf-8"?>
+<p:sld xmlns:a="http://schemas.openxmlformats.org/drawingml/2006/main" xmlns:r="http://schemas.openxmlformats.org/officeDocument/2006/relationships" xmlns:p="http://schemas.openxmlformats.org/presentationml/2006/main">
+  <p:cSld>
+    <p:bg>
+      <p:bgPr>
+        <a:blipFill dpi="0" rotWithShape="1">
+          <a:blip r:embed="rId2">
+            <a:duotone>
+              <a:schemeClr val="bg2">
+                <a:shade val="80000"/>
+                <a:lumMod val="80000"/>
+              </a:schemeClr>
+              <a:schemeClr val="bg2">
+                <a:tint val="98000"/>
+              </a:schemeClr>
+            </a:duotone>
+            <a:lum/>
+          </a:blip>
+          <a:srcRect/>
+          <a:stretch>
+            <a:fillRect/>
+          </a:stretch>
+        </a:blipFill>
+        <a:effectLst/>
+      </p:bgPr>
+    </p:bg>
+    <p:spTree>
+      <p:nvGrpSpPr>
+        <p:cNvPr id="1" name=""/>
+        <p:cNvGrpSpPr/>
+        <p:nvPr/>
+      </p:nvGrpSpPr>
+      <p:grpSpPr>
+        <a:xfrm>
+          <a:off x="0" y="0"/>
+          <a:ext cx="0" cy="0"/>
+          <a:chOff x="0" y="0"/>
+          <a:chExt cx="0" cy="0"/>
+        </a:xfrm>
+      </p:grpSpPr>
+      <p:pic>
+        <p:nvPicPr>
+          <p:cNvPr id="5" name="Picture 4" descr="A picture containing indoor&#10;&#10;Description automatically generated">
+            <a:extLst>
+              <a:ext uri="{FF2B5EF4-FFF2-40B4-BE49-F238E27FC236}">
+                <a16:creationId xmlns:a16="http://schemas.microsoft.com/office/drawing/2014/main" id="{48589EA3-03B9-4D42-8282-8AC52D63CBF3}"/>
+              </a:ext>
+            </a:extLst>
+          </p:cNvPr>
+          <p:cNvPicPr>
+            <a:picLocks noChangeAspect="1"/>
+          </p:cNvPicPr>
+          <p:nvPr/>
+        </p:nvPicPr>
+        <p:blipFill rotWithShape="1">
+          <a:blip r:embed="rId3">
+            <a:extLst>
+              <a:ext uri="{28A0092B-C50C-407E-A947-70E740481C1C}">
+                <a14:useLocalDpi xmlns:a14="http://schemas.microsoft.com/office/drawing/2010/main" val="0"/>
+              </a:ext>
+            </a:extLst>
+          </a:blip>
+          <a:srcRect l="19805" r="19804" b="-1"/>
+          <a:stretch/>
+        </p:blipFill>
+        <p:spPr>
+          <a:xfrm>
+            <a:off x="0" y="0"/>
+            <a:ext cx="6024144" cy="6858000"/>
+          </a:xfrm>
+          <a:custGeom>
+            <a:avLst/>
+            <a:gdLst>
+              <a:gd name="connsiteX0" fmla="*/ 0 w 6024154"/>
+              <a:gd name="connsiteY0" fmla="*/ 0 h 6858000"/>
+              <a:gd name="connsiteX1" fmla="*/ 5953780 w 6024154"/>
+              <a:gd name="connsiteY1" fmla="*/ 0 h 6858000"/>
+              <a:gd name="connsiteX2" fmla="*/ 5989880 w 6024154"/>
+              <a:gd name="connsiteY2" fmla="*/ 284091 h 6858000"/>
+              <a:gd name="connsiteX3" fmla="*/ 6024154 w 6024154"/>
+              <a:gd name="connsiteY3" fmla="*/ 962844 h 6858000"/>
+              <a:gd name="connsiteX4" fmla="*/ 2549934 w 6024154"/>
+              <a:gd name="connsiteY4" fmla="*/ 6800152 h 6858000"/>
+              <a:gd name="connsiteX5" fmla="*/ 2436987 w 6024154"/>
+              <a:gd name="connsiteY5" fmla="*/ 6858000 h 6858000"/>
+              <a:gd name="connsiteX6" fmla="*/ 0 w 6024154"/>
+              <a:gd name="connsiteY6" fmla="*/ 6858000 h 6858000"/>
+            </a:gdLst>
+            <a:ahLst/>
+            <a:cxnLst>
+              <a:cxn ang="0">
+                <a:pos x="connsiteX0" y="connsiteY0"/>
+              </a:cxn>
+              <a:cxn ang="0">
+                <a:pos x="connsiteX1" y="connsiteY1"/>
+              </a:cxn>
+              <a:cxn ang="0">
+                <a:pos x="connsiteX2" y="connsiteY2"/>
+              </a:cxn>
+              <a:cxn ang="0">
+                <a:pos x="connsiteX3" y="connsiteY3"/>
+              </a:cxn>
+              <a:cxn ang="0">
+                <a:pos x="connsiteX4" y="connsiteY4"/>
+              </a:cxn>
+              <a:cxn ang="0">
+                <a:pos x="connsiteX5" y="connsiteY5"/>
+              </a:cxn>
+              <a:cxn ang="0">
+                <a:pos x="connsiteX6" y="connsiteY6"/>
+              </a:cxn>
+            </a:cxnLst>
+            <a:rect l="l" t="t" r="r" b="b"/>
+            <a:pathLst>
+              <a:path w="6024154" h="6858000">
+                <a:moveTo>
+                  <a:pt x="0" y="0"/>
+                </a:moveTo>
+                <a:lnTo>
+                  <a:pt x="5953780" y="0"/>
+                </a:lnTo>
+                <a:lnTo>
+                  <a:pt x="5989880" y="284091"/>
+                </a:lnTo>
+                <a:cubicBezTo>
+                  <a:pt x="6012544" y="507260"/>
+                  <a:pt x="6024154" y="733696"/>
+                  <a:pt x="6024154" y="962844"/>
+                </a:cubicBezTo>
+                <a:cubicBezTo>
+                  <a:pt x="6024154" y="3483472"/>
+                  <a:pt x="4619336" y="5675986"/>
+                  <a:pt x="2549934" y="6800152"/>
+                </a:cubicBezTo>
+                <a:lnTo>
+                  <a:pt x="2436987" y="6858000"/>
+                </a:lnTo>
+                <a:lnTo>
+                  <a:pt x="0" y="6858000"/>
+                </a:lnTo>
+                <a:close/>
+              </a:path>
+            </a:pathLst>
+          </a:custGeom>
+          <a:ln w="28575">
+            <a:noFill/>
+          </a:ln>
+        </p:spPr>
+      </p:pic>
+      <p:sp>
+        <p:nvSpPr>
+          <p:cNvPr id="12" name="Title 1">
+            <a:extLst>
+              <a:ext uri="{FF2B5EF4-FFF2-40B4-BE49-F238E27FC236}">
+                <a16:creationId xmlns:a16="http://schemas.microsoft.com/office/drawing/2014/main" id="{0B9C460C-DD3D-4F1C-9FEE-8EC7228DF8C8}"/>
+              </a:ext>
+            </a:extLst>
+          </p:cNvPr>
+          <p:cNvSpPr>
+            <a:spLocks noGrp="1"/>
+          </p:cNvSpPr>
+          <p:nvPr>
+            <p:ph type="ctrTitle"/>
+          </p:nvPr>
+        </p:nvSpPr>
+        <p:spPr>
+          <a:xfrm>
+            <a:off x="6630235" y="890427"/>
+            <a:ext cx="4577335" cy="1264588"/>
+          </a:xfrm>
+        </p:spPr>
+        <p:txBody>
+          <a:bodyPr anchor="ctr">
+            <a:normAutofit fontScale="90000"/>
+          </a:bodyPr>
+          <a:lstStyle/>
+          <a:p>
+            <a:pPr algn="ctr"/>
+            <a:r>
+              <a:rPr lang="en-US" sz="6000" dirty="0">
+                <a:solidFill>
+                  <a:schemeClr val="bg2">
+                    <a:lumMod val="10000"/>
+                    <a:lumOff val="90000"/>
+                  </a:schemeClr>
+                </a:solidFill>
+                <a:latin typeface="Selawik Semibold" panose="020B0702040204020203" pitchFamily="34" charset="0"/>
+              </a:rPr>
+              <a:t>Final </a:t>
+            </a:r>
+            <a:br>
+              <a:rPr lang="en-US" sz="6000" dirty="0">
+                <a:solidFill>
+                  <a:schemeClr val="bg2">
+                    <a:lumMod val="10000"/>
+                    <a:lumOff val="90000"/>
+                  </a:schemeClr>
+                </a:solidFill>
+                <a:latin typeface="Selawik Semibold" panose="020B0702040204020203" pitchFamily="34" charset="0"/>
+              </a:rPr>
+            </a:br>
+            <a:r>
+              <a:rPr lang="en-US" sz="6000" dirty="0">
+                <a:solidFill>
+                  <a:schemeClr val="bg2">
+                    <a:lumMod val="10000"/>
+                    <a:lumOff val="90000"/>
+                  </a:schemeClr>
+                </a:solidFill>
+                <a:latin typeface="Selawik Semibold" panose="020B0702040204020203" pitchFamily="34" charset="0"/>
+              </a:rPr>
+              <a:t>Inspiration</a:t>
+            </a:r>
+          </a:p>
+        </p:txBody>
+      </p:sp>
+      <p:sp>
+        <p:nvSpPr>
+          <p:cNvPr id="16" name="Content Placeholder 8">
+            <a:extLst>
+              <a:ext uri="{FF2B5EF4-FFF2-40B4-BE49-F238E27FC236}">
+                <a16:creationId xmlns:a16="http://schemas.microsoft.com/office/drawing/2014/main" id="{EFC1D832-5298-413A-ACCB-93C0C72C636D}"/>
+              </a:ext>
+            </a:extLst>
+          </p:cNvPr>
+          <p:cNvSpPr txBox="1">
+            <a:spLocks/>
+          </p:cNvSpPr>
+          <p:nvPr/>
+        </p:nvSpPr>
+        <p:spPr>
+          <a:xfrm>
+            <a:off x="5307645" y="4702986"/>
+            <a:ext cx="6639939" cy="3247008"/>
+          </a:xfrm>
+          <a:prstGeom prst="rect">
+            <a:avLst/>
+          </a:prstGeom>
+        </p:spPr>
+        <p:txBody>
+          <a:bodyPr vert="horz" lIns="91440" tIns="45720" rIns="91440" bIns="45720" rtlCol="0">
+            <a:normAutofit/>
+          </a:bodyPr>
+          <a:lstStyle>
+            <a:lvl1pPr marL="0" indent="0" algn="ctr" defTabSz="914400" rtl="0" eaLnBrk="1" latinLnBrk="0" hangingPunct="1">
+              <a:lnSpc>
+                <a:spcPct val="90000"/>
+              </a:lnSpc>
+              <a:spcBef>
+                <a:spcPts val="1000"/>
+              </a:spcBef>
+              <a:buFont typeface="Arial" panose="020B0604020202020204" pitchFamily="34" charset="0"/>
+              <a:buNone/>
+              <a:defRPr sz="2400" kern="1200">
+                <a:solidFill>
+                  <a:schemeClr val="tx1"/>
+                </a:solidFill>
+                <a:latin typeface="+mn-lt"/>
+                <a:ea typeface="+mn-ea"/>
+                <a:cs typeface="+mn-cs"/>
+              </a:defRPr>
+            </a:lvl1pPr>
+            <a:lvl2pPr marL="457200" indent="0" algn="ctr" defTabSz="914400" rtl="0" eaLnBrk="1" latinLnBrk="0" hangingPunct="1">
+              <a:lnSpc>
+                <a:spcPct val="90000"/>
+              </a:lnSpc>
+              <a:spcBef>
+                <a:spcPts val="500"/>
+              </a:spcBef>
+              <a:buFont typeface="Arial" panose="020B0604020202020204" pitchFamily="34" charset="0"/>
+              <a:buNone/>
+              <a:defRPr sz="2000" kern="1200">
+                <a:solidFill>
+                  <a:schemeClr val="tx1"/>
+                </a:solidFill>
+                <a:latin typeface="+mn-lt"/>
+                <a:ea typeface="+mn-ea"/>
+                <a:cs typeface="+mn-cs"/>
+              </a:defRPr>
+            </a:lvl2pPr>
+            <a:lvl3pPr marL="914400" indent="0" algn="ctr" defTabSz="914400" rtl="0" eaLnBrk="1" latinLnBrk="0" hangingPunct="1">
+              <a:lnSpc>
+                <a:spcPct val="90000"/>
+              </a:lnSpc>
+              <a:spcBef>
+                <a:spcPts val="500"/>
+              </a:spcBef>
+              <a:buFont typeface="Arial" panose="020B0604020202020204" pitchFamily="34" charset="0"/>
+              <a:buNone/>
+              <a:defRPr sz="1800" kern="1200">
+                <a:solidFill>
+                  <a:schemeClr val="tx1"/>
+                </a:solidFill>
+                <a:latin typeface="+mn-lt"/>
+                <a:ea typeface="+mn-ea"/>
+                <a:cs typeface="+mn-cs"/>
+              </a:defRPr>
+            </a:lvl3pPr>
+            <a:lvl4pPr marL="1371600" indent="0" algn="ctr" defTabSz="914400" rtl="0" eaLnBrk="1" latinLnBrk="0" hangingPunct="1">
+              <a:lnSpc>
+                <a:spcPct val="90000"/>
+              </a:lnSpc>
+              <a:spcBef>
+                <a:spcPts val="500"/>
+              </a:spcBef>
+              <a:buFont typeface="Arial" panose="020B0604020202020204" pitchFamily="34" charset="0"/>
+              <a:buNone/>
+              <a:defRPr sz="1600" kern="1200">
+                <a:solidFill>
+                  <a:schemeClr val="tx1"/>
+                </a:solidFill>
+                <a:latin typeface="+mn-lt"/>
+                <a:ea typeface="+mn-ea"/>
+                <a:cs typeface="+mn-cs"/>
+              </a:defRPr>
+            </a:lvl4pPr>
+            <a:lvl5pPr marL="1828800" indent="0" algn="ctr" defTabSz="914400" rtl="0" eaLnBrk="1" latinLnBrk="0" hangingPunct="1">
+              <a:lnSpc>
+                <a:spcPct val="90000"/>
+              </a:lnSpc>
+              <a:spcBef>
+                <a:spcPts val="500"/>
+              </a:spcBef>
+              <a:buFont typeface="Arial" panose="020B0604020202020204" pitchFamily="34" charset="0"/>
+              <a:buNone/>
+              <a:defRPr sz="1600" kern="1200">
+                <a:solidFill>
+                  <a:schemeClr val="tx1"/>
+                </a:solidFill>
+                <a:latin typeface="+mn-lt"/>
+                <a:ea typeface="+mn-ea"/>
+                <a:cs typeface="+mn-cs"/>
+              </a:defRPr>
+            </a:lvl5pPr>
+            <a:lvl6pPr marL="2286000" indent="0" algn="ctr" defTabSz="914400" rtl="0" eaLnBrk="1" latinLnBrk="0" hangingPunct="1">
+              <a:lnSpc>
+                <a:spcPct val="90000"/>
+              </a:lnSpc>
+              <a:spcBef>
+                <a:spcPts val="500"/>
+              </a:spcBef>
+              <a:buFont typeface="Arial" panose="020B0604020202020204" pitchFamily="34" charset="0"/>
+              <a:buNone/>
+              <a:defRPr sz="1600" kern="1200">
+                <a:solidFill>
+                  <a:schemeClr val="tx1"/>
+                </a:solidFill>
+                <a:latin typeface="+mn-lt"/>
+                <a:ea typeface="+mn-ea"/>
+                <a:cs typeface="+mn-cs"/>
+              </a:defRPr>
+            </a:lvl6pPr>
+            <a:lvl7pPr marL="2743200" indent="0" algn="ctr" defTabSz="914400" rtl="0" eaLnBrk="1" latinLnBrk="0" hangingPunct="1">
+              <a:lnSpc>
+                <a:spcPct val="90000"/>
+              </a:lnSpc>
+              <a:spcBef>
+                <a:spcPts val="500"/>
+              </a:spcBef>
+              <a:buFont typeface="Arial" panose="020B0604020202020204" pitchFamily="34" charset="0"/>
+              <a:buNone/>
+              <a:defRPr sz="1600" kern="1200">
+                <a:solidFill>
+                  <a:schemeClr val="tx1"/>
+                </a:solidFill>
+                <a:latin typeface="+mn-lt"/>
+                <a:ea typeface="+mn-ea"/>
+                <a:cs typeface="+mn-cs"/>
+              </a:defRPr>
+            </a:lvl7pPr>
+            <a:lvl8pPr marL="3200400" indent="0" algn="ctr" defTabSz="914400" rtl="0" eaLnBrk="1" latinLnBrk="0" hangingPunct="1">
+              <a:lnSpc>
+                <a:spcPct val="90000"/>
+              </a:lnSpc>
+              <a:spcBef>
+                <a:spcPts val="500"/>
+              </a:spcBef>
+              <a:buFont typeface="Arial" panose="020B0604020202020204" pitchFamily="34" charset="0"/>
+              <a:buNone/>
+              <a:defRPr sz="1600" kern="1200">
+                <a:solidFill>
+                  <a:schemeClr val="tx1"/>
+                </a:solidFill>
+                <a:latin typeface="+mn-lt"/>
+                <a:ea typeface="+mn-ea"/>
+                <a:cs typeface="+mn-cs"/>
+              </a:defRPr>
+            </a:lvl8pPr>
+            <a:lvl9pPr marL="3657600" indent="0" algn="ctr" defTabSz="914400" rtl="0" eaLnBrk="1" latinLnBrk="0" hangingPunct="1">
+              <a:lnSpc>
+                <a:spcPct val="90000"/>
+              </a:lnSpc>
+              <a:spcBef>
+                <a:spcPts val="500"/>
+              </a:spcBef>
+              <a:buFont typeface="Arial" panose="020B0604020202020204" pitchFamily="34" charset="0"/>
+              <a:buNone/>
+              <a:defRPr sz="1600" kern="1200">
+                <a:solidFill>
+                  <a:schemeClr val="tx1"/>
+                </a:solidFill>
+                <a:latin typeface="+mn-lt"/>
+                <a:ea typeface="+mn-ea"/>
+                <a:cs typeface="+mn-cs"/>
+              </a:defRPr>
+            </a:lvl9pPr>
+          </a:lstStyle>
+          <a:p>
+            <a:pPr algn="r"/>
+            <a:r>
+              <a:rPr lang="en-US" sz="2800" dirty="0">
+                <a:solidFill>
+                  <a:schemeClr val="bg2">
+                    <a:lumMod val="10000"/>
+                    <a:lumOff val="90000"/>
+                  </a:schemeClr>
+                </a:solidFill>
+                <a:latin typeface="Selawik Semibold" panose="020B0702040204020203" pitchFamily="34" charset="0"/>
+              </a:rPr>
+              <a:t>If you don’t remember if you played football, you probably played football.</a:t>
+            </a:r>
+          </a:p>
+          <a:p>
+            <a:pPr algn="r"/>
+            <a:endParaRPr lang="en-US" sz="2800" dirty="0">
+              <a:solidFill>
+                <a:schemeClr val="bg2">
+                  <a:lumMod val="10000"/>
+                  <a:lumOff val="90000"/>
+                </a:schemeClr>
+              </a:solidFill>
+              <a:latin typeface="Selawik Semibold" panose="020B0702040204020203" pitchFamily="34" charset="0"/>
+            </a:endParaRPr>
+          </a:p>
+          <a:p>
+            <a:pPr algn="r"/>
+            <a:r>
+              <a:rPr lang="en-US" sz="2800" dirty="0">
+                <a:solidFill>
+                  <a:schemeClr val="bg2">
+                    <a:lumMod val="10000"/>
+                    <a:lumOff val="90000"/>
+                  </a:schemeClr>
+                </a:solidFill>
+                <a:latin typeface="Selawik Semibold" panose="020B0702040204020203" pitchFamily="34" charset="0"/>
+              </a:rPr>
+              <a:t>- Mahatma Mario </a:t>
+            </a:r>
+          </a:p>
+          <a:p>
+            <a:pPr lvl="2" algn="r"/>
+            <a:endParaRPr lang="en-US" sz="2800" dirty="0">
+              <a:solidFill>
+                <a:schemeClr val="tx1">
+                  <a:lumMod val="85000"/>
+                </a:schemeClr>
+              </a:solidFill>
+              <a:latin typeface="Selawik Semibold" panose="020B0702040204020203" pitchFamily="34" charset="0"/>
+            </a:endParaRPr>
+          </a:p>
+          <a:p>
+            <a:pPr lvl="2" algn="r"/>
+            <a:endParaRPr lang="en-US" sz="2800" dirty="0">
+              <a:solidFill>
+                <a:schemeClr val="tx1">
+                  <a:lumMod val="85000"/>
+                </a:schemeClr>
+              </a:solidFill>
+              <a:latin typeface="Selawik Semibold" panose="020B0702040204020203" pitchFamily="34" charset="0"/>
+            </a:endParaRPr>
+          </a:p>
+          <a:p>
+            <a:pPr lvl="2" algn="r"/>
+            <a:endParaRPr lang="en-US" sz="2800" dirty="0">
+              <a:solidFill>
+                <a:schemeClr val="tx1">
+                  <a:lumMod val="85000"/>
+                </a:schemeClr>
+              </a:solidFill>
+              <a:latin typeface="Selawik Semibold" panose="020B0702040204020203" pitchFamily="34" charset="0"/>
+            </a:endParaRPr>
+          </a:p>
+        </p:txBody>
+      </p:sp>
+    </p:spTree>
+    <p:extLst>
+      <p:ext uri="{BB962C8B-B14F-4D97-AF65-F5344CB8AC3E}">
+        <p14:creationId xmlns:p14="http://schemas.microsoft.com/office/powerpoint/2010/main" val="1593475065"/>
+      </p:ext>
+    </p:extLst>
+  </p:cSld>
+  <p:clrMapOvr>
+    <a:masterClrMapping/>
+  </p:clrMapOvr>
+</p:sld>
+</file>
+
 <file path=ppt/slides/slide2.xml><?xml version="1.0" encoding="utf-8"?>
 <p:sld xmlns:a="http://schemas.openxmlformats.org/drawingml/2006/main" xmlns:r="http://schemas.openxmlformats.org/officeDocument/2006/relationships" xmlns:p="http://schemas.openxmlformats.org/presentationml/2006/main">
   <p:cSld>
@@ -7360,7 +7863,7 @@
         <p:spPr>
           <a:xfrm>
             <a:off x="2283155" y="1490925"/>
-            <a:ext cx="6243328" cy="4838569"/>
+            <a:ext cx="7729850" cy="4838569"/>
           </a:xfrm>
         </p:spPr>
         <p:txBody>
@@ -7540,7 +8043,7 @@
             </a:r>
           </a:p>
           <a:p>
-            <a:pPr marL="0" lvl="1">
+            <a:pPr marL="377100" lvl="1" indent="0">
               <a:spcBef>
                 <a:spcPts val="0"/>
               </a:spcBef>
@@ -7548,10 +8051,141 @@
                 <a:spcPts val="0"/>
               </a:spcAft>
               <a:buClr>
-                <a:srgbClr val="FDA414"/>
+                <a:srgbClr val="D34817"/>
               </a:buClr>
               <a:buSzPct val="100000"/>
+              <a:buFont typeface="Wingdings" panose="05000000000000000000" pitchFamily="2" charset="2"/>
+              <a:buChar char="v"/>
             </a:pPr>
+            <a:r>
+              <a:rPr lang="en-US" sz="2000" dirty="0">
+                <a:solidFill>
+                  <a:schemeClr val="bg2">
+                    <a:lumMod val="10000"/>
+                    <a:lumOff val="90000"/>
+                  </a:schemeClr>
+                </a:solidFill>
+                <a:effectLst/>
+                <a:latin typeface="Selawik Semibold" panose="020B0702040204020203" pitchFamily="34" charset="0"/>
+              </a:rPr>
+              <a:t>Passing YDS and Rushing YDS Not Effective</a:t>
+            </a:r>
+          </a:p>
+          <a:p>
+            <a:pPr marL="377100" lvl="1" indent="0">
+              <a:spcBef>
+                <a:spcPts val="0"/>
+              </a:spcBef>
+              <a:spcAft>
+                <a:spcPts val="0"/>
+              </a:spcAft>
+              <a:buClr>
+                <a:srgbClr val="D34817"/>
+              </a:buClr>
+              <a:buSzPct val="100000"/>
+              <a:buFont typeface="Wingdings" panose="05000000000000000000" pitchFamily="2" charset="2"/>
+              <a:buChar char="v"/>
+            </a:pPr>
+            <a:r>
+              <a:rPr lang="en-US" sz="2000" dirty="0">
+                <a:solidFill>
+                  <a:schemeClr val="bg2">
+                    <a:lumMod val="10000"/>
+                    <a:lumOff val="90000"/>
+                  </a:schemeClr>
+                </a:solidFill>
+                <a:effectLst/>
+                <a:latin typeface="Selawik Semibold" panose="020B0702040204020203" pitchFamily="34" charset="0"/>
+              </a:rPr>
+              <a:t>Showed YDS/ATT Good Predictors of Success</a:t>
+            </a:r>
+          </a:p>
+          <a:p>
+            <a:pPr marL="377100" lvl="1" indent="0">
+              <a:spcBef>
+                <a:spcPts val="0"/>
+              </a:spcBef>
+              <a:spcAft>
+                <a:spcPts val="0"/>
+              </a:spcAft>
+              <a:buClr>
+                <a:srgbClr val="D34817"/>
+              </a:buClr>
+              <a:buSzPct val="100000"/>
+              <a:buFont typeface="Wingdings" panose="05000000000000000000" pitchFamily="2" charset="2"/>
+              <a:buChar char="v"/>
+            </a:pPr>
+            <a:r>
+              <a:rPr lang="en-US" sz="2000" dirty="0">
+                <a:solidFill>
+                  <a:schemeClr val="bg2">
+                    <a:lumMod val="10000"/>
+                    <a:lumOff val="90000"/>
+                  </a:schemeClr>
+                </a:solidFill>
+                <a:effectLst/>
+                <a:latin typeface="Selawik Semibold" panose="020B0702040204020203" pitchFamily="34" charset="0"/>
+              </a:rPr>
+              <a:t>Measures of Efficiency are Better Than Counts</a:t>
+            </a:r>
+          </a:p>
+          <a:p>
+            <a:pPr marL="377100" lvl="1" indent="0">
+              <a:spcBef>
+                <a:spcPts val="0"/>
+              </a:spcBef>
+              <a:spcAft>
+                <a:spcPts val="0"/>
+              </a:spcAft>
+              <a:buClr>
+                <a:srgbClr val="D34817"/>
+              </a:buClr>
+              <a:buSzPct val="100000"/>
+              <a:buFont typeface="Wingdings" panose="05000000000000000000" pitchFamily="2" charset="2"/>
+              <a:buChar char="v"/>
+            </a:pPr>
+            <a:r>
+              <a:rPr lang="en-US" sz="2000" dirty="0">
+                <a:solidFill>
+                  <a:schemeClr val="bg2">
+                    <a:lumMod val="10000"/>
+                    <a:lumOff val="90000"/>
+                  </a:schemeClr>
+                </a:solidFill>
+                <a:effectLst/>
+                <a:latin typeface="Selawik Semibold" panose="020B0702040204020203" pitchFamily="34" charset="0"/>
+              </a:rPr>
+              <a:t>Both Passing and Rushing Attempts Use Up a Down</a:t>
+            </a:r>
+          </a:p>
+          <a:p>
+            <a:pPr marL="377100" lvl="1" indent="0">
+              <a:spcBef>
+                <a:spcPts val="0"/>
+              </a:spcBef>
+              <a:spcAft>
+                <a:spcPts val="0"/>
+              </a:spcAft>
+              <a:buClr>
+                <a:srgbClr val="D34817"/>
+              </a:buClr>
+              <a:buSzPct val="100000"/>
+              <a:buFont typeface="Wingdings" panose="05000000000000000000" pitchFamily="2" charset="2"/>
+              <a:buChar char="v"/>
+            </a:pPr>
+            <a:r>
+              <a:rPr lang="en-US" sz="2000" dirty="0">
+                <a:solidFill>
+                  <a:schemeClr val="bg2">
+                    <a:lumMod val="10000"/>
+                    <a:lumOff val="90000"/>
+                  </a:schemeClr>
+                </a:solidFill>
+                <a:effectLst/>
+                <a:latin typeface="Selawik Semibold" panose="020B0702040204020203" pitchFamily="34" charset="0"/>
+              </a:rPr>
+              <a:t>Downs in Football are Important Resources</a:t>
+            </a:r>
             <a:endParaRPr lang="en-US" sz="2400" dirty="0">
               <a:effectLst/>
               <a:latin typeface="Selawik Semibold" panose="020B0702040204020203" pitchFamily="34" charset="0"/>
@@ -7849,7 +8483,7 @@
         <p:spPr>
           <a:xfrm>
             <a:off x="10013005" y="1660888"/>
-            <a:ext cx="2178994" cy="4470544"/>
+            <a:ext cx="2178994" cy="813912"/>
           </a:xfrm>
           <a:prstGeom prst="rect">
             <a:avLst/>
@@ -7898,7 +8532,7 @@
         <p:spPr>
           <a:xfrm>
             <a:off x="10013005" y="1760270"/>
-            <a:ext cx="2322658" cy="590931"/>
+            <a:ext cx="2322658" cy="646331"/>
           </a:xfrm>
           <a:prstGeom prst="rect">
             <a:avLst/>
@@ -7927,14 +8561,15 @@
               <a:buSzPct val="100000"/>
             </a:pPr>
             <a:r>
-              <a:rPr lang="en-US" dirty="0">
+              <a:rPr lang="en-US" sz="2000" dirty="0">
                 <a:solidFill>
                   <a:schemeClr val="bg2">
                     <a:lumMod val="10000"/>
                     <a:lumOff val="90000"/>
                   </a:schemeClr>
                 </a:solidFill>
-                <a:latin typeface="Selawik Semibold" panose="020B0702040204020203" pitchFamily="34" charset="0"/>
+                <a:latin typeface="Calibri" panose="020F0502020204030204" pitchFamily="34" charset="0"/>
+                <a:cs typeface="Calibri" panose="020F0502020204030204" pitchFamily="34" charset="0"/>
               </a:rPr>
               <a:t>YDS = Yards</a:t>
             </a:r>
@@ -7956,16 +8591,17 @@
               <a:buSzPct val="100000"/>
             </a:pPr>
             <a:r>
-              <a:rPr lang="en-US" dirty="0">
+              <a:rPr lang="en-US" sz="2000" dirty="0">
                 <a:solidFill>
                   <a:schemeClr val="bg2">
                     <a:lumMod val="10000"/>
                     <a:lumOff val="90000"/>
                   </a:schemeClr>
                 </a:solidFill>
-                <a:latin typeface="Selawik Semibold" panose="020B0702040204020203" pitchFamily="34" charset="0"/>
+                <a:latin typeface="Calibri" panose="020F0502020204030204" pitchFamily="34" charset="0"/>
+                <a:cs typeface="Calibri" panose="020F0502020204030204" pitchFamily="34" charset="0"/>
               </a:rPr>
-              <a:t>ATT = Attempts</a:t>
+              <a:t>ATT = Attempt</a:t>
             </a:r>
           </a:p>
         </p:txBody>
@@ -7988,7 +8624,7 @@
   <p:cSld>
     <p:bg>
       <p:bgPr>
-        <a:blipFill dpi="0" rotWithShape="1">
+        <a:blipFill rotWithShape="1">
           <a:blip r:embed="rId2">
             <a:duotone>
               <a:schemeClr val="bg2">
@@ -7999,12 +8635,8 @@
                 <a:tint val="98000"/>
               </a:schemeClr>
             </a:duotone>
-            <a:lum/>
           </a:blip>
-          <a:srcRect/>
-          <a:stretch>
-            <a:fillRect/>
-          </a:stretch>
+          <a:stretch/>
         </a:blipFill>
         <a:effectLst/>
       </p:bgPr>
@@ -8025,10 +8657,10 @@
       </p:grpSpPr>
       <p:pic>
         <p:nvPicPr>
-          <p:cNvPr id="5" name="Picture 4" descr="A picture containing indoor&#10;&#10;Description automatically generated">
+          <p:cNvPr id="21" name="Picture 20" descr="A picture containing clothing, person, headdress, baseball&#10;&#10;Description automatically generated">
             <a:extLst>
               <a:ext uri="{FF2B5EF4-FFF2-40B4-BE49-F238E27FC236}">
-                <a16:creationId xmlns:a16="http://schemas.microsoft.com/office/drawing/2014/main" id="{48589EA3-03B9-4D42-8282-8AC52D63CBF3}"/>
+                <a16:creationId xmlns:a16="http://schemas.microsoft.com/office/drawing/2014/main" id="{68BA132B-EA3B-4DFB-BEF2-04F4ACB3B027}"/>
               </a:ext>
             </a:extLst>
           </p:cNvPr>
@@ -8040,104 +8672,95 @@
         <p:blipFill rotWithShape="1">
           <a:blip r:embed="rId3">
             <a:extLst>
+              <a:ext uri="{BEBA8EAE-BF5A-486C-A8C5-ECC9F3942E4B}">
+                <a14:imgProps xmlns:a14="http://schemas.microsoft.com/office/drawing/2010/main">
+                  <a14:imgLayer r:embed="rId4">
+                    <a14:imgEffect>
+                      <a14:colorTemperature colorTemp="11151"/>
+                    </a14:imgEffect>
+                    <a14:imgEffect>
+                      <a14:saturation sat="0"/>
+                    </a14:imgEffect>
+                  </a14:imgLayer>
+                </a14:imgProps>
+              </a:ext>
               <a:ext uri="{28A0092B-C50C-407E-A947-70E740481C1C}">
                 <a14:useLocalDpi xmlns:a14="http://schemas.microsoft.com/office/drawing/2010/main" val="0"/>
               </a:ext>
             </a:extLst>
           </a:blip>
-          <a:srcRect l="19805" r="19804" b="-1"/>
+          <a:srcRect r="3" b="7624"/>
           <a:stretch/>
         </p:blipFill>
         <p:spPr>
           <a:xfrm>
-            <a:off x="0" y="0"/>
-            <a:ext cx="6024144" cy="6858000"/>
-          </a:xfrm>
-          <a:custGeom>
+            <a:off x="-1051136" y="3119615"/>
+            <a:ext cx="4065464" cy="3258005"/>
+          </a:xfrm>
+          <a:prstGeom prst="rect">
             <a:avLst/>
-            <a:gdLst>
-              <a:gd name="connsiteX0" fmla="*/ 0 w 6024154"/>
-              <a:gd name="connsiteY0" fmla="*/ 0 h 6858000"/>
-              <a:gd name="connsiteX1" fmla="*/ 5953780 w 6024154"/>
-              <a:gd name="connsiteY1" fmla="*/ 0 h 6858000"/>
-              <a:gd name="connsiteX2" fmla="*/ 5989880 w 6024154"/>
-              <a:gd name="connsiteY2" fmla="*/ 284091 h 6858000"/>
-              <a:gd name="connsiteX3" fmla="*/ 6024154 w 6024154"/>
-              <a:gd name="connsiteY3" fmla="*/ 962844 h 6858000"/>
-              <a:gd name="connsiteX4" fmla="*/ 2549934 w 6024154"/>
-              <a:gd name="connsiteY4" fmla="*/ 6800152 h 6858000"/>
-              <a:gd name="connsiteX5" fmla="*/ 2436987 w 6024154"/>
-              <a:gd name="connsiteY5" fmla="*/ 6858000 h 6858000"/>
-              <a:gd name="connsiteX6" fmla="*/ 0 w 6024154"/>
-              <a:gd name="connsiteY6" fmla="*/ 6858000 h 6858000"/>
-            </a:gdLst>
-            <a:ahLst/>
-            <a:cxnLst>
-              <a:cxn ang="0">
-                <a:pos x="connsiteX0" y="connsiteY0"/>
-              </a:cxn>
-              <a:cxn ang="0">
-                <a:pos x="connsiteX1" y="connsiteY1"/>
-              </a:cxn>
-              <a:cxn ang="0">
-                <a:pos x="connsiteX2" y="connsiteY2"/>
-              </a:cxn>
-              <a:cxn ang="0">
-                <a:pos x="connsiteX3" y="connsiteY3"/>
-              </a:cxn>
-              <a:cxn ang="0">
-                <a:pos x="connsiteX4" y="connsiteY4"/>
-              </a:cxn>
-              <a:cxn ang="0">
-                <a:pos x="connsiteX5" y="connsiteY5"/>
-              </a:cxn>
-              <a:cxn ang="0">
-                <a:pos x="connsiteX6" y="connsiteY6"/>
-              </a:cxn>
-            </a:cxnLst>
-            <a:rect l="l" t="t" r="r" b="b"/>
-            <a:pathLst>
-              <a:path w="6024154" h="6858000">
-                <a:moveTo>
-                  <a:pt x="0" y="0"/>
-                </a:moveTo>
-                <a:lnTo>
-                  <a:pt x="5953780" y="0"/>
-                </a:lnTo>
-                <a:lnTo>
-                  <a:pt x="5989880" y="284091"/>
-                </a:lnTo>
-                <a:cubicBezTo>
-                  <a:pt x="6012544" y="507260"/>
-                  <a:pt x="6024154" y="733696"/>
-                  <a:pt x="6024154" y="962844"/>
-                </a:cubicBezTo>
-                <a:cubicBezTo>
-                  <a:pt x="6024154" y="3483472"/>
-                  <a:pt x="4619336" y="5675986"/>
-                  <a:pt x="2549934" y="6800152"/>
-                </a:cubicBezTo>
-                <a:lnTo>
-                  <a:pt x="2436987" y="6858000"/>
-                </a:lnTo>
-                <a:lnTo>
-                  <a:pt x="0" y="6858000"/>
-                </a:lnTo>
-                <a:close/>
-              </a:path>
-            </a:pathLst>
-          </a:custGeom>
-          <a:ln w="28575">
-            <a:noFill/>
-          </a:ln>
+          </a:prstGeom>
         </p:spPr>
       </p:pic>
       <p:sp>
         <p:nvSpPr>
-          <p:cNvPr id="12" name="Title 1">
+          <p:cNvPr id="41" name="Rectangle 40">
             <a:extLst>
               <a:ext uri="{FF2B5EF4-FFF2-40B4-BE49-F238E27FC236}">
-                <a16:creationId xmlns:a16="http://schemas.microsoft.com/office/drawing/2014/main" id="{0B9C460C-DD3D-4F1C-9FEE-8EC7228DF8C8}"/>
+                <a16:creationId xmlns:a16="http://schemas.microsoft.com/office/drawing/2014/main" id="{7BDB8227-827C-484D-95AA-05C24716BEB4}"/>
+              </a:ext>
+            </a:extLst>
+          </p:cNvPr>
+          <p:cNvSpPr/>
+          <p:nvPr/>
+        </p:nvSpPr>
+        <p:spPr>
+          <a:xfrm>
+            <a:off x="1911020" y="528506"/>
+            <a:ext cx="6928179" cy="813912"/>
+          </a:xfrm>
+          <a:prstGeom prst="rect">
+            <a:avLst/>
+          </a:prstGeom>
+          <a:solidFill>
+            <a:srgbClr val="D34817"/>
+          </a:solidFill>
+        </p:spPr>
+        <p:style>
+          <a:lnRef idx="2">
+            <a:schemeClr val="accent1">
+              <a:shade val="50000"/>
+            </a:schemeClr>
+          </a:lnRef>
+          <a:fillRef idx="1">
+            <a:schemeClr val="accent1"/>
+          </a:fillRef>
+          <a:effectRef idx="0">
+            <a:schemeClr val="accent1"/>
+          </a:effectRef>
+          <a:fontRef idx="minor">
+            <a:schemeClr val="lt1"/>
+          </a:fontRef>
+        </p:style>
+        <p:txBody>
+          <a:bodyPr rtlCol="0" anchor="ctr"/>
+          <a:lstStyle/>
+          <a:p>
+            <a:pPr algn="ctr"/>
+            <a:endParaRPr lang="en-US">
+              <a:solidFill>
+                <a:srgbClr val="A6A1A1"/>
+              </a:solidFill>
+            </a:endParaRPr>
+          </a:p>
+        </p:txBody>
+      </p:sp>
+      <p:sp>
+        <p:nvSpPr>
+          <p:cNvPr id="4" name="Title 3">
+            <a:extLst>
+              <a:ext uri="{FF2B5EF4-FFF2-40B4-BE49-F238E27FC236}">
+                <a16:creationId xmlns:a16="http://schemas.microsoft.com/office/drawing/2014/main" id="{4A6C2FBC-B0EB-45C1-9469-C4F6741ECB31}"/>
               </a:ext>
             </a:extLst>
           </p:cNvPr>
@@ -8145,332 +8768,5712 @@
             <a:spLocks noGrp="1"/>
           </p:cNvSpPr>
           <p:nvPr>
-            <p:ph type="ctrTitle"/>
+            <p:ph type="title"/>
           </p:nvPr>
         </p:nvSpPr>
         <p:spPr>
           <a:xfrm>
-            <a:off x="6630235" y="890427"/>
-            <a:ext cx="4577335" cy="1264588"/>
-          </a:xfrm>
-        </p:spPr>
-        <p:txBody>
-          <a:bodyPr anchor="ctr">
-            <a:normAutofit fontScale="90000"/>
+            <a:off x="1911020" y="428653"/>
+            <a:ext cx="6928179" cy="970450"/>
+          </a:xfrm>
+          <a:effectLst>
+            <a:outerShdw blurRad="25400" dir="17880000">
+              <a:srgbClr val="000000">
+                <a:alpha val="70000"/>
+              </a:srgbClr>
+            </a:outerShdw>
+          </a:effectLst>
+        </p:spPr>
+        <p:txBody>
+          <a:bodyPr>
+            <a:normAutofit/>
           </a:bodyPr>
           <a:lstStyle/>
           <a:p>
-            <a:pPr algn="ctr"/>
-            <a:r>
-              <a:rPr lang="en-US" sz="6000" dirty="0">
+            <a:pPr algn="l"/>
+            <a:r>
+              <a:rPr lang="en-US" sz="3600" dirty="0">
+                <a:ln>
+                  <a:noFill/>
+                </a:ln>
                 <a:solidFill>
                   <a:schemeClr val="bg2">
                     <a:lumMod val="10000"/>
                     <a:lumOff val="90000"/>
                   </a:schemeClr>
                 </a:solidFill>
+                <a:effectLst/>
                 <a:latin typeface="Selawik Semibold" panose="020B0702040204020203" pitchFamily="34" charset="0"/>
               </a:rPr>
-              <a:t>Final </a:t>
-            </a:r>
-            <a:br>
-              <a:rPr lang="en-US" sz="6000" dirty="0">
+              <a:t>What Makes Teams Win</a:t>
+            </a:r>
+          </a:p>
+        </p:txBody>
+      </p:sp>
+      <p:sp>
+        <p:nvSpPr>
+          <p:cNvPr id="24" name="Content Placeholder 2">
+            <a:extLst>
+              <a:ext uri="{FF2B5EF4-FFF2-40B4-BE49-F238E27FC236}">
+                <a16:creationId xmlns:a16="http://schemas.microsoft.com/office/drawing/2014/main" id="{52313B83-B214-43D7-AC39-182CE4FA3E53}"/>
+              </a:ext>
+            </a:extLst>
+          </p:cNvPr>
+          <p:cNvSpPr>
+            <a:spLocks noGrp="1"/>
+          </p:cNvSpPr>
+          <p:nvPr>
+            <p:ph idx="1"/>
+          </p:nvPr>
+        </p:nvSpPr>
+        <p:spPr>
+          <a:xfrm>
+            <a:off x="2283155" y="1490925"/>
+            <a:ext cx="7729850" cy="4838569"/>
+          </a:xfrm>
+        </p:spPr>
+        <p:txBody>
+          <a:bodyPr numCol="1" anchor="t">
+            <a:noAutofit/>
+          </a:bodyPr>
+          <a:lstStyle/>
+          <a:p>
+            <a:pPr marL="0" indent="0">
+              <a:spcBef>
+                <a:spcPts val="0"/>
+              </a:spcBef>
+              <a:spcAft>
+                <a:spcPts val="0"/>
+              </a:spcAft>
+              <a:buClr>
+                <a:srgbClr val="D34817"/>
+              </a:buClr>
+              <a:buSzPct val="100000"/>
+              <a:buFont typeface="Wingdings" panose="05000000000000000000" pitchFamily="2" charset="2"/>
+              <a:buChar char="v"/>
+            </a:pPr>
+            <a:r>
+              <a:rPr lang="en-US" sz="2400" dirty="0">
                 <a:solidFill>
                   <a:schemeClr val="bg2">
                     <a:lumMod val="10000"/>
                     <a:lumOff val="90000"/>
                   </a:schemeClr>
                 </a:solidFill>
+                <a:effectLst/>
                 <a:latin typeface="Selawik Semibold" panose="020B0702040204020203" pitchFamily="34" charset="0"/>
               </a:rPr>
-            </a:br>
-            <a:r>
-              <a:rPr lang="en-US" sz="6000" dirty="0">
+              <a:t>Scoring Margin for a Team</a:t>
+            </a:r>
+          </a:p>
+          <a:p>
+            <a:pPr marL="377100" lvl="1" indent="0">
+              <a:spcBef>
+                <a:spcPts val="0"/>
+              </a:spcBef>
+              <a:spcAft>
+                <a:spcPts val="0"/>
+              </a:spcAft>
+              <a:buClr>
+                <a:srgbClr val="D34817"/>
+              </a:buClr>
+              <a:buSzPct val="100000"/>
+              <a:buFont typeface="Wingdings" panose="05000000000000000000" pitchFamily="2" charset="2"/>
+              <a:buChar char="v"/>
+            </a:pPr>
+            <a:r>
+              <a:rPr lang="en-US" sz="2000" dirty="0">
                 <a:solidFill>
                   <a:schemeClr val="bg2">
                     <a:lumMod val="10000"/>
                     <a:lumOff val="90000"/>
                   </a:schemeClr>
                 </a:solidFill>
+                <a:effectLst/>
                 <a:latin typeface="Selawik Semibold" panose="020B0702040204020203" pitchFamily="34" charset="0"/>
               </a:rPr>
-              <a:t>Inspiration</a:t>
-            </a:r>
-          </a:p>
-        </p:txBody>
-      </p:sp>
-      <p:sp>
-        <p:nvSpPr>
-          <p:cNvPr id="16" name="Content Placeholder 8">
-            <a:extLst>
-              <a:ext uri="{FF2B5EF4-FFF2-40B4-BE49-F238E27FC236}">
-                <a16:creationId xmlns:a16="http://schemas.microsoft.com/office/drawing/2014/main" id="{EFC1D832-5298-413A-ACCB-93C0C72C636D}"/>
-              </a:ext>
-            </a:extLst>
-          </p:cNvPr>
-          <p:cNvSpPr txBox="1">
-            <a:spLocks/>
-          </p:cNvSpPr>
-          <p:nvPr/>
-        </p:nvSpPr>
-        <p:spPr>
-          <a:xfrm>
-            <a:off x="5307645" y="4702986"/>
-            <a:ext cx="6639939" cy="3247008"/>
-          </a:xfrm>
-          <a:prstGeom prst="rect">
-            <a:avLst/>
-          </a:prstGeom>
-        </p:spPr>
-        <p:txBody>
-          <a:bodyPr vert="horz" lIns="91440" tIns="45720" rIns="91440" bIns="45720" rtlCol="0">
-            <a:normAutofit/>
-          </a:bodyPr>
-          <a:lstStyle>
-            <a:lvl1pPr marL="0" indent="0" algn="ctr" defTabSz="914400" rtl="0" eaLnBrk="1" latinLnBrk="0" hangingPunct="1">
-              <a:lnSpc>
-                <a:spcPct val="90000"/>
-              </a:lnSpc>
+              <a:t>Often Called the Spread</a:t>
+            </a:r>
+          </a:p>
+          <a:p>
+            <a:pPr marL="377100" lvl="1" indent="0">
               <a:spcBef>
-                <a:spcPts val="1000"/>
+                <a:spcPts val="0"/>
               </a:spcBef>
-              <a:buFont typeface="Arial" panose="020B0604020202020204" pitchFamily="34" charset="0"/>
-              <a:buNone/>
-              <a:defRPr sz="2400" kern="1200">
-                <a:solidFill>
-                  <a:schemeClr val="tx1"/>
-                </a:solidFill>
-                <a:latin typeface="+mn-lt"/>
-                <a:ea typeface="+mn-ea"/>
-                <a:cs typeface="+mn-cs"/>
-              </a:defRPr>
-            </a:lvl1pPr>
-            <a:lvl2pPr marL="457200" indent="0" algn="ctr" defTabSz="914400" rtl="0" eaLnBrk="1" latinLnBrk="0" hangingPunct="1">
-              <a:lnSpc>
-                <a:spcPct val="90000"/>
-              </a:lnSpc>
-              <a:spcBef>
-                <a:spcPts val="500"/>
-              </a:spcBef>
-              <a:buFont typeface="Arial" panose="020B0604020202020204" pitchFamily="34" charset="0"/>
-              <a:buNone/>
-              <a:defRPr sz="2000" kern="1200">
-                <a:solidFill>
-                  <a:schemeClr val="tx1"/>
-                </a:solidFill>
-                <a:latin typeface="+mn-lt"/>
-                <a:ea typeface="+mn-ea"/>
-                <a:cs typeface="+mn-cs"/>
-              </a:defRPr>
-            </a:lvl2pPr>
-            <a:lvl3pPr marL="914400" indent="0" algn="ctr" defTabSz="914400" rtl="0" eaLnBrk="1" latinLnBrk="0" hangingPunct="1">
-              <a:lnSpc>
-                <a:spcPct val="90000"/>
-              </a:lnSpc>
-              <a:spcBef>
-                <a:spcPts val="500"/>
-              </a:spcBef>
-              <a:buFont typeface="Arial" panose="020B0604020202020204" pitchFamily="34" charset="0"/>
-              <a:buNone/>
-              <a:defRPr sz="1800" kern="1200">
-                <a:solidFill>
-                  <a:schemeClr val="tx1"/>
-                </a:solidFill>
-                <a:latin typeface="+mn-lt"/>
-                <a:ea typeface="+mn-ea"/>
-                <a:cs typeface="+mn-cs"/>
-              </a:defRPr>
-            </a:lvl3pPr>
-            <a:lvl4pPr marL="1371600" indent="0" algn="ctr" defTabSz="914400" rtl="0" eaLnBrk="1" latinLnBrk="0" hangingPunct="1">
-              <a:lnSpc>
-                <a:spcPct val="90000"/>
-              </a:lnSpc>
-              <a:spcBef>
-                <a:spcPts val="500"/>
-              </a:spcBef>
-              <a:buFont typeface="Arial" panose="020B0604020202020204" pitchFamily="34" charset="0"/>
-              <a:buNone/>
-              <a:defRPr sz="1600" kern="1200">
-                <a:solidFill>
-                  <a:schemeClr val="tx1"/>
-                </a:solidFill>
-                <a:latin typeface="+mn-lt"/>
-                <a:ea typeface="+mn-ea"/>
-                <a:cs typeface="+mn-cs"/>
-              </a:defRPr>
-            </a:lvl4pPr>
-            <a:lvl5pPr marL="1828800" indent="0" algn="ctr" defTabSz="914400" rtl="0" eaLnBrk="1" latinLnBrk="0" hangingPunct="1">
-              <a:lnSpc>
-                <a:spcPct val="90000"/>
-              </a:lnSpc>
-              <a:spcBef>
-                <a:spcPts val="500"/>
-              </a:spcBef>
-              <a:buFont typeface="Arial" panose="020B0604020202020204" pitchFamily="34" charset="0"/>
-              <a:buNone/>
-              <a:defRPr sz="1600" kern="1200">
-                <a:solidFill>
-                  <a:schemeClr val="tx1"/>
-                </a:solidFill>
-                <a:latin typeface="+mn-lt"/>
-                <a:ea typeface="+mn-ea"/>
-                <a:cs typeface="+mn-cs"/>
-              </a:defRPr>
-            </a:lvl5pPr>
-            <a:lvl6pPr marL="2286000" indent="0" algn="ctr" defTabSz="914400" rtl="0" eaLnBrk="1" latinLnBrk="0" hangingPunct="1">
-              <a:lnSpc>
-                <a:spcPct val="90000"/>
-              </a:lnSpc>
-              <a:spcBef>
-                <a:spcPts val="500"/>
-              </a:spcBef>
-              <a:buFont typeface="Arial" panose="020B0604020202020204" pitchFamily="34" charset="0"/>
-              <a:buNone/>
-              <a:defRPr sz="1600" kern="1200">
-                <a:solidFill>
-                  <a:schemeClr val="tx1"/>
-                </a:solidFill>
-                <a:latin typeface="+mn-lt"/>
-                <a:ea typeface="+mn-ea"/>
-                <a:cs typeface="+mn-cs"/>
-              </a:defRPr>
-            </a:lvl6pPr>
-            <a:lvl7pPr marL="2743200" indent="0" algn="ctr" defTabSz="914400" rtl="0" eaLnBrk="1" latinLnBrk="0" hangingPunct="1">
-              <a:lnSpc>
-                <a:spcPct val="90000"/>
-              </a:lnSpc>
-              <a:spcBef>
-                <a:spcPts val="500"/>
-              </a:spcBef>
-              <a:buFont typeface="Arial" panose="020B0604020202020204" pitchFamily="34" charset="0"/>
-              <a:buNone/>
-              <a:defRPr sz="1600" kern="1200">
-                <a:solidFill>
-                  <a:schemeClr val="tx1"/>
-                </a:solidFill>
-                <a:latin typeface="+mn-lt"/>
-                <a:ea typeface="+mn-ea"/>
-                <a:cs typeface="+mn-cs"/>
-              </a:defRPr>
-            </a:lvl7pPr>
-            <a:lvl8pPr marL="3200400" indent="0" algn="ctr" defTabSz="914400" rtl="0" eaLnBrk="1" latinLnBrk="0" hangingPunct="1">
-              <a:lnSpc>
-                <a:spcPct val="90000"/>
-              </a:lnSpc>
-              <a:spcBef>
-                <a:spcPts val="500"/>
-              </a:spcBef>
-              <a:buFont typeface="Arial" panose="020B0604020202020204" pitchFamily="34" charset="0"/>
-              <a:buNone/>
-              <a:defRPr sz="1600" kern="1200">
-                <a:solidFill>
-                  <a:schemeClr val="tx1"/>
-                </a:solidFill>
-                <a:latin typeface="+mn-lt"/>
-                <a:ea typeface="+mn-ea"/>
-                <a:cs typeface="+mn-cs"/>
-              </a:defRPr>
-            </a:lvl8pPr>
-            <a:lvl9pPr marL="3657600" indent="0" algn="ctr" defTabSz="914400" rtl="0" eaLnBrk="1" latinLnBrk="0" hangingPunct="1">
-              <a:lnSpc>
-                <a:spcPct val="90000"/>
-              </a:lnSpc>
-              <a:spcBef>
-                <a:spcPts val="500"/>
-              </a:spcBef>
-              <a:buFont typeface="Arial" panose="020B0604020202020204" pitchFamily="34" charset="0"/>
-              <a:buNone/>
-              <a:defRPr sz="1600" kern="1200">
-                <a:solidFill>
-                  <a:schemeClr val="tx1"/>
-                </a:solidFill>
-                <a:latin typeface="+mn-lt"/>
-                <a:ea typeface="+mn-ea"/>
-                <a:cs typeface="+mn-cs"/>
-              </a:defRPr>
-            </a:lvl9pPr>
-          </a:lstStyle>
-          <a:p>
-            <a:pPr algn="r"/>
-            <a:r>
-              <a:rPr lang="en-US" sz="2800" dirty="0">
+              <a:spcAft>
+                <a:spcPts val="0"/>
+              </a:spcAft>
+              <a:buClr>
+                <a:srgbClr val="D34817"/>
+              </a:buClr>
+              <a:buSzPct val="100000"/>
+              <a:buFont typeface="Wingdings" panose="05000000000000000000" pitchFamily="2" charset="2"/>
+              <a:buChar char="v"/>
+            </a:pPr>
+            <a:r>
+              <a:rPr lang="en-US" sz="2000" dirty="0">
                 <a:solidFill>
                   <a:schemeClr val="bg2">
                     <a:lumMod val="10000"/>
                     <a:lumOff val="90000"/>
                   </a:schemeClr>
                 </a:solidFill>
+                <a:effectLst/>
                 <a:latin typeface="Selawik Semibold" panose="020B0702040204020203" pitchFamily="34" charset="0"/>
               </a:rPr>
-              <a:t>If you don’t remember if you played football, you probably played football.</a:t>
-            </a:r>
-          </a:p>
-          <a:p>
-            <a:pPr algn="r"/>
-            <a:endParaRPr lang="en-US" sz="2800" dirty="0">
+              <a:t>Formula</a:t>
+            </a:r>
+          </a:p>
+          <a:p>
+            <a:pPr marL="377100" lvl="1" indent="0">
+              <a:spcBef>
+                <a:spcPts val="0"/>
+              </a:spcBef>
+              <a:spcAft>
+                <a:spcPts val="0"/>
+              </a:spcAft>
+              <a:buClr>
+                <a:srgbClr val="D34817"/>
+              </a:buClr>
+              <a:buSzPct val="100000"/>
+              <a:buFont typeface="Wingdings" panose="05000000000000000000" pitchFamily="2" charset="2"/>
+              <a:buChar char="v"/>
+            </a:pPr>
+            <a:endParaRPr lang="en-US" sz="2000" dirty="0">
               <a:solidFill>
                 <a:schemeClr val="bg2">
                   <a:lumMod val="10000"/>
                   <a:lumOff val="90000"/>
                 </a:schemeClr>
               </a:solidFill>
+              <a:effectLst/>
               <a:latin typeface="Selawik Semibold" panose="020B0702040204020203" pitchFamily="34" charset="0"/>
             </a:endParaRPr>
           </a:p>
           <a:p>
-            <a:pPr algn="r"/>
-            <a:r>
-              <a:rPr lang="en-US" sz="2800" dirty="0">
+            <a:pPr marL="377100" lvl="1" indent="0">
+              <a:spcBef>
+                <a:spcPts val="0"/>
+              </a:spcBef>
+              <a:spcAft>
+                <a:spcPts val="0"/>
+              </a:spcAft>
+              <a:buClr>
+                <a:srgbClr val="D34817"/>
+              </a:buClr>
+              <a:buSzPct val="100000"/>
+              <a:buFont typeface="Wingdings" panose="05000000000000000000" pitchFamily="2" charset="2"/>
+              <a:buChar char="v"/>
+            </a:pPr>
+            <a:endParaRPr lang="en-US" sz="2000" dirty="0">
+              <a:solidFill>
+                <a:schemeClr val="bg2">
+                  <a:lumMod val="10000"/>
+                  <a:lumOff val="90000"/>
+                </a:schemeClr>
+              </a:solidFill>
+              <a:effectLst/>
+              <a:latin typeface="Selawik Semibold" panose="020B0702040204020203" pitchFamily="34" charset="0"/>
+            </a:endParaRPr>
+          </a:p>
+          <a:p>
+            <a:pPr marL="377100" lvl="1" indent="0">
+              <a:spcBef>
+                <a:spcPts val="0"/>
+              </a:spcBef>
+              <a:spcAft>
+                <a:spcPts val="0"/>
+              </a:spcAft>
+              <a:buClr>
+                <a:srgbClr val="D34817"/>
+              </a:buClr>
+              <a:buSzPct val="100000"/>
+              <a:buFont typeface="Wingdings" panose="05000000000000000000" pitchFamily="2" charset="2"/>
+              <a:buChar char="v"/>
+            </a:pPr>
+            <a:r>
+              <a:rPr lang="en-US" sz="2000" dirty="0">
                 <a:solidFill>
                   <a:schemeClr val="bg2">
                     <a:lumMod val="10000"/>
                     <a:lumOff val="90000"/>
                   </a:schemeClr>
                 </a:solidFill>
+                <a:effectLst/>
                 <a:latin typeface="Selawik Semibold" panose="020B0702040204020203" pitchFamily="34" charset="0"/>
               </a:rPr>
-              <a:t>- Mahatma Mario </a:t>
-            </a:r>
-          </a:p>
-          <a:p>
-            <a:pPr lvl="2" algn="r"/>
-            <a:endParaRPr lang="en-US" sz="2800" dirty="0">
+              <a:t>Positive Spread = Team Won</a:t>
+            </a:r>
+          </a:p>
+          <a:p>
+            <a:pPr marL="377100" lvl="1" indent="0">
+              <a:spcBef>
+                <a:spcPts val="0"/>
+              </a:spcBef>
+              <a:spcAft>
+                <a:spcPts val="0"/>
+              </a:spcAft>
+              <a:buClr>
+                <a:srgbClr val="D34817"/>
+              </a:buClr>
+              <a:buSzPct val="100000"/>
+              <a:buFont typeface="Wingdings" panose="05000000000000000000" pitchFamily="2" charset="2"/>
+              <a:buChar char="v"/>
+            </a:pPr>
+            <a:r>
+              <a:rPr lang="en-US" sz="2000" dirty="0">
+                <a:solidFill>
+                  <a:schemeClr val="bg2">
+                    <a:lumMod val="10000"/>
+                    <a:lumOff val="90000"/>
+                  </a:schemeClr>
+                </a:solidFill>
+                <a:effectLst/>
+                <a:latin typeface="Selawik Semibold" panose="020B0702040204020203" pitchFamily="34" charset="0"/>
+              </a:rPr>
+              <a:t>Negative Spread = Team Lost</a:t>
+            </a:r>
+          </a:p>
+          <a:p>
+            <a:pPr marL="377100" lvl="1" indent="0">
+              <a:spcBef>
+                <a:spcPts val="0"/>
+              </a:spcBef>
+              <a:spcAft>
+                <a:spcPts val="0"/>
+              </a:spcAft>
+              <a:buClr>
+                <a:srgbClr val="D34817"/>
+              </a:buClr>
+              <a:buSzPct val="100000"/>
+              <a:buFont typeface="Wingdings" panose="05000000000000000000" pitchFamily="2" charset="2"/>
+              <a:buChar char="v"/>
+            </a:pPr>
+            <a:endParaRPr lang="en-US" sz="2000" dirty="0">
               <a:solidFill>
-                <a:schemeClr val="tx1">
-                  <a:lumMod val="85000"/>
+                <a:schemeClr val="bg2">
+                  <a:lumMod val="10000"/>
+                  <a:lumOff val="90000"/>
                 </a:schemeClr>
               </a:solidFill>
+              <a:effectLst/>
               <a:latin typeface="Selawik Semibold" panose="020B0702040204020203" pitchFamily="34" charset="0"/>
             </a:endParaRPr>
           </a:p>
           <a:p>
-            <a:pPr lvl="2" algn="r"/>
-            <a:endParaRPr lang="en-US" sz="2800" dirty="0">
+            <a:pPr marL="0" indent="0">
+              <a:spcBef>
+                <a:spcPts val="0"/>
+              </a:spcBef>
+              <a:spcAft>
+                <a:spcPts val="0"/>
+              </a:spcAft>
+              <a:buClr>
+                <a:srgbClr val="D34817"/>
+              </a:buClr>
+              <a:buSzPct val="100000"/>
+              <a:buFont typeface="Wingdings" panose="05000000000000000000" pitchFamily="2" charset="2"/>
+              <a:buChar char="v"/>
+            </a:pPr>
+            <a:r>
+              <a:rPr lang="en-US" sz="2400" dirty="0">
+                <a:solidFill>
+                  <a:schemeClr val="bg2">
+                    <a:lumMod val="10000"/>
+                    <a:lumOff val="90000"/>
+                  </a:schemeClr>
+                </a:solidFill>
+                <a:effectLst/>
+                <a:latin typeface="Selawik Semibold" panose="020B0702040204020203" pitchFamily="34" charset="0"/>
+              </a:rPr>
+              <a:t>Offensive Predictors of Spread </a:t>
+            </a:r>
+          </a:p>
+          <a:p>
+            <a:pPr marL="377100" lvl="1" indent="0">
+              <a:spcBef>
+                <a:spcPts val="0"/>
+              </a:spcBef>
+              <a:spcAft>
+                <a:spcPts val="0"/>
+              </a:spcAft>
+              <a:buClr>
+                <a:srgbClr val="D34817"/>
+              </a:buClr>
+              <a:buSzPct val="100000"/>
+              <a:buFont typeface="Wingdings" panose="05000000000000000000" pitchFamily="2" charset="2"/>
+              <a:buChar char="v"/>
+            </a:pPr>
+            <a:r>
+              <a:rPr lang="en-US" sz="2000" dirty="0">
+                <a:solidFill>
+                  <a:schemeClr val="bg2">
+                    <a:lumMod val="10000"/>
+                    <a:lumOff val="90000"/>
+                  </a:schemeClr>
+                </a:solidFill>
+                <a:effectLst/>
+                <a:latin typeface="Selawik Semibold" panose="020B0702040204020203" pitchFamily="34" charset="0"/>
+              </a:rPr>
+              <a:t>Passing YDS/ATT</a:t>
+            </a:r>
+          </a:p>
+          <a:p>
+            <a:pPr marL="377100" lvl="1" indent="0">
+              <a:spcBef>
+                <a:spcPts val="0"/>
+              </a:spcBef>
+              <a:spcAft>
+                <a:spcPts val="0"/>
+              </a:spcAft>
+              <a:buClr>
+                <a:srgbClr val="D34817"/>
+              </a:buClr>
+              <a:buSzPct val="100000"/>
+              <a:buFont typeface="Wingdings" panose="05000000000000000000" pitchFamily="2" charset="2"/>
+              <a:buChar char="v"/>
+            </a:pPr>
+            <a:r>
+              <a:rPr lang="en-US" sz="2000" dirty="0">
+                <a:solidFill>
+                  <a:schemeClr val="bg2">
+                    <a:lumMod val="10000"/>
+                    <a:lumOff val="90000"/>
+                  </a:schemeClr>
+                </a:solidFill>
+                <a:effectLst/>
+                <a:latin typeface="Selawik Semibold" panose="020B0702040204020203" pitchFamily="34" charset="0"/>
+              </a:rPr>
+              <a:t>Rushing YDS/ATT</a:t>
+            </a:r>
+          </a:p>
+          <a:p>
+            <a:pPr marL="377100" lvl="1" indent="0">
+              <a:spcBef>
+                <a:spcPts val="0"/>
+              </a:spcBef>
+              <a:spcAft>
+                <a:spcPts val="0"/>
+              </a:spcAft>
+              <a:buClr>
+                <a:srgbClr val="D34817"/>
+              </a:buClr>
+              <a:buSzPct val="100000"/>
+              <a:buFont typeface="Wingdings" panose="05000000000000000000" pitchFamily="2" charset="2"/>
+              <a:buChar char="v"/>
+            </a:pPr>
+            <a:r>
+              <a:rPr lang="en-US" sz="2000" dirty="0">
+                <a:solidFill>
+                  <a:schemeClr val="bg2">
+                    <a:lumMod val="10000"/>
+                    <a:lumOff val="90000"/>
+                  </a:schemeClr>
+                </a:solidFill>
+                <a:effectLst/>
+                <a:latin typeface="Selawik Semibold" panose="020B0702040204020203" pitchFamily="34" charset="0"/>
+              </a:rPr>
+              <a:t>TOs Committed</a:t>
+            </a:r>
+          </a:p>
+          <a:p>
+            <a:pPr marL="377100" lvl="1" indent="0">
+              <a:spcBef>
+                <a:spcPts val="0"/>
+              </a:spcBef>
+              <a:spcAft>
+                <a:spcPts val="0"/>
+              </a:spcAft>
+              <a:buClr>
+                <a:srgbClr val="D34817"/>
+              </a:buClr>
+              <a:buSzPct val="100000"/>
+              <a:buFont typeface="Wingdings" panose="05000000000000000000" pitchFamily="2" charset="2"/>
+              <a:buChar char="v"/>
+            </a:pPr>
+            <a:endParaRPr lang="en-US" sz="2200" dirty="0">
               <a:solidFill>
-                <a:schemeClr val="tx1">
-                  <a:lumMod val="85000"/>
+                <a:schemeClr val="bg2">
+                  <a:lumMod val="10000"/>
+                  <a:lumOff val="90000"/>
                 </a:schemeClr>
               </a:solidFill>
+              <a:effectLst/>
               <a:latin typeface="Selawik Semibold" panose="020B0702040204020203" pitchFamily="34" charset="0"/>
             </a:endParaRPr>
           </a:p>
           <a:p>
-            <a:pPr lvl="2" algn="r"/>
-            <a:endParaRPr lang="en-US" sz="2800" dirty="0">
-              <a:solidFill>
-                <a:schemeClr val="tx1">
-                  <a:lumMod val="85000"/>
-                </a:schemeClr>
-              </a:solidFill>
+            <a:pPr marL="377100" lvl="1" indent="0">
+              <a:spcBef>
+                <a:spcPts val="0"/>
+              </a:spcBef>
+              <a:spcAft>
+                <a:spcPts val="0"/>
+              </a:spcAft>
+              <a:buClr>
+                <a:srgbClr val="D34817"/>
+              </a:buClr>
+              <a:buSzPct val="100000"/>
+              <a:buFont typeface="Wingdings" panose="05000000000000000000" pitchFamily="2" charset="2"/>
+              <a:buChar char="v"/>
+            </a:pPr>
+            <a:endParaRPr lang="en-US" sz="2000" dirty="0">
+              <a:effectLst/>
               <a:latin typeface="Selawik Semibold" panose="020B0702040204020203" pitchFamily="34" charset="0"/>
             </a:endParaRPr>
           </a:p>
         </p:txBody>
       </p:sp>
+      <p:pic>
+        <p:nvPicPr>
+          <p:cNvPr id="40" name="Graphic 39" descr="Football">
+            <a:extLst>
+              <a:ext uri="{FF2B5EF4-FFF2-40B4-BE49-F238E27FC236}">
+                <a16:creationId xmlns:a16="http://schemas.microsoft.com/office/drawing/2014/main" id="{43103FBA-298C-4A8C-8E68-C9DFEB1CFAF5}"/>
+              </a:ext>
+            </a:extLst>
+          </p:cNvPr>
+          <p:cNvPicPr>
+            <a:picLocks noChangeAspect="1"/>
+          </p:cNvPicPr>
+          <p:nvPr/>
+        </p:nvPicPr>
+        <p:blipFill>
+          <a:blip r:embed="rId5">
+            <a:extLst>
+              <a:ext uri="{28A0092B-C50C-407E-A947-70E740481C1C}">
+                <a14:useLocalDpi xmlns:a14="http://schemas.microsoft.com/office/drawing/2010/main" val="0"/>
+              </a:ext>
+              <a:ext uri="{96DAC541-7B7A-43D3-8B79-37D633B846F1}">
+                <asvg:svgBlip xmlns:asvg="http://schemas.microsoft.com/office/drawing/2016/SVG/main" r:embed="rId6"/>
+              </a:ext>
+            </a:extLst>
+          </a:blip>
+          <a:stretch>
+            <a:fillRect/>
+          </a:stretch>
+        </p:blipFill>
+        <p:spPr>
+          <a:xfrm>
+            <a:off x="8917272" y="232079"/>
+            <a:ext cx="1406766" cy="1406766"/>
+          </a:xfrm>
+          <a:prstGeom prst="rect">
+            <a:avLst/>
+          </a:prstGeom>
+        </p:spPr>
+      </p:pic>
+      <p:sp>
+        <p:nvSpPr>
+          <p:cNvPr id="17" name="Rectangle 16">
+            <a:extLst>
+              <a:ext uri="{FF2B5EF4-FFF2-40B4-BE49-F238E27FC236}">
+                <a16:creationId xmlns:a16="http://schemas.microsoft.com/office/drawing/2014/main" id="{5020441A-C920-4B5D-B423-02BDA4A265D5}"/>
+              </a:ext>
+            </a:extLst>
+          </p:cNvPr>
+          <p:cNvSpPr/>
+          <p:nvPr/>
+        </p:nvSpPr>
+        <p:spPr>
+          <a:xfrm>
+            <a:off x="0" y="6363870"/>
+            <a:ext cx="12192000" cy="280807"/>
+          </a:xfrm>
+          <a:prstGeom prst="rect">
+            <a:avLst/>
+          </a:prstGeom>
+          <a:solidFill>
+            <a:srgbClr val="D34817"/>
+          </a:solidFill>
+          <a:ln>
+            <a:noFill/>
+          </a:ln>
+        </p:spPr>
+        <p:style>
+          <a:lnRef idx="2">
+            <a:schemeClr val="accent1">
+              <a:shade val="50000"/>
+            </a:schemeClr>
+          </a:lnRef>
+          <a:fillRef idx="1">
+            <a:schemeClr val="accent1"/>
+          </a:fillRef>
+          <a:effectRef idx="0">
+            <a:schemeClr val="accent1"/>
+          </a:effectRef>
+          <a:fontRef idx="minor">
+            <a:schemeClr val="lt1"/>
+          </a:fontRef>
+        </p:style>
+        <p:txBody>
+          <a:bodyPr rtlCol="0" anchor="ctr"/>
+          <a:lstStyle/>
+          <a:p>
+            <a:pPr algn="ctr"/>
+            <a:endParaRPr lang="en-US"/>
+          </a:p>
+        </p:txBody>
+      </p:sp>
+      <p:sp>
+        <p:nvSpPr>
+          <p:cNvPr id="43" name="Rectangle 42">
+            <a:extLst>
+              <a:ext uri="{FF2B5EF4-FFF2-40B4-BE49-F238E27FC236}">
+                <a16:creationId xmlns:a16="http://schemas.microsoft.com/office/drawing/2014/main" id="{50A0A4F6-DDDF-466F-B88A-4EAD2319B32D}"/>
+              </a:ext>
+            </a:extLst>
+          </p:cNvPr>
+          <p:cNvSpPr/>
+          <p:nvPr/>
+        </p:nvSpPr>
+        <p:spPr>
+          <a:xfrm>
+            <a:off x="10402110" y="528506"/>
+            <a:ext cx="1789889" cy="813912"/>
+          </a:xfrm>
+          <a:prstGeom prst="rect">
+            <a:avLst/>
+          </a:prstGeom>
+          <a:solidFill>
+            <a:srgbClr val="D34817"/>
+          </a:solidFill>
+        </p:spPr>
+        <p:style>
+          <a:lnRef idx="2">
+            <a:schemeClr val="accent1">
+              <a:shade val="50000"/>
+            </a:schemeClr>
+          </a:lnRef>
+          <a:fillRef idx="1">
+            <a:schemeClr val="accent1"/>
+          </a:fillRef>
+          <a:effectRef idx="0">
+            <a:schemeClr val="accent1"/>
+          </a:effectRef>
+          <a:fontRef idx="minor">
+            <a:schemeClr val="lt1"/>
+          </a:fontRef>
+        </p:style>
+        <p:txBody>
+          <a:bodyPr rtlCol="0" anchor="ctr"/>
+          <a:lstStyle/>
+          <a:p>
+            <a:pPr algn="ctr"/>
+            <a:endParaRPr lang="en-US"/>
+          </a:p>
+        </p:txBody>
+      </p:sp>
+      <p:sp>
+        <p:nvSpPr>
+          <p:cNvPr id="46" name="Rectangle 45">
+            <a:extLst>
+              <a:ext uri="{FF2B5EF4-FFF2-40B4-BE49-F238E27FC236}">
+                <a16:creationId xmlns:a16="http://schemas.microsoft.com/office/drawing/2014/main" id="{4E8668F5-2350-4974-AA4D-876D0CD42EDD}"/>
+              </a:ext>
+            </a:extLst>
+          </p:cNvPr>
+          <p:cNvSpPr/>
+          <p:nvPr/>
+        </p:nvSpPr>
+        <p:spPr>
+          <a:xfrm>
+            <a:off x="-112743" y="528506"/>
+            <a:ext cx="470541" cy="813912"/>
+          </a:xfrm>
+          <a:prstGeom prst="rect">
+            <a:avLst/>
+          </a:prstGeom>
+          <a:solidFill>
+            <a:srgbClr val="D34817"/>
+          </a:solidFill>
+        </p:spPr>
+        <p:style>
+          <a:lnRef idx="2">
+            <a:schemeClr val="accent1">
+              <a:shade val="50000"/>
+            </a:schemeClr>
+          </a:lnRef>
+          <a:fillRef idx="1">
+            <a:schemeClr val="accent1"/>
+          </a:fillRef>
+          <a:effectRef idx="0">
+            <a:schemeClr val="accent1"/>
+          </a:effectRef>
+          <a:fontRef idx="minor">
+            <a:schemeClr val="lt1"/>
+          </a:fontRef>
+        </p:style>
+        <p:txBody>
+          <a:bodyPr rtlCol="0" anchor="ctr"/>
+          <a:lstStyle/>
+          <a:p>
+            <a:pPr algn="ctr"/>
+            <a:endParaRPr lang="en-US"/>
+          </a:p>
+        </p:txBody>
+      </p:sp>
+      <p:pic>
+        <p:nvPicPr>
+          <p:cNvPr id="47" name="Graphic 46" descr="Football">
+            <a:extLst>
+              <a:ext uri="{FF2B5EF4-FFF2-40B4-BE49-F238E27FC236}">
+                <a16:creationId xmlns:a16="http://schemas.microsoft.com/office/drawing/2014/main" id="{BBBD34EB-97F5-4783-BE1A-4ADD4D05EBF0}"/>
+              </a:ext>
+            </a:extLst>
+          </p:cNvPr>
+          <p:cNvPicPr>
+            <a:picLocks noChangeAspect="1"/>
+          </p:cNvPicPr>
+          <p:nvPr/>
+        </p:nvPicPr>
+        <p:blipFill>
+          <a:blip r:embed="rId5">
+            <a:extLst>
+              <a:ext uri="{28A0092B-C50C-407E-A947-70E740481C1C}">
+                <a14:useLocalDpi xmlns:a14="http://schemas.microsoft.com/office/drawing/2010/main" val="0"/>
+              </a:ext>
+              <a:ext uri="{96DAC541-7B7A-43D3-8B79-37D633B846F1}">
+                <asvg:svgBlip xmlns:asvg="http://schemas.microsoft.com/office/drawing/2016/SVG/main" r:embed="rId6"/>
+              </a:ext>
+            </a:extLst>
+          </a:blip>
+          <a:stretch>
+            <a:fillRect/>
+          </a:stretch>
+        </p:blipFill>
+        <p:spPr>
+          <a:xfrm>
+            <a:off x="426182" y="210495"/>
+            <a:ext cx="1406766" cy="1406766"/>
+          </a:xfrm>
+          <a:prstGeom prst="rect">
+            <a:avLst/>
+          </a:prstGeom>
+        </p:spPr>
+      </p:pic>
+      <p:sp>
+        <p:nvSpPr>
+          <p:cNvPr id="11" name="Rectangle 10">
+            <a:extLst>
+              <a:ext uri="{FF2B5EF4-FFF2-40B4-BE49-F238E27FC236}">
+                <a16:creationId xmlns:a16="http://schemas.microsoft.com/office/drawing/2014/main" id="{E2D564FE-449E-4C0E-B4F0-C0D47CAF5C6D}"/>
+              </a:ext>
+            </a:extLst>
+          </p:cNvPr>
+          <p:cNvSpPr/>
+          <p:nvPr/>
+        </p:nvSpPr>
+        <p:spPr>
+          <a:xfrm>
+            <a:off x="10013005" y="1660887"/>
+            <a:ext cx="2178994" cy="1299712"/>
+          </a:xfrm>
+          <a:prstGeom prst="rect">
+            <a:avLst/>
+          </a:prstGeom>
+          <a:solidFill>
+            <a:srgbClr val="D34817"/>
+          </a:solidFill>
+        </p:spPr>
+        <p:style>
+          <a:lnRef idx="2">
+            <a:schemeClr val="accent1">
+              <a:shade val="50000"/>
+            </a:schemeClr>
+          </a:lnRef>
+          <a:fillRef idx="1">
+            <a:schemeClr val="accent1"/>
+          </a:fillRef>
+          <a:effectRef idx="0">
+            <a:schemeClr val="accent1"/>
+          </a:effectRef>
+          <a:fontRef idx="minor">
+            <a:schemeClr val="lt1"/>
+          </a:fontRef>
+        </p:style>
+        <p:txBody>
+          <a:bodyPr rtlCol="0" anchor="ctr"/>
+          <a:lstStyle/>
+          <a:p>
+            <a:pPr algn="ctr"/>
+            <a:endParaRPr lang="en-US"/>
+          </a:p>
+        </p:txBody>
+      </p:sp>
+      <p:sp>
+        <p:nvSpPr>
+          <p:cNvPr id="2" name="TextBox 1">
+            <a:extLst>
+              <a:ext uri="{FF2B5EF4-FFF2-40B4-BE49-F238E27FC236}">
+                <a16:creationId xmlns:a16="http://schemas.microsoft.com/office/drawing/2014/main" id="{8987CD2B-FB33-4F66-8615-D0702FC8CBCF}"/>
+              </a:ext>
+            </a:extLst>
+          </p:cNvPr>
+          <p:cNvSpPr txBox="1"/>
+          <p:nvPr/>
+        </p:nvSpPr>
+        <p:spPr>
+          <a:xfrm>
+            <a:off x="10013005" y="1760270"/>
+            <a:ext cx="2322658" cy="1200329"/>
+          </a:xfrm>
+          <a:prstGeom prst="rect">
+            <a:avLst/>
+          </a:prstGeom>
+          <a:noFill/>
+        </p:spPr>
+        <p:txBody>
+          <a:bodyPr wrap="square" rtlCol="0">
+            <a:spAutoFit/>
+          </a:bodyPr>
+          <a:lstStyle/>
+          <a:p>
+            <a:pPr marL="0" lvl="2">
+              <a:lnSpc>
+                <a:spcPct val="90000"/>
+              </a:lnSpc>
+              <a:spcBef>
+                <a:spcPts val="0"/>
+              </a:spcBef>
+              <a:spcAft>
+                <a:spcPts val="0"/>
+              </a:spcAft>
+              <a:buClr>
+                <a:srgbClr val="D34817"/>
+              </a:buClr>
+              <a:buSzPct val="100000"/>
+            </a:pPr>
+            <a:r>
+              <a:rPr lang="en-US" sz="2000" dirty="0">
+                <a:solidFill>
+                  <a:schemeClr val="bg2">
+                    <a:lumMod val="10000"/>
+                    <a:lumOff val="90000"/>
+                  </a:schemeClr>
+                </a:solidFill>
+                <a:latin typeface="Calibri" panose="020F0502020204030204" pitchFamily="34" charset="0"/>
+                <a:cs typeface="Calibri" panose="020F0502020204030204" pitchFamily="34" charset="0"/>
+              </a:rPr>
+              <a:t>PTS = Points</a:t>
+            </a:r>
+          </a:p>
+          <a:p>
+            <a:pPr marL="0" lvl="2">
+              <a:lnSpc>
+                <a:spcPct val="90000"/>
+              </a:lnSpc>
+              <a:spcBef>
+                <a:spcPts val="0"/>
+              </a:spcBef>
+              <a:spcAft>
+                <a:spcPts val="0"/>
+              </a:spcAft>
+              <a:buClr>
+                <a:srgbClr val="D34817"/>
+              </a:buClr>
+              <a:buSzPct val="100000"/>
+            </a:pPr>
+            <a:r>
+              <a:rPr lang="en-US" sz="2000" dirty="0">
+                <a:solidFill>
+                  <a:schemeClr val="bg2">
+                    <a:lumMod val="10000"/>
+                    <a:lumOff val="90000"/>
+                  </a:schemeClr>
+                </a:solidFill>
+                <a:latin typeface="Calibri" panose="020F0502020204030204" pitchFamily="34" charset="0"/>
+                <a:cs typeface="Calibri" panose="020F0502020204030204" pitchFamily="34" charset="0"/>
+              </a:rPr>
+              <a:t>YDS = Yards</a:t>
+            </a:r>
+          </a:p>
+          <a:p>
+            <a:pPr marL="0" lvl="2">
+              <a:lnSpc>
+                <a:spcPct val="90000"/>
+              </a:lnSpc>
+              <a:spcBef>
+                <a:spcPts val="0"/>
+              </a:spcBef>
+              <a:spcAft>
+                <a:spcPts val="0"/>
+              </a:spcAft>
+              <a:buClr>
+                <a:srgbClr val="D34817"/>
+              </a:buClr>
+              <a:buSzPct val="100000"/>
+            </a:pPr>
+            <a:r>
+              <a:rPr lang="en-US" sz="2000" dirty="0">
+                <a:solidFill>
+                  <a:schemeClr val="bg2">
+                    <a:lumMod val="10000"/>
+                    <a:lumOff val="90000"/>
+                  </a:schemeClr>
+                </a:solidFill>
+                <a:latin typeface="Calibri" panose="020F0502020204030204" pitchFamily="34" charset="0"/>
+                <a:cs typeface="Calibri" panose="020F0502020204030204" pitchFamily="34" charset="0"/>
+              </a:rPr>
+              <a:t>ATT = Attempt</a:t>
+            </a:r>
+          </a:p>
+          <a:p>
+            <a:pPr marL="0" lvl="2">
+              <a:lnSpc>
+                <a:spcPct val="90000"/>
+              </a:lnSpc>
+              <a:spcBef>
+                <a:spcPts val="0"/>
+              </a:spcBef>
+              <a:spcAft>
+                <a:spcPts val="0"/>
+              </a:spcAft>
+              <a:buClr>
+                <a:srgbClr val="D34817"/>
+              </a:buClr>
+              <a:buSzPct val="100000"/>
+            </a:pPr>
+            <a:r>
+              <a:rPr lang="en-US" sz="2000" dirty="0">
+                <a:solidFill>
+                  <a:schemeClr val="bg2">
+                    <a:lumMod val="10000"/>
+                    <a:lumOff val="90000"/>
+                  </a:schemeClr>
+                </a:solidFill>
+                <a:latin typeface="Calibri" panose="020F0502020204030204" pitchFamily="34" charset="0"/>
+                <a:cs typeface="Calibri" panose="020F0502020204030204" pitchFamily="34" charset="0"/>
+              </a:rPr>
+              <a:t>TO = Turnover</a:t>
+            </a:r>
+          </a:p>
+        </p:txBody>
+      </p:sp>
+      <mc:AlternateContent xmlns:mc="http://schemas.openxmlformats.org/markup-compatibility/2006">
+        <mc:Choice xmlns:a14="http://schemas.microsoft.com/office/drawing/2010/main" Requires="a14">
+          <p:sp>
+            <p:nvSpPr>
+              <p:cNvPr id="3" name="TextBox 2">
+                <a:extLst>
+                  <a:ext uri="{FF2B5EF4-FFF2-40B4-BE49-F238E27FC236}">
+                    <a16:creationId xmlns:a16="http://schemas.microsoft.com/office/drawing/2014/main" id="{C54965AB-5951-43A7-8C89-34A3B85C84C7}"/>
+                  </a:ext>
+                </a:extLst>
+              </p:cNvPr>
+              <p:cNvSpPr txBox="1"/>
+              <p:nvPr/>
+            </p:nvSpPr>
+            <p:spPr>
+              <a:xfrm>
+                <a:off x="2419111" y="2601264"/>
+                <a:ext cx="5683168" cy="307777"/>
+              </a:xfrm>
+              <a:prstGeom prst="rect">
+                <a:avLst/>
+              </a:prstGeom>
+              <a:noFill/>
+            </p:spPr>
+            <p:txBody>
+              <a:bodyPr wrap="square" lIns="0" tIns="0" rIns="0" bIns="0" rtlCol="0">
+                <a:spAutoFit/>
+              </a:bodyPr>
+              <a:lstStyle/>
+              <a:p>
+                <a14:m>
+                  <m:oMathPara xmlns:m="http://schemas.openxmlformats.org/officeDocument/2006/math">
+                    <m:oMathParaPr>
+                      <m:jc m:val="centerGroup"/>
+                    </m:oMathParaPr>
+                    <m:oMath xmlns:m="http://schemas.openxmlformats.org/officeDocument/2006/math">
+                      <m:r>
+                        <a:rPr lang="en-US" sz="2000" b="0" i="1" smtClean="0">
+                          <a:latin typeface="Cambria Math" panose="02040503050406030204" pitchFamily="18" charset="0"/>
+                        </a:rPr>
+                        <m:t>𝑆𝑝𝑟𝑒𝑎𝑑</m:t>
+                      </m:r>
+                      <m:r>
+                        <a:rPr lang="en-US" sz="2000" b="0" i="1" smtClean="0">
+                          <a:latin typeface="Cambria Math" panose="02040503050406030204" pitchFamily="18" charset="0"/>
+                        </a:rPr>
+                        <m:t>=</m:t>
+                      </m:r>
+                      <m:r>
+                        <a:rPr lang="en-US" sz="2000" b="0" i="1" smtClean="0">
+                          <a:latin typeface="Cambria Math" panose="02040503050406030204" pitchFamily="18" charset="0"/>
+                        </a:rPr>
+                        <m:t>𝑃𝑇𝑆</m:t>
+                      </m:r>
+                      <m:r>
+                        <a:rPr lang="en-US" sz="2000" b="0" i="1" smtClean="0">
+                          <a:latin typeface="Cambria Math" panose="02040503050406030204" pitchFamily="18" charset="0"/>
+                        </a:rPr>
+                        <m:t> </m:t>
+                      </m:r>
+                      <m:r>
+                        <a:rPr lang="en-US" sz="2000" b="0" i="1" smtClean="0">
+                          <a:latin typeface="Cambria Math" panose="02040503050406030204" pitchFamily="18" charset="0"/>
+                        </a:rPr>
+                        <m:t>𝐹𝑜𝑟</m:t>
+                      </m:r>
+                      <m:r>
+                        <a:rPr lang="en-US" sz="2000" b="0" i="1" smtClean="0">
+                          <a:latin typeface="Cambria Math" panose="02040503050406030204" pitchFamily="18" charset="0"/>
+                        </a:rPr>
+                        <m:t> −</m:t>
+                      </m:r>
+                      <m:r>
+                        <a:rPr lang="en-US" sz="2000" b="0" i="1" smtClean="0">
+                          <a:latin typeface="Cambria Math" panose="02040503050406030204" pitchFamily="18" charset="0"/>
+                        </a:rPr>
+                        <m:t>𝑃𝑇𝑆</m:t>
+                      </m:r>
+                      <m:r>
+                        <a:rPr lang="en-US" sz="2000" b="0" i="1" smtClean="0">
+                          <a:latin typeface="Cambria Math" panose="02040503050406030204" pitchFamily="18" charset="0"/>
+                        </a:rPr>
+                        <m:t> </m:t>
+                      </m:r>
+                      <m:r>
+                        <a:rPr lang="en-US" sz="2000" b="0" i="1" smtClean="0">
+                          <a:latin typeface="Cambria Math" panose="02040503050406030204" pitchFamily="18" charset="0"/>
+                        </a:rPr>
+                        <m:t>𝐴𝑔𝑎𝑖𝑛𝑠𝑡</m:t>
+                      </m:r>
+                    </m:oMath>
+                  </m:oMathPara>
+                </a14:m>
+                <a:endParaRPr lang="en-US" sz="2000" dirty="0"/>
+              </a:p>
+            </p:txBody>
+          </p:sp>
+        </mc:Choice>
+        <mc:Fallback>
+          <p:sp>
+            <p:nvSpPr>
+              <p:cNvPr id="3" name="TextBox 2">
+                <a:extLst>
+                  <a:ext uri="{FF2B5EF4-FFF2-40B4-BE49-F238E27FC236}">
+                    <a16:creationId xmlns:a16="http://schemas.microsoft.com/office/drawing/2014/main" id="{C54965AB-5951-43A7-8C89-34A3B85C84C7}"/>
+                  </a:ext>
+                </a:extLst>
+              </p:cNvPr>
+              <p:cNvSpPr txBox="1">
+                <a:spLocks noRot="1" noChangeAspect="1" noMove="1" noResize="1" noEditPoints="1" noAdjustHandles="1" noChangeArrowheads="1" noChangeShapeType="1" noTextEdit="1"/>
+              </p:cNvSpPr>
+              <p:nvPr/>
+            </p:nvSpPr>
+            <p:spPr>
+              <a:xfrm>
+                <a:off x="2419111" y="2601264"/>
+                <a:ext cx="5683168" cy="307777"/>
+              </a:xfrm>
+              <a:prstGeom prst="rect">
+                <a:avLst/>
+              </a:prstGeom>
+              <a:blipFill>
+                <a:blip r:embed="rId7"/>
+                <a:stretch>
+                  <a:fillRect b="-36000"/>
+                </a:stretch>
+              </a:blipFill>
+            </p:spPr>
+            <p:txBody>
+              <a:bodyPr/>
+              <a:lstStyle/>
+              <a:p>
+                <a:r>
+                  <a:rPr lang="en-US">
+                    <a:noFill/>
+                  </a:rPr>
+                  <a:t> </a:t>
+                </a:r>
+              </a:p>
+            </p:txBody>
+          </p:sp>
+        </mc:Fallback>
+      </mc:AlternateContent>
     </p:spTree>
     <p:extLst>
       <p:ext uri="{BB962C8B-B14F-4D97-AF65-F5344CB8AC3E}">
-        <p14:creationId xmlns:p14="http://schemas.microsoft.com/office/powerpoint/2010/main" val="1593475065"/>
+        <p14:creationId xmlns:p14="http://schemas.microsoft.com/office/powerpoint/2010/main" val="3341479454"/>
+      </p:ext>
+    </p:extLst>
+  </p:cSld>
+  <p:clrMapOvr>
+    <a:masterClrMapping/>
+  </p:clrMapOvr>
+</p:sld>
+</file>
+
+<file path=ppt/slides/slide5.xml><?xml version="1.0" encoding="utf-8"?>
+<p:sld xmlns:a="http://schemas.openxmlformats.org/drawingml/2006/main" xmlns:r="http://schemas.openxmlformats.org/officeDocument/2006/relationships" xmlns:p="http://schemas.openxmlformats.org/presentationml/2006/main">
+  <p:cSld>
+    <p:bg>
+      <p:bgPr>
+        <a:blipFill rotWithShape="1">
+          <a:blip r:embed="rId2">
+            <a:duotone>
+              <a:schemeClr val="bg2">
+                <a:shade val="80000"/>
+                <a:lumMod val="80000"/>
+              </a:schemeClr>
+              <a:schemeClr val="bg2">
+                <a:tint val="98000"/>
+              </a:schemeClr>
+            </a:duotone>
+          </a:blip>
+          <a:stretch/>
+        </a:blipFill>
+        <a:effectLst/>
+      </p:bgPr>
+    </p:bg>
+    <p:spTree>
+      <p:nvGrpSpPr>
+        <p:cNvPr id="1" name=""/>
+        <p:cNvGrpSpPr/>
+        <p:nvPr/>
+      </p:nvGrpSpPr>
+      <p:grpSpPr>
+        <a:xfrm>
+          <a:off x="0" y="0"/>
+          <a:ext cx="0" cy="0"/>
+          <a:chOff x="0" y="0"/>
+          <a:chExt cx="0" cy="0"/>
+        </a:xfrm>
+      </p:grpSpPr>
+      <p:pic>
+        <p:nvPicPr>
+          <p:cNvPr id="21" name="Picture 20" descr="A picture containing clothing, person, headdress, baseball&#10;&#10;Description automatically generated">
+            <a:extLst>
+              <a:ext uri="{FF2B5EF4-FFF2-40B4-BE49-F238E27FC236}">
+                <a16:creationId xmlns:a16="http://schemas.microsoft.com/office/drawing/2014/main" id="{68BA132B-EA3B-4DFB-BEF2-04F4ACB3B027}"/>
+              </a:ext>
+            </a:extLst>
+          </p:cNvPr>
+          <p:cNvPicPr>
+            <a:picLocks noChangeAspect="1"/>
+          </p:cNvPicPr>
+          <p:nvPr/>
+        </p:nvPicPr>
+        <p:blipFill rotWithShape="1">
+          <a:blip r:embed="rId3">
+            <a:extLst>
+              <a:ext uri="{BEBA8EAE-BF5A-486C-A8C5-ECC9F3942E4B}">
+                <a14:imgProps xmlns:a14="http://schemas.microsoft.com/office/drawing/2010/main">
+                  <a14:imgLayer r:embed="rId4">
+                    <a14:imgEffect>
+                      <a14:colorTemperature colorTemp="11151"/>
+                    </a14:imgEffect>
+                    <a14:imgEffect>
+                      <a14:saturation sat="0"/>
+                    </a14:imgEffect>
+                  </a14:imgLayer>
+                </a14:imgProps>
+              </a:ext>
+              <a:ext uri="{28A0092B-C50C-407E-A947-70E740481C1C}">
+                <a14:useLocalDpi xmlns:a14="http://schemas.microsoft.com/office/drawing/2010/main" val="0"/>
+              </a:ext>
+            </a:extLst>
+          </a:blip>
+          <a:srcRect r="3" b="7624"/>
+          <a:stretch/>
+        </p:blipFill>
+        <p:spPr>
+          <a:xfrm>
+            <a:off x="-1051136" y="3119615"/>
+            <a:ext cx="4065464" cy="3258005"/>
+          </a:xfrm>
+          <a:prstGeom prst="rect">
+            <a:avLst/>
+          </a:prstGeom>
+        </p:spPr>
+      </p:pic>
+      <p:sp>
+        <p:nvSpPr>
+          <p:cNvPr id="41" name="Rectangle 40">
+            <a:extLst>
+              <a:ext uri="{FF2B5EF4-FFF2-40B4-BE49-F238E27FC236}">
+                <a16:creationId xmlns:a16="http://schemas.microsoft.com/office/drawing/2014/main" id="{7BDB8227-827C-484D-95AA-05C24716BEB4}"/>
+              </a:ext>
+            </a:extLst>
+          </p:cNvPr>
+          <p:cNvSpPr/>
+          <p:nvPr/>
+        </p:nvSpPr>
+        <p:spPr>
+          <a:xfrm>
+            <a:off x="1911020" y="528506"/>
+            <a:ext cx="6928179" cy="813912"/>
+          </a:xfrm>
+          <a:prstGeom prst="rect">
+            <a:avLst/>
+          </a:prstGeom>
+          <a:solidFill>
+            <a:srgbClr val="D34817"/>
+          </a:solidFill>
+        </p:spPr>
+        <p:style>
+          <a:lnRef idx="2">
+            <a:schemeClr val="accent1">
+              <a:shade val="50000"/>
+            </a:schemeClr>
+          </a:lnRef>
+          <a:fillRef idx="1">
+            <a:schemeClr val="accent1"/>
+          </a:fillRef>
+          <a:effectRef idx="0">
+            <a:schemeClr val="accent1"/>
+          </a:effectRef>
+          <a:fontRef idx="minor">
+            <a:schemeClr val="lt1"/>
+          </a:fontRef>
+        </p:style>
+        <p:txBody>
+          <a:bodyPr rtlCol="0" anchor="ctr"/>
+          <a:lstStyle/>
+          <a:p>
+            <a:pPr algn="ctr"/>
+            <a:endParaRPr lang="en-US">
+              <a:solidFill>
+                <a:srgbClr val="A6A1A1"/>
+              </a:solidFill>
+            </a:endParaRPr>
+          </a:p>
+        </p:txBody>
+      </p:sp>
+      <p:sp>
+        <p:nvSpPr>
+          <p:cNvPr id="4" name="Title 3">
+            <a:extLst>
+              <a:ext uri="{FF2B5EF4-FFF2-40B4-BE49-F238E27FC236}">
+                <a16:creationId xmlns:a16="http://schemas.microsoft.com/office/drawing/2014/main" id="{4A6C2FBC-B0EB-45C1-9469-C4F6741ECB31}"/>
+              </a:ext>
+            </a:extLst>
+          </p:cNvPr>
+          <p:cNvSpPr>
+            <a:spLocks noGrp="1"/>
+          </p:cNvSpPr>
+          <p:nvPr>
+            <p:ph type="title"/>
+          </p:nvPr>
+        </p:nvSpPr>
+        <p:spPr>
+          <a:xfrm>
+            <a:off x="1911020" y="428653"/>
+            <a:ext cx="6928179" cy="970450"/>
+          </a:xfrm>
+          <a:effectLst>
+            <a:outerShdw blurRad="25400" dir="17880000">
+              <a:srgbClr val="000000">
+                <a:alpha val="70000"/>
+              </a:srgbClr>
+            </a:outerShdw>
+          </a:effectLst>
+        </p:spPr>
+        <p:txBody>
+          <a:bodyPr>
+            <a:normAutofit/>
+          </a:bodyPr>
+          <a:lstStyle/>
+          <a:p>
+            <a:pPr algn="l"/>
+            <a:r>
+              <a:rPr lang="en-US" sz="3600" dirty="0">
+                <a:ln>
+                  <a:noFill/>
+                </a:ln>
+                <a:solidFill>
+                  <a:schemeClr val="bg2">
+                    <a:lumMod val="10000"/>
+                    <a:lumOff val="90000"/>
+                  </a:schemeClr>
+                </a:solidFill>
+                <a:effectLst/>
+                <a:latin typeface="Selawik Semibold" panose="020B0702040204020203" pitchFamily="34" charset="0"/>
+              </a:rPr>
+              <a:t>What Makes Teams Win</a:t>
+            </a:r>
+          </a:p>
+        </p:txBody>
+      </p:sp>
+      <p:sp>
+        <p:nvSpPr>
+          <p:cNvPr id="24" name="Content Placeholder 2">
+            <a:extLst>
+              <a:ext uri="{FF2B5EF4-FFF2-40B4-BE49-F238E27FC236}">
+                <a16:creationId xmlns:a16="http://schemas.microsoft.com/office/drawing/2014/main" id="{52313B83-B214-43D7-AC39-182CE4FA3E53}"/>
+              </a:ext>
+            </a:extLst>
+          </p:cNvPr>
+          <p:cNvSpPr>
+            <a:spLocks noGrp="1"/>
+          </p:cNvSpPr>
+          <p:nvPr>
+            <p:ph idx="1"/>
+          </p:nvPr>
+        </p:nvSpPr>
+        <p:spPr>
+          <a:xfrm>
+            <a:off x="2283155" y="1490925"/>
+            <a:ext cx="7729850" cy="4838569"/>
+          </a:xfrm>
+        </p:spPr>
+        <p:txBody>
+          <a:bodyPr numCol="1" anchor="t">
+            <a:noAutofit/>
+          </a:bodyPr>
+          <a:lstStyle/>
+          <a:p>
+            <a:pPr marL="0" indent="0">
+              <a:spcBef>
+                <a:spcPts val="0"/>
+              </a:spcBef>
+              <a:spcAft>
+                <a:spcPts val="0"/>
+              </a:spcAft>
+              <a:buClr>
+                <a:srgbClr val="D34817"/>
+              </a:buClr>
+              <a:buSzPct val="100000"/>
+              <a:buFont typeface="Wingdings" panose="05000000000000000000" pitchFamily="2" charset="2"/>
+              <a:buChar char="v"/>
+            </a:pPr>
+            <a:r>
+              <a:rPr lang="en-US" sz="2400" dirty="0">
+                <a:solidFill>
+                  <a:schemeClr val="bg2">
+                    <a:lumMod val="10000"/>
+                    <a:lumOff val="90000"/>
+                  </a:schemeClr>
+                </a:solidFill>
+                <a:effectLst/>
+                <a:latin typeface="Selawik Semibold" panose="020B0702040204020203" pitchFamily="34" charset="0"/>
+              </a:rPr>
+              <a:t>Defensive Predictors of Spread </a:t>
+            </a:r>
+          </a:p>
+          <a:p>
+            <a:pPr marL="377100" lvl="1" indent="0">
+              <a:spcBef>
+                <a:spcPts val="0"/>
+              </a:spcBef>
+              <a:spcAft>
+                <a:spcPts val="0"/>
+              </a:spcAft>
+              <a:buClr>
+                <a:srgbClr val="D34817"/>
+              </a:buClr>
+              <a:buSzPct val="100000"/>
+              <a:buFont typeface="Wingdings" panose="05000000000000000000" pitchFamily="2" charset="2"/>
+              <a:buChar char="v"/>
+            </a:pPr>
+            <a:r>
+              <a:rPr lang="en-US" sz="2000" dirty="0">
+                <a:solidFill>
+                  <a:schemeClr val="bg2">
+                    <a:lumMod val="10000"/>
+                    <a:lumOff val="90000"/>
+                  </a:schemeClr>
+                </a:solidFill>
+                <a:effectLst/>
+                <a:latin typeface="Selawik Semibold" panose="020B0702040204020203" pitchFamily="34" charset="0"/>
+              </a:rPr>
+              <a:t>Passing YDS/ATT Allowed</a:t>
+            </a:r>
+          </a:p>
+          <a:p>
+            <a:pPr marL="377100" lvl="1" indent="0">
+              <a:spcBef>
+                <a:spcPts val="0"/>
+              </a:spcBef>
+              <a:spcAft>
+                <a:spcPts val="0"/>
+              </a:spcAft>
+              <a:buClr>
+                <a:srgbClr val="D34817"/>
+              </a:buClr>
+              <a:buSzPct val="100000"/>
+              <a:buFont typeface="Wingdings" panose="05000000000000000000" pitchFamily="2" charset="2"/>
+              <a:buChar char="v"/>
+            </a:pPr>
+            <a:r>
+              <a:rPr lang="en-US" sz="2000" dirty="0">
+                <a:solidFill>
+                  <a:schemeClr val="bg2">
+                    <a:lumMod val="10000"/>
+                    <a:lumOff val="90000"/>
+                  </a:schemeClr>
+                </a:solidFill>
+                <a:effectLst/>
+                <a:latin typeface="Selawik Semibold" panose="020B0702040204020203" pitchFamily="34" charset="0"/>
+              </a:rPr>
+              <a:t>Rushing YDS/ATT Allowed</a:t>
+            </a:r>
+          </a:p>
+          <a:p>
+            <a:pPr marL="377100" lvl="1" indent="0">
+              <a:spcBef>
+                <a:spcPts val="0"/>
+              </a:spcBef>
+              <a:spcAft>
+                <a:spcPts val="0"/>
+              </a:spcAft>
+              <a:buClr>
+                <a:srgbClr val="D34817"/>
+              </a:buClr>
+              <a:buSzPct val="100000"/>
+              <a:buFont typeface="Wingdings" panose="05000000000000000000" pitchFamily="2" charset="2"/>
+              <a:buChar char="v"/>
+            </a:pPr>
+            <a:r>
+              <a:rPr lang="en-US" sz="2000" dirty="0">
+                <a:solidFill>
+                  <a:schemeClr val="bg2">
+                    <a:lumMod val="10000"/>
+                    <a:lumOff val="90000"/>
+                  </a:schemeClr>
+                </a:solidFill>
+                <a:effectLst/>
+                <a:latin typeface="Selawik Semibold" panose="020B0702040204020203" pitchFamily="34" charset="0"/>
+              </a:rPr>
+              <a:t>Defensive TOs Caused</a:t>
+            </a:r>
+          </a:p>
+          <a:p>
+            <a:pPr marL="377100" lvl="1" indent="0">
+              <a:spcBef>
+                <a:spcPts val="0"/>
+              </a:spcBef>
+              <a:spcAft>
+                <a:spcPts val="0"/>
+              </a:spcAft>
+              <a:buClr>
+                <a:srgbClr val="D34817"/>
+              </a:buClr>
+              <a:buSzPct val="100000"/>
+              <a:buFont typeface="Wingdings" panose="05000000000000000000" pitchFamily="2" charset="2"/>
+              <a:buChar char="v"/>
+            </a:pPr>
+            <a:endParaRPr lang="en-US" sz="2200" dirty="0">
+              <a:solidFill>
+                <a:schemeClr val="bg2">
+                  <a:lumMod val="10000"/>
+                  <a:lumOff val="90000"/>
+                </a:schemeClr>
+              </a:solidFill>
+              <a:effectLst/>
+              <a:latin typeface="Selawik Semibold" panose="020B0702040204020203" pitchFamily="34" charset="0"/>
+            </a:endParaRPr>
+          </a:p>
+          <a:p>
+            <a:pPr marL="0" indent="0">
+              <a:spcBef>
+                <a:spcPts val="0"/>
+              </a:spcBef>
+              <a:spcAft>
+                <a:spcPts val="0"/>
+              </a:spcAft>
+              <a:buClr>
+                <a:srgbClr val="D34817"/>
+              </a:buClr>
+              <a:buSzPct val="100000"/>
+              <a:buFont typeface="Wingdings" panose="05000000000000000000" pitchFamily="2" charset="2"/>
+              <a:buChar char="v"/>
+            </a:pPr>
+            <a:r>
+              <a:rPr lang="en-US" sz="2400" dirty="0">
+                <a:solidFill>
+                  <a:schemeClr val="bg2">
+                    <a:lumMod val="10000"/>
+                    <a:lumOff val="90000"/>
+                  </a:schemeClr>
+                </a:solidFill>
+                <a:effectLst/>
+                <a:latin typeface="Selawik Semibold" panose="020B0702040204020203" pitchFamily="34" charset="0"/>
+              </a:rPr>
+              <a:t>Differential Predictors of Spread</a:t>
+            </a:r>
+          </a:p>
+          <a:p>
+            <a:pPr marL="377100" lvl="1" indent="0">
+              <a:spcBef>
+                <a:spcPts val="0"/>
+              </a:spcBef>
+              <a:spcAft>
+                <a:spcPts val="0"/>
+              </a:spcAft>
+              <a:buClr>
+                <a:srgbClr val="D34817"/>
+              </a:buClr>
+              <a:buSzPct val="100000"/>
+              <a:buFont typeface="Wingdings" panose="05000000000000000000" pitchFamily="2" charset="2"/>
+              <a:buChar char="v"/>
+            </a:pPr>
+            <a:r>
+              <a:rPr lang="en-US" sz="2000" dirty="0">
+                <a:solidFill>
+                  <a:schemeClr val="bg2">
+                    <a:lumMod val="10000"/>
+                    <a:lumOff val="90000"/>
+                  </a:schemeClr>
+                </a:solidFill>
+                <a:effectLst/>
+                <a:latin typeface="Selawik Semibold" panose="020B0702040204020203" pitchFamily="34" charset="0"/>
+              </a:rPr>
+              <a:t>Difference Between PEN</a:t>
+            </a:r>
+          </a:p>
+          <a:p>
+            <a:pPr marL="377100" lvl="1" indent="0">
+              <a:spcBef>
+                <a:spcPts val="0"/>
+              </a:spcBef>
+              <a:spcAft>
+                <a:spcPts val="0"/>
+              </a:spcAft>
+              <a:buClr>
+                <a:srgbClr val="D34817"/>
+              </a:buClr>
+              <a:buSzPct val="100000"/>
+              <a:buFont typeface="Wingdings" panose="05000000000000000000" pitchFamily="2" charset="2"/>
+              <a:buChar char="v"/>
+            </a:pPr>
+            <a:r>
+              <a:rPr lang="en-US" sz="2000" dirty="0">
+                <a:solidFill>
+                  <a:schemeClr val="bg2">
+                    <a:lumMod val="10000"/>
+                    <a:lumOff val="90000"/>
+                  </a:schemeClr>
+                </a:solidFill>
+                <a:effectLst/>
+                <a:latin typeface="Selawik Semibold" panose="020B0702040204020203" pitchFamily="34" charset="0"/>
+              </a:rPr>
+              <a:t>Difference Between Return TDs  (Off Fumbles,   </a:t>
+            </a:r>
+          </a:p>
+          <a:p>
+            <a:pPr marL="377100" lvl="1" indent="0">
+              <a:spcBef>
+                <a:spcPts val="0"/>
+              </a:spcBef>
+              <a:spcAft>
+                <a:spcPts val="0"/>
+              </a:spcAft>
+              <a:buClr>
+                <a:srgbClr val="D34817"/>
+              </a:buClr>
+              <a:buSzPct val="100000"/>
+              <a:buNone/>
+            </a:pPr>
+            <a:r>
+              <a:rPr lang="en-US" sz="2000" dirty="0">
+                <a:solidFill>
+                  <a:schemeClr val="bg2">
+                    <a:lumMod val="10000"/>
+                    <a:lumOff val="90000"/>
+                  </a:schemeClr>
+                </a:solidFill>
+                <a:effectLst/>
+                <a:latin typeface="Selawik Semibold" panose="020B0702040204020203" pitchFamily="34" charset="0"/>
+              </a:rPr>
+              <a:t>    Interceptions, Kickoffs, and Punts)</a:t>
+            </a:r>
+          </a:p>
+          <a:p>
+            <a:pPr marL="377100" lvl="1" indent="0">
+              <a:spcBef>
+                <a:spcPts val="0"/>
+              </a:spcBef>
+              <a:spcAft>
+                <a:spcPts val="0"/>
+              </a:spcAft>
+              <a:buClr>
+                <a:srgbClr val="D34817"/>
+              </a:buClr>
+              <a:buSzPct val="100000"/>
+              <a:buFont typeface="Wingdings" panose="05000000000000000000" pitchFamily="2" charset="2"/>
+              <a:buChar char="v"/>
+            </a:pPr>
+            <a:endParaRPr lang="en-US" sz="2200" dirty="0">
+              <a:solidFill>
+                <a:schemeClr val="bg2">
+                  <a:lumMod val="10000"/>
+                  <a:lumOff val="90000"/>
+                </a:schemeClr>
+              </a:solidFill>
+              <a:effectLst/>
+              <a:latin typeface="Selawik Semibold" panose="020B0702040204020203" pitchFamily="34" charset="0"/>
+            </a:endParaRPr>
+          </a:p>
+          <a:p>
+            <a:pPr marL="377100" lvl="1" indent="0">
+              <a:spcBef>
+                <a:spcPts val="0"/>
+              </a:spcBef>
+              <a:spcAft>
+                <a:spcPts val="0"/>
+              </a:spcAft>
+              <a:buClr>
+                <a:srgbClr val="D34817"/>
+              </a:buClr>
+              <a:buSzPct val="100000"/>
+              <a:buFont typeface="Wingdings" panose="05000000000000000000" pitchFamily="2" charset="2"/>
+              <a:buChar char="v"/>
+            </a:pPr>
+            <a:endParaRPr lang="en-US" sz="2000" dirty="0">
+              <a:effectLst/>
+              <a:latin typeface="Selawik Semibold" panose="020B0702040204020203" pitchFamily="34" charset="0"/>
+            </a:endParaRPr>
+          </a:p>
+        </p:txBody>
+      </p:sp>
+      <p:pic>
+        <p:nvPicPr>
+          <p:cNvPr id="40" name="Graphic 39" descr="Football">
+            <a:extLst>
+              <a:ext uri="{FF2B5EF4-FFF2-40B4-BE49-F238E27FC236}">
+                <a16:creationId xmlns:a16="http://schemas.microsoft.com/office/drawing/2014/main" id="{43103FBA-298C-4A8C-8E68-C9DFEB1CFAF5}"/>
+              </a:ext>
+            </a:extLst>
+          </p:cNvPr>
+          <p:cNvPicPr>
+            <a:picLocks noChangeAspect="1"/>
+          </p:cNvPicPr>
+          <p:nvPr/>
+        </p:nvPicPr>
+        <p:blipFill>
+          <a:blip r:embed="rId5">
+            <a:extLst>
+              <a:ext uri="{28A0092B-C50C-407E-A947-70E740481C1C}">
+                <a14:useLocalDpi xmlns:a14="http://schemas.microsoft.com/office/drawing/2010/main" val="0"/>
+              </a:ext>
+              <a:ext uri="{96DAC541-7B7A-43D3-8B79-37D633B846F1}">
+                <asvg:svgBlip xmlns:asvg="http://schemas.microsoft.com/office/drawing/2016/SVG/main" r:embed="rId6"/>
+              </a:ext>
+            </a:extLst>
+          </a:blip>
+          <a:stretch>
+            <a:fillRect/>
+          </a:stretch>
+        </p:blipFill>
+        <p:spPr>
+          <a:xfrm>
+            <a:off x="8917272" y="232079"/>
+            <a:ext cx="1406766" cy="1406766"/>
+          </a:xfrm>
+          <a:prstGeom prst="rect">
+            <a:avLst/>
+          </a:prstGeom>
+        </p:spPr>
+      </p:pic>
+      <p:sp>
+        <p:nvSpPr>
+          <p:cNvPr id="17" name="Rectangle 16">
+            <a:extLst>
+              <a:ext uri="{FF2B5EF4-FFF2-40B4-BE49-F238E27FC236}">
+                <a16:creationId xmlns:a16="http://schemas.microsoft.com/office/drawing/2014/main" id="{5020441A-C920-4B5D-B423-02BDA4A265D5}"/>
+              </a:ext>
+            </a:extLst>
+          </p:cNvPr>
+          <p:cNvSpPr/>
+          <p:nvPr/>
+        </p:nvSpPr>
+        <p:spPr>
+          <a:xfrm>
+            <a:off x="0" y="6363870"/>
+            <a:ext cx="12192000" cy="280807"/>
+          </a:xfrm>
+          <a:prstGeom prst="rect">
+            <a:avLst/>
+          </a:prstGeom>
+          <a:solidFill>
+            <a:srgbClr val="D34817"/>
+          </a:solidFill>
+          <a:ln>
+            <a:noFill/>
+          </a:ln>
+        </p:spPr>
+        <p:style>
+          <a:lnRef idx="2">
+            <a:schemeClr val="accent1">
+              <a:shade val="50000"/>
+            </a:schemeClr>
+          </a:lnRef>
+          <a:fillRef idx="1">
+            <a:schemeClr val="accent1"/>
+          </a:fillRef>
+          <a:effectRef idx="0">
+            <a:schemeClr val="accent1"/>
+          </a:effectRef>
+          <a:fontRef idx="minor">
+            <a:schemeClr val="lt1"/>
+          </a:fontRef>
+        </p:style>
+        <p:txBody>
+          <a:bodyPr rtlCol="0" anchor="ctr"/>
+          <a:lstStyle/>
+          <a:p>
+            <a:pPr algn="ctr"/>
+            <a:endParaRPr lang="en-US"/>
+          </a:p>
+        </p:txBody>
+      </p:sp>
+      <p:sp>
+        <p:nvSpPr>
+          <p:cNvPr id="43" name="Rectangle 42">
+            <a:extLst>
+              <a:ext uri="{FF2B5EF4-FFF2-40B4-BE49-F238E27FC236}">
+                <a16:creationId xmlns:a16="http://schemas.microsoft.com/office/drawing/2014/main" id="{50A0A4F6-DDDF-466F-B88A-4EAD2319B32D}"/>
+              </a:ext>
+            </a:extLst>
+          </p:cNvPr>
+          <p:cNvSpPr/>
+          <p:nvPr/>
+        </p:nvSpPr>
+        <p:spPr>
+          <a:xfrm>
+            <a:off x="10402110" y="528506"/>
+            <a:ext cx="1789889" cy="813912"/>
+          </a:xfrm>
+          <a:prstGeom prst="rect">
+            <a:avLst/>
+          </a:prstGeom>
+          <a:solidFill>
+            <a:srgbClr val="D34817"/>
+          </a:solidFill>
+        </p:spPr>
+        <p:style>
+          <a:lnRef idx="2">
+            <a:schemeClr val="accent1">
+              <a:shade val="50000"/>
+            </a:schemeClr>
+          </a:lnRef>
+          <a:fillRef idx="1">
+            <a:schemeClr val="accent1"/>
+          </a:fillRef>
+          <a:effectRef idx="0">
+            <a:schemeClr val="accent1"/>
+          </a:effectRef>
+          <a:fontRef idx="minor">
+            <a:schemeClr val="lt1"/>
+          </a:fontRef>
+        </p:style>
+        <p:txBody>
+          <a:bodyPr rtlCol="0" anchor="ctr"/>
+          <a:lstStyle/>
+          <a:p>
+            <a:pPr algn="ctr"/>
+            <a:endParaRPr lang="en-US"/>
+          </a:p>
+        </p:txBody>
+      </p:sp>
+      <p:sp>
+        <p:nvSpPr>
+          <p:cNvPr id="46" name="Rectangle 45">
+            <a:extLst>
+              <a:ext uri="{FF2B5EF4-FFF2-40B4-BE49-F238E27FC236}">
+                <a16:creationId xmlns:a16="http://schemas.microsoft.com/office/drawing/2014/main" id="{4E8668F5-2350-4974-AA4D-876D0CD42EDD}"/>
+              </a:ext>
+            </a:extLst>
+          </p:cNvPr>
+          <p:cNvSpPr/>
+          <p:nvPr/>
+        </p:nvSpPr>
+        <p:spPr>
+          <a:xfrm>
+            <a:off x="-112743" y="528506"/>
+            <a:ext cx="470541" cy="813912"/>
+          </a:xfrm>
+          <a:prstGeom prst="rect">
+            <a:avLst/>
+          </a:prstGeom>
+          <a:solidFill>
+            <a:srgbClr val="D34817"/>
+          </a:solidFill>
+        </p:spPr>
+        <p:style>
+          <a:lnRef idx="2">
+            <a:schemeClr val="accent1">
+              <a:shade val="50000"/>
+            </a:schemeClr>
+          </a:lnRef>
+          <a:fillRef idx="1">
+            <a:schemeClr val="accent1"/>
+          </a:fillRef>
+          <a:effectRef idx="0">
+            <a:schemeClr val="accent1"/>
+          </a:effectRef>
+          <a:fontRef idx="minor">
+            <a:schemeClr val="lt1"/>
+          </a:fontRef>
+        </p:style>
+        <p:txBody>
+          <a:bodyPr rtlCol="0" anchor="ctr"/>
+          <a:lstStyle/>
+          <a:p>
+            <a:pPr algn="ctr"/>
+            <a:endParaRPr lang="en-US"/>
+          </a:p>
+        </p:txBody>
+      </p:sp>
+      <p:pic>
+        <p:nvPicPr>
+          <p:cNvPr id="47" name="Graphic 46" descr="Football">
+            <a:extLst>
+              <a:ext uri="{FF2B5EF4-FFF2-40B4-BE49-F238E27FC236}">
+                <a16:creationId xmlns:a16="http://schemas.microsoft.com/office/drawing/2014/main" id="{BBBD34EB-97F5-4783-BE1A-4ADD4D05EBF0}"/>
+              </a:ext>
+            </a:extLst>
+          </p:cNvPr>
+          <p:cNvPicPr>
+            <a:picLocks noChangeAspect="1"/>
+          </p:cNvPicPr>
+          <p:nvPr/>
+        </p:nvPicPr>
+        <p:blipFill>
+          <a:blip r:embed="rId5">
+            <a:extLst>
+              <a:ext uri="{28A0092B-C50C-407E-A947-70E740481C1C}">
+                <a14:useLocalDpi xmlns:a14="http://schemas.microsoft.com/office/drawing/2010/main" val="0"/>
+              </a:ext>
+              <a:ext uri="{96DAC541-7B7A-43D3-8B79-37D633B846F1}">
+                <asvg:svgBlip xmlns:asvg="http://schemas.microsoft.com/office/drawing/2016/SVG/main" r:embed="rId6"/>
+              </a:ext>
+            </a:extLst>
+          </a:blip>
+          <a:stretch>
+            <a:fillRect/>
+          </a:stretch>
+        </p:blipFill>
+        <p:spPr>
+          <a:xfrm>
+            <a:off x="426182" y="210495"/>
+            <a:ext cx="1406766" cy="1406766"/>
+          </a:xfrm>
+          <a:prstGeom prst="rect">
+            <a:avLst/>
+          </a:prstGeom>
+        </p:spPr>
+      </p:pic>
+      <p:sp>
+        <p:nvSpPr>
+          <p:cNvPr id="11" name="Rectangle 10">
+            <a:extLst>
+              <a:ext uri="{FF2B5EF4-FFF2-40B4-BE49-F238E27FC236}">
+                <a16:creationId xmlns:a16="http://schemas.microsoft.com/office/drawing/2014/main" id="{E2D564FE-449E-4C0E-B4F0-C0D47CAF5C6D}"/>
+              </a:ext>
+            </a:extLst>
+          </p:cNvPr>
+          <p:cNvSpPr/>
+          <p:nvPr/>
+        </p:nvSpPr>
+        <p:spPr>
+          <a:xfrm>
+            <a:off x="10013005" y="1660886"/>
+            <a:ext cx="2178994" cy="1576711"/>
+          </a:xfrm>
+          <a:prstGeom prst="rect">
+            <a:avLst/>
+          </a:prstGeom>
+          <a:solidFill>
+            <a:srgbClr val="D34817"/>
+          </a:solidFill>
+        </p:spPr>
+        <p:style>
+          <a:lnRef idx="2">
+            <a:schemeClr val="accent1">
+              <a:shade val="50000"/>
+            </a:schemeClr>
+          </a:lnRef>
+          <a:fillRef idx="1">
+            <a:schemeClr val="accent1"/>
+          </a:fillRef>
+          <a:effectRef idx="0">
+            <a:schemeClr val="accent1"/>
+          </a:effectRef>
+          <a:fontRef idx="minor">
+            <a:schemeClr val="lt1"/>
+          </a:fontRef>
+        </p:style>
+        <p:txBody>
+          <a:bodyPr rtlCol="0" anchor="ctr"/>
+          <a:lstStyle/>
+          <a:p>
+            <a:pPr algn="ctr"/>
+            <a:endParaRPr lang="en-US"/>
+          </a:p>
+        </p:txBody>
+      </p:sp>
+      <p:sp>
+        <p:nvSpPr>
+          <p:cNvPr id="2" name="TextBox 1">
+            <a:extLst>
+              <a:ext uri="{FF2B5EF4-FFF2-40B4-BE49-F238E27FC236}">
+                <a16:creationId xmlns:a16="http://schemas.microsoft.com/office/drawing/2014/main" id="{8987CD2B-FB33-4F66-8615-D0702FC8CBCF}"/>
+              </a:ext>
+            </a:extLst>
+          </p:cNvPr>
+          <p:cNvSpPr txBox="1"/>
+          <p:nvPr/>
+        </p:nvSpPr>
+        <p:spPr>
+          <a:xfrm>
+            <a:off x="10013005" y="1760270"/>
+            <a:ext cx="2322658" cy="1477328"/>
+          </a:xfrm>
+          <a:prstGeom prst="rect">
+            <a:avLst/>
+          </a:prstGeom>
+          <a:noFill/>
+        </p:spPr>
+        <p:txBody>
+          <a:bodyPr wrap="square" rtlCol="0">
+            <a:spAutoFit/>
+          </a:bodyPr>
+          <a:lstStyle/>
+          <a:p>
+            <a:pPr marL="0" lvl="2">
+              <a:lnSpc>
+                <a:spcPct val="90000"/>
+              </a:lnSpc>
+              <a:spcBef>
+                <a:spcPts val="0"/>
+              </a:spcBef>
+              <a:spcAft>
+                <a:spcPts val="0"/>
+              </a:spcAft>
+              <a:buClr>
+                <a:srgbClr val="D34817"/>
+              </a:buClr>
+              <a:buSzPct val="100000"/>
+            </a:pPr>
+            <a:r>
+              <a:rPr lang="en-US" sz="2000" dirty="0">
+                <a:solidFill>
+                  <a:schemeClr val="bg2">
+                    <a:lumMod val="10000"/>
+                    <a:lumOff val="90000"/>
+                  </a:schemeClr>
+                </a:solidFill>
+                <a:latin typeface="Calibri" panose="020F0502020204030204" pitchFamily="34" charset="0"/>
+                <a:cs typeface="Calibri" panose="020F0502020204030204" pitchFamily="34" charset="0"/>
+              </a:rPr>
+              <a:t>YDS = Yards</a:t>
+            </a:r>
+          </a:p>
+          <a:p>
+            <a:pPr marL="0" lvl="2">
+              <a:lnSpc>
+                <a:spcPct val="90000"/>
+              </a:lnSpc>
+              <a:spcBef>
+                <a:spcPts val="0"/>
+              </a:spcBef>
+              <a:spcAft>
+                <a:spcPts val="0"/>
+              </a:spcAft>
+              <a:buClr>
+                <a:srgbClr val="D34817"/>
+              </a:buClr>
+              <a:buSzPct val="100000"/>
+            </a:pPr>
+            <a:r>
+              <a:rPr lang="en-US" sz="2000" dirty="0">
+                <a:solidFill>
+                  <a:schemeClr val="bg2">
+                    <a:lumMod val="10000"/>
+                    <a:lumOff val="90000"/>
+                  </a:schemeClr>
+                </a:solidFill>
+                <a:latin typeface="Calibri" panose="020F0502020204030204" pitchFamily="34" charset="0"/>
+                <a:cs typeface="Calibri" panose="020F0502020204030204" pitchFamily="34" charset="0"/>
+              </a:rPr>
+              <a:t>ATT = Attempts</a:t>
+            </a:r>
+          </a:p>
+          <a:p>
+            <a:pPr marL="0" lvl="2">
+              <a:lnSpc>
+                <a:spcPct val="90000"/>
+              </a:lnSpc>
+              <a:spcBef>
+                <a:spcPts val="0"/>
+              </a:spcBef>
+              <a:spcAft>
+                <a:spcPts val="0"/>
+              </a:spcAft>
+              <a:buClr>
+                <a:srgbClr val="D34817"/>
+              </a:buClr>
+              <a:buSzPct val="100000"/>
+            </a:pPr>
+            <a:r>
+              <a:rPr lang="en-US" sz="2000" dirty="0">
+                <a:solidFill>
+                  <a:schemeClr val="bg2">
+                    <a:lumMod val="10000"/>
+                    <a:lumOff val="90000"/>
+                  </a:schemeClr>
+                </a:solidFill>
+                <a:latin typeface="Calibri" panose="020F0502020204030204" pitchFamily="34" charset="0"/>
+                <a:cs typeface="Calibri" panose="020F0502020204030204" pitchFamily="34" charset="0"/>
+              </a:rPr>
+              <a:t>TO = Turnover</a:t>
+            </a:r>
+          </a:p>
+          <a:p>
+            <a:pPr marL="0" lvl="2">
+              <a:lnSpc>
+                <a:spcPct val="90000"/>
+              </a:lnSpc>
+              <a:spcBef>
+                <a:spcPts val="0"/>
+              </a:spcBef>
+              <a:spcAft>
+                <a:spcPts val="0"/>
+              </a:spcAft>
+              <a:buClr>
+                <a:srgbClr val="D34817"/>
+              </a:buClr>
+              <a:buSzPct val="100000"/>
+            </a:pPr>
+            <a:r>
+              <a:rPr lang="en-US" sz="2000" dirty="0">
+                <a:solidFill>
+                  <a:schemeClr val="bg2">
+                    <a:lumMod val="10000"/>
+                    <a:lumOff val="90000"/>
+                  </a:schemeClr>
+                </a:solidFill>
+                <a:latin typeface="Calibri" panose="020F0502020204030204" pitchFamily="34" charset="0"/>
+                <a:cs typeface="Calibri" panose="020F0502020204030204" pitchFamily="34" charset="0"/>
+              </a:rPr>
+              <a:t>PEN = Penalty</a:t>
+            </a:r>
+          </a:p>
+          <a:p>
+            <a:pPr marL="0" lvl="2">
+              <a:lnSpc>
+                <a:spcPct val="90000"/>
+              </a:lnSpc>
+              <a:spcBef>
+                <a:spcPts val="0"/>
+              </a:spcBef>
+              <a:spcAft>
+                <a:spcPts val="0"/>
+              </a:spcAft>
+              <a:buClr>
+                <a:srgbClr val="D34817"/>
+              </a:buClr>
+              <a:buSzPct val="100000"/>
+            </a:pPr>
+            <a:r>
+              <a:rPr lang="en-US" sz="2000" dirty="0">
+                <a:solidFill>
+                  <a:schemeClr val="bg2">
+                    <a:lumMod val="10000"/>
+                    <a:lumOff val="90000"/>
+                  </a:schemeClr>
+                </a:solidFill>
+                <a:latin typeface="Calibri" panose="020F0502020204030204" pitchFamily="34" charset="0"/>
+                <a:cs typeface="Calibri" panose="020F0502020204030204" pitchFamily="34" charset="0"/>
+              </a:rPr>
+              <a:t>TD = Touchdown</a:t>
+            </a:r>
+          </a:p>
+        </p:txBody>
+      </p:sp>
+    </p:spTree>
+    <p:extLst>
+      <p:ext uri="{BB962C8B-B14F-4D97-AF65-F5344CB8AC3E}">
+        <p14:creationId xmlns:p14="http://schemas.microsoft.com/office/powerpoint/2010/main" val="3730916818"/>
+      </p:ext>
+    </p:extLst>
+  </p:cSld>
+  <p:clrMapOvr>
+    <a:masterClrMapping/>
+  </p:clrMapOvr>
+</p:sld>
+</file>
+
+<file path=ppt/slides/slide6.xml><?xml version="1.0" encoding="utf-8"?>
+<p:sld xmlns:a="http://schemas.openxmlformats.org/drawingml/2006/main" xmlns:r="http://schemas.openxmlformats.org/officeDocument/2006/relationships" xmlns:p="http://schemas.openxmlformats.org/presentationml/2006/main">
+  <p:cSld>
+    <p:bg>
+      <p:bgPr>
+        <a:blipFill rotWithShape="1">
+          <a:blip r:embed="rId2">
+            <a:duotone>
+              <a:schemeClr val="bg2">
+                <a:shade val="80000"/>
+                <a:lumMod val="80000"/>
+              </a:schemeClr>
+              <a:schemeClr val="bg2">
+                <a:tint val="98000"/>
+              </a:schemeClr>
+            </a:duotone>
+          </a:blip>
+          <a:stretch/>
+        </a:blipFill>
+        <a:effectLst/>
+      </p:bgPr>
+    </p:bg>
+    <p:spTree>
+      <p:nvGrpSpPr>
+        <p:cNvPr id="1" name=""/>
+        <p:cNvGrpSpPr/>
+        <p:nvPr/>
+      </p:nvGrpSpPr>
+      <p:grpSpPr>
+        <a:xfrm>
+          <a:off x="0" y="0"/>
+          <a:ext cx="0" cy="0"/>
+          <a:chOff x="0" y="0"/>
+          <a:chExt cx="0" cy="0"/>
+        </a:xfrm>
+      </p:grpSpPr>
+      <p:pic>
+        <p:nvPicPr>
+          <p:cNvPr id="21" name="Picture 20" descr="A picture containing clothing, person, headdress, baseball&#10;&#10;Description automatically generated">
+            <a:extLst>
+              <a:ext uri="{FF2B5EF4-FFF2-40B4-BE49-F238E27FC236}">
+                <a16:creationId xmlns:a16="http://schemas.microsoft.com/office/drawing/2014/main" id="{68BA132B-EA3B-4DFB-BEF2-04F4ACB3B027}"/>
+              </a:ext>
+            </a:extLst>
+          </p:cNvPr>
+          <p:cNvPicPr>
+            <a:picLocks noChangeAspect="1"/>
+          </p:cNvPicPr>
+          <p:nvPr/>
+        </p:nvPicPr>
+        <p:blipFill rotWithShape="1">
+          <a:blip r:embed="rId3">
+            <a:extLst>
+              <a:ext uri="{BEBA8EAE-BF5A-486C-A8C5-ECC9F3942E4B}">
+                <a14:imgProps xmlns:a14="http://schemas.microsoft.com/office/drawing/2010/main">
+                  <a14:imgLayer r:embed="rId4">
+                    <a14:imgEffect>
+                      <a14:colorTemperature colorTemp="11151"/>
+                    </a14:imgEffect>
+                    <a14:imgEffect>
+                      <a14:saturation sat="0"/>
+                    </a14:imgEffect>
+                  </a14:imgLayer>
+                </a14:imgProps>
+              </a:ext>
+              <a:ext uri="{28A0092B-C50C-407E-A947-70E740481C1C}">
+                <a14:useLocalDpi xmlns:a14="http://schemas.microsoft.com/office/drawing/2010/main" val="0"/>
+              </a:ext>
+            </a:extLst>
+          </a:blip>
+          <a:srcRect r="3" b="7624"/>
+          <a:stretch/>
+        </p:blipFill>
+        <p:spPr>
+          <a:xfrm>
+            <a:off x="-1051136" y="3119615"/>
+            <a:ext cx="4065464" cy="3258005"/>
+          </a:xfrm>
+          <a:prstGeom prst="rect">
+            <a:avLst/>
+          </a:prstGeom>
+        </p:spPr>
+      </p:pic>
+      <p:sp>
+        <p:nvSpPr>
+          <p:cNvPr id="41" name="Rectangle 40">
+            <a:extLst>
+              <a:ext uri="{FF2B5EF4-FFF2-40B4-BE49-F238E27FC236}">
+                <a16:creationId xmlns:a16="http://schemas.microsoft.com/office/drawing/2014/main" id="{7BDB8227-827C-484D-95AA-05C24716BEB4}"/>
+              </a:ext>
+            </a:extLst>
+          </p:cNvPr>
+          <p:cNvSpPr/>
+          <p:nvPr/>
+        </p:nvSpPr>
+        <p:spPr>
+          <a:xfrm>
+            <a:off x="1911020" y="528506"/>
+            <a:ext cx="6928179" cy="813912"/>
+          </a:xfrm>
+          <a:prstGeom prst="rect">
+            <a:avLst/>
+          </a:prstGeom>
+          <a:solidFill>
+            <a:srgbClr val="D34817"/>
+          </a:solidFill>
+        </p:spPr>
+        <p:style>
+          <a:lnRef idx="2">
+            <a:schemeClr val="accent1">
+              <a:shade val="50000"/>
+            </a:schemeClr>
+          </a:lnRef>
+          <a:fillRef idx="1">
+            <a:schemeClr val="accent1"/>
+          </a:fillRef>
+          <a:effectRef idx="0">
+            <a:schemeClr val="accent1"/>
+          </a:effectRef>
+          <a:fontRef idx="minor">
+            <a:schemeClr val="lt1"/>
+          </a:fontRef>
+        </p:style>
+        <p:txBody>
+          <a:bodyPr rtlCol="0" anchor="ctr"/>
+          <a:lstStyle/>
+          <a:p>
+            <a:pPr algn="ctr"/>
+            <a:endParaRPr lang="en-US">
+              <a:solidFill>
+                <a:srgbClr val="A6A1A1"/>
+              </a:solidFill>
+            </a:endParaRPr>
+          </a:p>
+        </p:txBody>
+      </p:sp>
+      <p:sp>
+        <p:nvSpPr>
+          <p:cNvPr id="4" name="Title 3">
+            <a:extLst>
+              <a:ext uri="{FF2B5EF4-FFF2-40B4-BE49-F238E27FC236}">
+                <a16:creationId xmlns:a16="http://schemas.microsoft.com/office/drawing/2014/main" id="{4A6C2FBC-B0EB-45C1-9469-C4F6741ECB31}"/>
+              </a:ext>
+            </a:extLst>
+          </p:cNvPr>
+          <p:cNvSpPr>
+            <a:spLocks noGrp="1"/>
+          </p:cNvSpPr>
+          <p:nvPr>
+            <p:ph type="title"/>
+          </p:nvPr>
+        </p:nvSpPr>
+        <p:spPr>
+          <a:xfrm>
+            <a:off x="1911020" y="428653"/>
+            <a:ext cx="6928179" cy="970450"/>
+          </a:xfrm>
+          <a:effectLst>
+            <a:outerShdw blurRad="25400" dir="17880000">
+              <a:srgbClr val="000000">
+                <a:alpha val="70000"/>
+              </a:srgbClr>
+            </a:outerShdw>
+          </a:effectLst>
+        </p:spPr>
+        <p:txBody>
+          <a:bodyPr>
+            <a:normAutofit/>
+          </a:bodyPr>
+          <a:lstStyle/>
+          <a:p>
+            <a:pPr algn="l"/>
+            <a:r>
+              <a:rPr lang="en-US" sz="3600" dirty="0">
+                <a:ln>
+                  <a:noFill/>
+                </a:ln>
+                <a:solidFill>
+                  <a:schemeClr val="bg2">
+                    <a:lumMod val="10000"/>
+                    <a:lumOff val="90000"/>
+                  </a:schemeClr>
+                </a:solidFill>
+                <a:effectLst/>
+                <a:latin typeface="Selawik Semibold" panose="020B0702040204020203" pitchFamily="34" charset="0"/>
+              </a:rPr>
+              <a:t>What Makes Teams Win</a:t>
+            </a:r>
+          </a:p>
+        </p:txBody>
+      </p:sp>
+      <p:sp>
+        <p:nvSpPr>
+          <p:cNvPr id="24" name="Content Placeholder 2">
+            <a:extLst>
+              <a:ext uri="{FF2B5EF4-FFF2-40B4-BE49-F238E27FC236}">
+                <a16:creationId xmlns:a16="http://schemas.microsoft.com/office/drawing/2014/main" id="{52313B83-B214-43D7-AC39-182CE4FA3E53}"/>
+              </a:ext>
+            </a:extLst>
+          </p:cNvPr>
+          <p:cNvSpPr>
+            <a:spLocks noGrp="1"/>
+          </p:cNvSpPr>
+          <p:nvPr>
+            <p:ph idx="1"/>
+          </p:nvPr>
+        </p:nvSpPr>
+        <p:spPr>
+          <a:xfrm>
+            <a:off x="2283155" y="1490925"/>
+            <a:ext cx="7729850" cy="4838569"/>
+          </a:xfrm>
+        </p:spPr>
+        <p:txBody>
+          <a:bodyPr numCol="1" anchor="t">
+            <a:noAutofit/>
+          </a:bodyPr>
+          <a:lstStyle/>
+          <a:p>
+            <a:pPr marL="0" indent="0">
+              <a:spcBef>
+                <a:spcPts val="0"/>
+              </a:spcBef>
+              <a:spcAft>
+                <a:spcPts val="0"/>
+              </a:spcAft>
+              <a:buClr>
+                <a:srgbClr val="D34817"/>
+              </a:buClr>
+              <a:buSzPct val="100000"/>
+              <a:buFont typeface="Wingdings" panose="05000000000000000000" pitchFamily="2" charset="2"/>
+              <a:buChar char="v"/>
+            </a:pPr>
+            <a:r>
+              <a:rPr lang="en-US" sz="2400" dirty="0">
+                <a:solidFill>
+                  <a:schemeClr val="bg2">
+                    <a:lumMod val="10000"/>
+                    <a:lumOff val="90000"/>
+                  </a:schemeClr>
+                </a:solidFill>
+                <a:effectLst/>
+                <a:latin typeface="Selawik Semibold" panose="020B0702040204020203" pitchFamily="34" charset="0"/>
+              </a:rPr>
+              <a:t>Regression on the Team Level</a:t>
+            </a:r>
+          </a:p>
+          <a:p>
+            <a:pPr marL="377100" lvl="1" indent="0">
+              <a:spcBef>
+                <a:spcPts val="0"/>
+              </a:spcBef>
+              <a:spcAft>
+                <a:spcPts val="0"/>
+              </a:spcAft>
+              <a:buClr>
+                <a:srgbClr val="D34817"/>
+              </a:buClr>
+              <a:buSzPct val="100000"/>
+              <a:buFont typeface="Wingdings" panose="05000000000000000000" pitchFamily="2" charset="2"/>
+              <a:buChar char="v"/>
+            </a:pPr>
+            <a:r>
+              <a:rPr lang="en-US" sz="2000" dirty="0">
+                <a:solidFill>
+                  <a:schemeClr val="bg2">
+                    <a:lumMod val="10000"/>
+                    <a:lumOff val="90000"/>
+                  </a:schemeClr>
+                </a:solidFill>
+                <a:effectLst/>
+                <a:latin typeface="Selawik Semibold" panose="020B0702040204020203" pitchFamily="34" charset="0"/>
+              </a:rPr>
+              <a:t>Covers 2003 – 2006 Seasons</a:t>
+            </a:r>
+          </a:p>
+          <a:p>
+            <a:pPr marL="377100" lvl="1" indent="0">
+              <a:spcBef>
+                <a:spcPts val="0"/>
+              </a:spcBef>
+              <a:spcAft>
+                <a:spcPts val="0"/>
+              </a:spcAft>
+              <a:buClr>
+                <a:srgbClr val="D34817"/>
+              </a:buClr>
+              <a:buSzPct val="100000"/>
+              <a:buFont typeface="Wingdings" panose="05000000000000000000" pitchFamily="2" charset="2"/>
+              <a:buChar char="v"/>
+            </a:pPr>
+            <a:r>
+              <a:rPr lang="en-US" sz="2000" dirty="0">
+                <a:solidFill>
+                  <a:schemeClr val="bg2">
+                    <a:lumMod val="10000"/>
+                    <a:lumOff val="90000"/>
+                  </a:schemeClr>
+                </a:solidFill>
+                <a:effectLst/>
+                <a:latin typeface="Selawik Semibold" panose="020B0702040204020203" pitchFamily="34" charset="0"/>
+              </a:rPr>
+              <a:t>All Predictors are Significant Except the Intercept</a:t>
+            </a:r>
+          </a:p>
+          <a:p>
+            <a:pPr marL="377100" lvl="1" indent="0">
+              <a:spcBef>
+                <a:spcPts val="0"/>
+              </a:spcBef>
+              <a:spcAft>
+                <a:spcPts val="0"/>
+              </a:spcAft>
+              <a:buClr>
+                <a:srgbClr val="D34817"/>
+              </a:buClr>
+              <a:buSzPct val="100000"/>
+              <a:buFont typeface="Wingdings" panose="05000000000000000000" pitchFamily="2" charset="2"/>
+              <a:buChar char="v"/>
+            </a:pPr>
+            <a:r>
+              <a:rPr lang="en-US" sz="2000" dirty="0">
+                <a:solidFill>
+                  <a:schemeClr val="bg2">
+                    <a:lumMod val="10000"/>
+                    <a:lumOff val="90000"/>
+                  </a:schemeClr>
+                </a:solidFill>
+                <a:effectLst/>
+                <a:latin typeface="Selawik Semibold" panose="020B0702040204020203" pitchFamily="34" charset="0"/>
+              </a:rPr>
+              <a:t>RSQ of 0.87</a:t>
+            </a:r>
+          </a:p>
+          <a:p>
+            <a:pPr marL="377100" lvl="1" indent="0">
+              <a:spcBef>
+                <a:spcPts val="0"/>
+              </a:spcBef>
+              <a:spcAft>
+                <a:spcPts val="0"/>
+              </a:spcAft>
+              <a:buClr>
+                <a:srgbClr val="D34817"/>
+              </a:buClr>
+              <a:buSzPct val="100000"/>
+              <a:buFont typeface="Wingdings" panose="05000000000000000000" pitchFamily="2" charset="2"/>
+              <a:buChar char="v"/>
+            </a:pPr>
+            <a:r>
+              <a:rPr lang="en-US" sz="2000" dirty="0">
+                <a:solidFill>
+                  <a:schemeClr val="bg2">
+                    <a:lumMod val="10000"/>
+                    <a:lumOff val="90000"/>
+                  </a:schemeClr>
+                </a:solidFill>
+                <a:effectLst/>
+                <a:latin typeface="Selawik Semibold" panose="020B0702040204020203" pitchFamily="34" charset="0"/>
+              </a:rPr>
+              <a:t>Standard Error of 35</a:t>
+            </a:r>
+          </a:p>
+          <a:p>
+            <a:pPr marL="377100" lvl="1" indent="0">
+              <a:spcBef>
+                <a:spcPts val="0"/>
+              </a:spcBef>
+              <a:spcAft>
+                <a:spcPts val="0"/>
+              </a:spcAft>
+              <a:buClr>
+                <a:srgbClr val="D34817"/>
+              </a:buClr>
+              <a:buSzPct val="100000"/>
+              <a:buFont typeface="Wingdings" panose="05000000000000000000" pitchFamily="2" charset="2"/>
+              <a:buChar char="v"/>
+            </a:pPr>
+            <a:r>
+              <a:rPr lang="en-US" sz="2000" dirty="0">
+                <a:solidFill>
+                  <a:schemeClr val="bg2">
+                    <a:lumMod val="10000"/>
+                    <a:lumOff val="90000"/>
+                  </a:schemeClr>
+                </a:solidFill>
+                <a:effectLst/>
+                <a:latin typeface="Selawik Semibold" panose="020B0702040204020203" pitchFamily="34" charset="0"/>
+              </a:rPr>
+              <a:t>Approximately 95% of the Time, the True Scoring Margin </a:t>
+            </a:r>
+          </a:p>
+          <a:p>
+            <a:pPr marL="377100" lvl="1" indent="0">
+              <a:spcBef>
+                <a:spcPts val="0"/>
+              </a:spcBef>
+              <a:spcAft>
+                <a:spcPts val="0"/>
+              </a:spcAft>
+              <a:buClr>
+                <a:srgbClr val="D34817"/>
+              </a:buClr>
+              <a:buSzPct val="100000"/>
+              <a:buNone/>
+            </a:pPr>
+            <a:r>
+              <a:rPr lang="en-US" sz="2000" dirty="0">
+                <a:solidFill>
+                  <a:schemeClr val="bg2">
+                    <a:lumMod val="10000"/>
+                    <a:lumOff val="90000"/>
+                  </a:schemeClr>
+                </a:solidFill>
+                <a:effectLst/>
+                <a:latin typeface="Selawik Semibold" panose="020B0702040204020203" pitchFamily="34" charset="0"/>
+              </a:rPr>
+              <a:t>   Would Be Within 70 Points</a:t>
+            </a:r>
+          </a:p>
+          <a:p>
+            <a:pPr marL="377100" lvl="1" indent="0">
+              <a:spcBef>
+                <a:spcPts val="0"/>
+              </a:spcBef>
+              <a:spcAft>
+                <a:spcPts val="0"/>
+              </a:spcAft>
+              <a:buClr>
+                <a:srgbClr val="D34817"/>
+              </a:buClr>
+              <a:buSzPct val="100000"/>
+              <a:buFont typeface="Wingdings" panose="05000000000000000000" pitchFamily="2" charset="2"/>
+              <a:buChar char="v"/>
+            </a:pPr>
+            <a:endParaRPr lang="en-US" sz="2000" dirty="0">
+              <a:solidFill>
+                <a:schemeClr val="bg2">
+                  <a:lumMod val="10000"/>
+                  <a:lumOff val="90000"/>
+                </a:schemeClr>
+              </a:solidFill>
+              <a:effectLst/>
+              <a:latin typeface="Selawik Semibold" panose="020B0702040204020203" pitchFamily="34" charset="0"/>
+            </a:endParaRPr>
+          </a:p>
+          <a:p>
+            <a:pPr marL="0" indent="0">
+              <a:spcBef>
+                <a:spcPts val="0"/>
+              </a:spcBef>
+              <a:spcAft>
+                <a:spcPts val="0"/>
+              </a:spcAft>
+              <a:buClr>
+                <a:srgbClr val="D34817"/>
+              </a:buClr>
+              <a:buSzPct val="100000"/>
+              <a:buFont typeface="Wingdings" panose="05000000000000000000" pitchFamily="2" charset="2"/>
+              <a:buChar char="v"/>
+            </a:pPr>
+            <a:r>
+              <a:rPr lang="en-US" sz="2200" dirty="0">
+                <a:solidFill>
+                  <a:schemeClr val="bg2">
+                    <a:lumMod val="10000"/>
+                    <a:lumOff val="90000"/>
+                  </a:schemeClr>
+                </a:solidFill>
+                <a:effectLst/>
+                <a:latin typeface="Selawik Semibold" panose="020B0702040204020203" pitchFamily="34" charset="0"/>
+              </a:rPr>
+              <a:t>Interesting Insight</a:t>
+            </a:r>
+          </a:p>
+          <a:p>
+            <a:pPr marL="377100" lvl="1" indent="0">
+              <a:spcBef>
+                <a:spcPts val="0"/>
+              </a:spcBef>
+              <a:spcAft>
+                <a:spcPts val="0"/>
+              </a:spcAft>
+              <a:buClr>
+                <a:srgbClr val="D34817"/>
+              </a:buClr>
+              <a:buSzPct val="100000"/>
+              <a:buFont typeface="Wingdings" panose="05000000000000000000" pitchFamily="2" charset="2"/>
+              <a:buChar char="v"/>
+            </a:pPr>
+            <a:r>
+              <a:rPr lang="en-US" sz="2000" dirty="0">
+                <a:solidFill>
+                  <a:schemeClr val="bg2">
+                    <a:lumMod val="10000"/>
+                    <a:lumOff val="90000"/>
+                  </a:schemeClr>
+                </a:solidFill>
+                <a:effectLst/>
+                <a:latin typeface="Selawik Semibold" panose="020B0702040204020203" pitchFamily="34" charset="0"/>
+              </a:rPr>
+              <a:t>Coefficients for Passing Efficiency Triple Coefficients for </a:t>
+            </a:r>
+          </a:p>
+          <a:p>
+            <a:pPr marL="377100" lvl="1" indent="0">
+              <a:spcBef>
+                <a:spcPts val="0"/>
+              </a:spcBef>
+              <a:spcAft>
+                <a:spcPts val="0"/>
+              </a:spcAft>
+              <a:buClr>
+                <a:srgbClr val="D34817"/>
+              </a:buClr>
+              <a:buSzPct val="100000"/>
+              <a:buNone/>
+            </a:pPr>
+            <a:r>
+              <a:rPr lang="en-US" sz="2000" dirty="0">
+                <a:solidFill>
+                  <a:schemeClr val="bg2">
+                    <a:lumMod val="10000"/>
+                    <a:lumOff val="90000"/>
+                  </a:schemeClr>
+                </a:solidFill>
+                <a:effectLst/>
+                <a:latin typeface="Selawik Semibold" panose="020B0702040204020203" pitchFamily="34" charset="0"/>
+              </a:rPr>
+              <a:t>    Defensive Efficiency</a:t>
+            </a:r>
+          </a:p>
+          <a:p>
+            <a:pPr marL="377100" lvl="1" indent="0">
+              <a:spcBef>
+                <a:spcPts val="0"/>
+              </a:spcBef>
+              <a:spcAft>
+                <a:spcPts val="0"/>
+              </a:spcAft>
+              <a:buClr>
+                <a:srgbClr val="D34817"/>
+              </a:buClr>
+              <a:buSzPct val="100000"/>
+              <a:buFont typeface="Wingdings" panose="05000000000000000000" pitchFamily="2" charset="2"/>
+              <a:buChar char="v"/>
+            </a:pPr>
+            <a:r>
+              <a:rPr lang="en-US" sz="2000" dirty="0">
+                <a:solidFill>
+                  <a:schemeClr val="bg2">
+                    <a:lumMod val="10000"/>
+                    <a:lumOff val="90000"/>
+                  </a:schemeClr>
+                </a:solidFill>
+                <a:effectLst/>
+                <a:latin typeface="Selawik Semibold" panose="020B0702040204020203" pitchFamily="34" charset="0"/>
+              </a:rPr>
+              <a:t>Extra Passing YDS/ATT Worth 61.67 PTS (+3.85 PTS/G)</a:t>
+            </a:r>
+          </a:p>
+          <a:p>
+            <a:pPr marL="377100" lvl="1" indent="0">
+              <a:spcBef>
+                <a:spcPts val="0"/>
+              </a:spcBef>
+              <a:spcAft>
+                <a:spcPts val="0"/>
+              </a:spcAft>
+              <a:buClr>
+                <a:srgbClr val="D34817"/>
+              </a:buClr>
+              <a:buSzPct val="100000"/>
+              <a:buFont typeface="Wingdings" panose="05000000000000000000" pitchFamily="2" charset="2"/>
+              <a:buChar char="v"/>
+            </a:pPr>
+            <a:r>
+              <a:rPr lang="en-US" sz="2000" dirty="0">
+                <a:solidFill>
+                  <a:schemeClr val="bg2">
+                    <a:lumMod val="10000"/>
+                    <a:lumOff val="90000"/>
+                  </a:schemeClr>
+                </a:solidFill>
+                <a:effectLst/>
+                <a:latin typeface="Selawik Semibold" panose="020B0702040204020203" pitchFamily="34" charset="0"/>
+              </a:rPr>
+              <a:t>Extra Rushing YDS/ATT Worth 26.44 PTS (+1.65 PTS/G)</a:t>
+            </a:r>
+          </a:p>
+          <a:p>
+            <a:pPr marL="377100" lvl="1" indent="0">
+              <a:spcBef>
+                <a:spcPts val="0"/>
+              </a:spcBef>
+              <a:spcAft>
+                <a:spcPts val="0"/>
+              </a:spcAft>
+              <a:buClr>
+                <a:srgbClr val="D34817"/>
+              </a:buClr>
+              <a:buSzPct val="100000"/>
+              <a:buFont typeface="Wingdings" panose="05000000000000000000" pitchFamily="2" charset="2"/>
+              <a:buChar char="v"/>
+            </a:pPr>
+            <a:r>
+              <a:rPr lang="en-US" sz="2000" dirty="0">
+                <a:solidFill>
+                  <a:schemeClr val="bg2">
+                    <a:lumMod val="10000"/>
+                    <a:lumOff val="90000"/>
+                  </a:schemeClr>
+                </a:solidFill>
+                <a:effectLst/>
+                <a:latin typeface="Selawik Semibold" panose="020B0702040204020203" pitchFamily="34" charset="0"/>
+              </a:rPr>
+              <a:t>What is the Problem with This Interpretation?</a:t>
+            </a:r>
+          </a:p>
+          <a:p>
+            <a:pPr marL="377100" lvl="1" indent="0">
+              <a:spcBef>
+                <a:spcPts val="0"/>
+              </a:spcBef>
+              <a:spcAft>
+                <a:spcPts val="0"/>
+              </a:spcAft>
+              <a:buClr>
+                <a:srgbClr val="D34817"/>
+              </a:buClr>
+              <a:buSzPct val="100000"/>
+              <a:buFont typeface="Wingdings" panose="05000000000000000000" pitchFamily="2" charset="2"/>
+              <a:buChar char="v"/>
+            </a:pPr>
+            <a:endParaRPr lang="en-US" sz="2000" dirty="0">
+              <a:solidFill>
+                <a:schemeClr val="bg2">
+                  <a:lumMod val="10000"/>
+                  <a:lumOff val="90000"/>
+                </a:schemeClr>
+              </a:solidFill>
+              <a:effectLst/>
+              <a:latin typeface="Selawik Semibold" panose="020B0702040204020203" pitchFamily="34" charset="0"/>
+            </a:endParaRPr>
+          </a:p>
+          <a:p>
+            <a:pPr marL="377100" lvl="1" indent="0">
+              <a:spcBef>
+                <a:spcPts val="0"/>
+              </a:spcBef>
+              <a:spcAft>
+                <a:spcPts val="0"/>
+              </a:spcAft>
+              <a:buClr>
+                <a:srgbClr val="D34817"/>
+              </a:buClr>
+              <a:buSzPct val="100000"/>
+              <a:buNone/>
+            </a:pPr>
+            <a:endParaRPr lang="en-US" sz="2200" dirty="0">
+              <a:solidFill>
+                <a:schemeClr val="bg2">
+                  <a:lumMod val="10000"/>
+                  <a:lumOff val="90000"/>
+                </a:schemeClr>
+              </a:solidFill>
+              <a:effectLst/>
+              <a:latin typeface="Selawik Semibold" panose="020B0702040204020203" pitchFamily="34" charset="0"/>
+            </a:endParaRPr>
+          </a:p>
+          <a:p>
+            <a:pPr marL="377100" lvl="1" indent="0">
+              <a:spcBef>
+                <a:spcPts val="0"/>
+              </a:spcBef>
+              <a:spcAft>
+                <a:spcPts val="0"/>
+              </a:spcAft>
+              <a:buClr>
+                <a:srgbClr val="D34817"/>
+              </a:buClr>
+              <a:buSzPct val="100000"/>
+              <a:buFont typeface="Wingdings" panose="05000000000000000000" pitchFamily="2" charset="2"/>
+              <a:buChar char="v"/>
+            </a:pPr>
+            <a:endParaRPr lang="en-US" sz="2200" dirty="0">
+              <a:solidFill>
+                <a:schemeClr val="bg2">
+                  <a:lumMod val="10000"/>
+                  <a:lumOff val="90000"/>
+                </a:schemeClr>
+              </a:solidFill>
+              <a:effectLst/>
+              <a:latin typeface="Selawik Semibold" panose="020B0702040204020203" pitchFamily="34" charset="0"/>
+            </a:endParaRPr>
+          </a:p>
+          <a:p>
+            <a:pPr marL="377100" lvl="1" indent="0">
+              <a:spcBef>
+                <a:spcPts val="0"/>
+              </a:spcBef>
+              <a:spcAft>
+                <a:spcPts val="0"/>
+              </a:spcAft>
+              <a:buClr>
+                <a:srgbClr val="D34817"/>
+              </a:buClr>
+              <a:buSzPct val="100000"/>
+              <a:buFont typeface="Wingdings" panose="05000000000000000000" pitchFamily="2" charset="2"/>
+              <a:buChar char="v"/>
+            </a:pPr>
+            <a:endParaRPr lang="en-US" sz="2000" dirty="0">
+              <a:effectLst/>
+              <a:latin typeface="Selawik Semibold" panose="020B0702040204020203" pitchFamily="34" charset="0"/>
+            </a:endParaRPr>
+          </a:p>
+        </p:txBody>
+      </p:sp>
+      <p:pic>
+        <p:nvPicPr>
+          <p:cNvPr id="40" name="Graphic 39" descr="Football">
+            <a:extLst>
+              <a:ext uri="{FF2B5EF4-FFF2-40B4-BE49-F238E27FC236}">
+                <a16:creationId xmlns:a16="http://schemas.microsoft.com/office/drawing/2014/main" id="{43103FBA-298C-4A8C-8E68-C9DFEB1CFAF5}"/>
+              </a:ext>
+            </a:extLst>
+          </p:cNvPr>
+          <p:cNvPicPr>
+            <a:picLocks noChangeAspect="1"/>
+          </p:cNvPicPr>
+          <p:nvPr/>
+        </p:nvPicPr>
+        <p:blipFill>
+          <a:blip r:embed="rId5">
+            <a:extLst>
+              <a:ext uri="{28A0092B-C50C-407E-A947-70E740481C1C}">
+                <a14:useLocalDpi xmlns:a14="http://schemas.microsoft.com/office/drawing/2010/main" val="0"/>
+              </a:ext>
+              <a:ext uri="{96DAC541-7B7A-43D3-8B79-37D633B846F1}">
+                <asvg:svgBlip xmlns:asvg="http://schemas.microsoft.com/office/drawing/2016/SVG/main" r:embed="rId6"/>
+              </a:ext>
+            </a:extLst>
+          </a:blip>
+          <a:stretch>
+            <a:fillRect/>
+          </a:stretch>
+        </p:blipFill>
+        <p:spPr>
+          <a:xfrm>
+            <a:off x="8917272" y="232079"/>
+            <a:ext cx="1406766" cy="1406766"/>
+          </a:xfrm>
+          <a:prstGeom prst="rect">
+            <a:avLst/>
+          </a:prstGeom>
+        </p:spPr>
+      </p:pic>
+      <p:sp>
+        <p:nvSpPr>
+          <p:cNvPr id="17" name="Rectangle 16">
+            <a:extLst>
+              <a:ext uri="{FF2B5EF4-FFF2-40B4-BE49-F238E27FC236}">
+                <a16:creationId xmlns:a16="http://schemas.microsoft.com/office/drawing/2014/main" id="{5020441A-C920-4B5D-B423-02BDA4A265D5}"/>
+              </a:ext>
+            </a:extLst>
+          </p:cNvPr>
+          <p:cNvSpPr/>
+          <p:nvPr/>
+        </p:nvSpPr>
+        <p:spPr>
+          <a:xfrm>
+            <a:off x="0" y="6363870"/>
+            <a:ext cx="12192000" cy="280807"/>
+          </a:xfrm>
+          <a:prstGeom prst="rect">
+            <a:avLst/>
+          </a:prstGeom>
+          <a:solidFill>
+            <a:srgbClr val="D34817"/>
+          </a:solidFill>
+          <a:ln>
+            <a:noFill/>
+          </a:ln>
+        </p:spPr>
+        <p:style>
+          <a:lnRef idx="2">
+            <a:schemeClr val="accent1">
+              <a:shade val="50000"/>
+            </a:schemeClr>
+          </a:lnRef>
+          <a:fillRef idx="1">
+            <a:schemeClr val="accent1"/>
+          </a:fillRef>
+          <a:effectRef idx="0">
+            <a:schemeClr val="accent1"/>
+          </a:effectRef>
+          <a:fontRef idx="minor">
+            <a:schemeClr val="lt1"/>
+          </a:fontRef>
+        </p:style>
+        <p:txBody>
+          <a:bodyPr rtlCol="0" anchor="ctr"/>
+          <a:lstStyle/>
+          <a:p>
+            <a:pPr algn="ctr"/>
+            <a:endParaRPr lang="en-US"/>
+          </a:p>
+        </p:txBody>
+      </p:sp>
+      <p:sp>
+        <p:nvSpPr>
+          <p:cNvPr id="43" name="Rectangle 42">
+            <a:extLst>
+              <a:ext uri="{FF2B5EF4-FFF2-40B4-BE49-F238E27FC236}">
+                <a16:creationId xmlns:a16="http://schemas.microsoft.com/office/drawing/2014/main" id="{50A0A4F6-DDDF-466F-B88A-4EAD2319B32D}"/>
+              </a:ext>
+            </a:extLst>
+          </p:cNvPr>
+          <p:cNvSpPr/>
+          <p:nvPr/>
+        </p:nvSpPr>
+        <p:spPr>
+          <a:xfrm>
+            <a:off x="10402110" y="528506"/>
+            <a:ext cx="1789889" cy="813912"/>
+          </a:xfrm>
+          <a:prstGeom prst="rect">
+            <a:avLst/>
+          </a:prstGeom>
+          <a:solidFill>
+            <a:srgbClr val="D34817"/>
+          </a:solidFill>
+        </p:spPr>
+        <p:style>
+          <a:lnRef idx="2">
+            <a:schemeClr val="accent1">
+              <a:shade val="50000"/>
+            </a:schemeClr>
+          </a:lnRef>
+          <a:fillRef idx="1">
+            <a:schemeClr val="accent1"/>
+          </a:fillRef>
+          <a:effectRef idx="0">
+            <a:schemeClr val="accent1"/>
+          </a:effectRef>
+          <a:fontRef idx="minor">
+            <a:schemeClr val="lt1"/>
+          </a:fontRef>
+        </p:style>
+        <p:txBody>
+          <a:bodyPr rtlCol="0" anchor="ctr"/>
+          <a:lstStyle/>
+          <a:p>
+            <a:pPr algn="ctr"/>
+            <a:endParaRPr lang="en-US"/>
+          </a:p>
+        </p:txBody>
+      </p:sp>
+      <p:sp>
+        <p:nvSpPr>
+          <p:cNvPr id="46" name="Rectangle 45">
+            <a:extLst>
+              <a:ext uri="{FF2B5EF4-FFF2-40B4-BE49-F238E27FC236}">
+                <a16:creationId xmlns:a16="http://schemas.microsoft.com/office/drawing/2014/main" id="{4E8668F5-2350-4974-AA4D-876D0CD42EDD}"/>
+              </a:ext>
+            </a:extLst>
+          </p:cNvPr>
+          <p:cNvSpPr/>
+          <p:nvPr/>
+        </p:nvSpPr>
+        <p:spPr>
+          <a:xfrm>
+            <a:off x="-112743" y="528506"/>
+            <a:ext cx="470541" cy="813912"/>
+          </a:xfrm>
+          <a:prstGeom prst="rect">
+            <a:avLst/>
+          </a:prstGeom>
+          <a:solidFill>
+            <a:srgbClr val="D34817"/>
+          </a:solidFill>
+        </p:spPr>
+        <p:style>
+          <a:lnRef idx="2">
+            <a:schemeClr val="accent1">
+              <a:shade val="50000"/>
+            </a:schemeClr>
+          </a:lnRef>
+          <a:fillRef idx="1">
+            <a:schemeClr val="accent1"/>
+          </a:fillRef>
+          <a:effectRef idx="0">
+            <a:schemeClr val="accent1"/>
+          </a:effectRef>
+          <a:fontRef idx="minor">
+            <a:schemeClr val="lt1"/>
+          </a:fontRef>
+        </p:style>
+        <p:txBody>
+          <a:bodyPr rtlCol="0" anchor="ctr"/>
+          <a:lstStyle/>
+          <a:p>
+            <a:pPr algn="ctr"/>
+            <a:endParaRPr lang="en-US"/>
+          </a:p>
+        </p:txBody>
+      </p:sp>
+      <p:pic>
+        <p:nvPicPr>
+          <p:cNvPr id="47" name="Graphic 46" descr="Football">
+            <a:extLst>
+              <a:ext uri="{FF2B5EF4-FFF2-40B4-BE49-F238E27FC236}">
+                <a16:creationId xmlns:a16="http://schemas.microsoft.com/office/drawing/2014/main" id="{BBBD34EB-97F5-4783-BE1A-4ADD4D05EBF0}"/>
+              </a:ext>
+            </a:extLst>
+          </p:cNvPr>
+          <p:cNvPicPr>
+            <a:picLocks noChangeAspect="1"/>
+          </p:cNvPicPr>
+          <p:nvPr/>
+        </p:nvPicPr>
+        <p:blipFill>
+          <a:blip r:embed="rId5">
+            <a:extLst>
+              <a:ext uri="{28A0092B-C50C-407E-A947-70E740481C1C}">
+                <a14:useLocalDpi xmlns:a14="http://schemas.microsoft.com/office/drawing/2010/main" val="0"/>
+              </a:ext>
+              <a:ext uri="{96DAC541-7B7A-43D3-8B79-37D633B846F1}">
+                <asvg:svgBlip xmlns:asvg="http://schemas.microsoft.com/office/drawing/2016/SVG/main" r:embed="rId6"/>
+              </a:ext>
+            </a:extLst>
+          </a:blip>
+          <a:stretch>
+            <a:fillRect/>
+          </a:stretch>
+        </p:blipFill>
+        <p:spPr>
+          <a:xfrm>
+            <a:off x="426182" y="210495"/>
+            <a:ext cx="1406766" cy="1406766"/>
+          </a:xfrm>
+          <a:prstGeom prst="rect">
+            <a:avLst/>
+          </a:prstGeom>
+        </p:spPr>
+      </p:pic>
+      <p:sp>
+        <p:nvSpPr>
+          <p:cNvPr id="13" name="Rectangle 12">
+            <a:extLst>
+              <a:ext uri="{FF2B5EF4-FFF2-40B4-BE49-F238E27FC236}">
+                <a16:creationId xmlns:a16="http://schemas.microsoft.com/office/drawing/2014/main" id="{C5037E27-FDE1-4148-81CE-0ACCDE2E5417}"/>
+              </a:ext>
+            </a:extLst>
+          </p:cNvPr>
+          <p:cNvSpPr/>
+          <p:nvPr/>
+        </p:nvSpPr>
+        <p:spPr>
+          <a:xfrm>
+            <a:off x="10013005" y="1660887"/>
+            <a:ext cx="2178994" cy="1299712"/>
+          </a:xfrm>
+          <a:prstGeom prst="rect">
+            <a:avLst/>
+          </a:prstGeom>
+          <a:solidFill>
+            <a:srgbClr val="D34817"/>
+          </a:solidFill>
+        </p:spPr>
+        <p:style>
+          <a:lnRef idx="2">
+            <a:schemeClr val="accent1">
+              <a:shade val="50000"/>
+            </a:schemeClr>
+          </a:lnRef>
+          <a:fillRef idx="1">
+            <a:schemeClr val="accent1"/>
+          </a:fillRef>
+          <a:effectRef idx="0">
+            <a:schemeClr val="accent1"/>
+          </a:effectRef>
+          <a:fontRef idx="minor">
+            <a:schemeClr val="lt1"/>
+          </a:fontRef>
+        </p:style>
+        <p:txBody>
+          <a:bodyPr rtlCol="0" anchor="ctr"/>
+          <a:lstStyle/>
+          <a:p>
+            <a:pPr algn="ctr"/>
+            <a:endParaRPr lang="en-US"/>
+          </a:p>
+        </p:txBody>
+      </p:sp>
+      <p:sp>
+        <p:nvSpPr>
+          <p:cNvPr id="14" name="TextBox 13">
+            <a:extLst>
+              <a:ext uri="{FF2B5EF4-FFF2-40B4-BE49-F238E27FC236}">
+                <a16:creationId xmlns:a16="http://schemas.microsoft.com/office/drawing/2014/main" id="{648D25F1-F36E-4FA8-A3AD-4F39D8D78426}"/>
+              </a:ext>
+            </a:extLst>
+          </p:cNvPr>
+          <p:cNvSpPr txBox="1"/>
+          <p:nvPr/>
+        </p:nvSpPr>
+        <p:spPr>
+          <a:xfrm>
+            <a:off x="10013005" y="1760270"/>
+            <a:ext cx="2322658" cy="1200329"/>
+          </a:xfrm>
+          <a:prstGeom prst="rect">
+            <a:avLst/>
+          </a:prstGeom>
+          <a:noFill/>
+        </p:spPr>
+        <p:txBody>
+          <a:bodyPr wrap="square" rtlCol="0">
+            <a:spAutoFit/>
+          </a:bodyPr>
+          <a:lstStyle/>
+          <a:p>
+            <a:pPr marL="0" lvl="2">
+              <a:lnSpc>
+                <a:spcPct val="90000"/>
+              </a:lnSpc>
+              <a:spcBef>
+                <a:spcPts val="0"/>
+              </a:spcBef>
+              <a:spcAft>
+                <a:spcPts val="0"/>
+              </a:spcAft>
+              <a:buClr>
+                <a:srgbClr val="D34817"/>
+              </a:buClr>
+              <a:buSzPct val="100000"/>
+            </a:pPr>
+            <a:r>
+              <a:rPr lang="en-US" sz="2000" dirty="0">
+                <a:solidFill>
+                  <a:schemeClr val="bg2">
+                    <a:lumMod val="10000"/>
+                    <a:lumOff val="90000"/>
+                  </a:schemeClr>
+                </a:solidFill>
+                <a:latin typeface="Calibri" panose="020F0502020204030204" pitchFamily="34" charset="0"/>
+                <a:cs typeface="Calibri" panose="020F0502020204030204" pitchFamily="34" charset="0"/>
+              </a:rPr>
+              <a:t>PTS = Points</a:t>
+            </a:r>
+          </a:p>
+          <a:p>
+            <a:pPr marL="0" lvl="2">
+              <a:lnSpc>
+                <a:spcPct val="90000"/>
+              </a:lnSpc>
+              <a:spcBef>
+                <a:spcPts val="0"/>
+              </a:spcBef>
+              <a:spcAft>
+                <a:spcPts val="0"/>
+              </a:spcAft>
+              <a:buClr>
+                <a:srgbClr val="D34817"/>
+              </a:buClr>
+              <a:buSzPct val="100000"/>
+            </a:pPr>
+            <a:r>
+              <a:rPr lang="en-US" sz="2000" dirty="0">
+                <a:solidFill>
+                  <a:schemeClr val="bg2">
+                    <a:lumMod val="10000"/>
+                    <a:lumOff val="90000"/>
+                  </a:schemeClr>
+                </a:solidFill>
+                <a:latin typeface="Calibri" panose="020F0502020204030204" pitchFamily="34" charset="0"/>
+                <a:cs typeface="Calibri" panose="020F0502020204030204" pitchFamily="34" charset="0"/>
+              </a:rPr>
+              <a:t>YDS = Yards</a:t>
+            </a:r>
+          </a:p>
+          <a:p>
+            <a:pPr marL="0" lvl="2">
+              <a:lnSpc>
+                <a:spcPct val="90000"/>
+              </a:lnSpc>
+              <a:spcBef>
+                <a:spcPts val="0"/>
+              </a:spcBef>
+              <a:spcAft>
+                <a:spcPts val="0"/>
+              </a:spcAft>
+              <a:buClr>
+                <a:srgbClr val="D34817"/>
+              </a:buClr>
+              <a:buSzPct val="100000"/>
+            </a:pPr>
+            <a:r>
+              <a:rPr lang="en-US" sz="2000" dirty="0">
+                <a:solidFill>
+                  <a:schemeClr val="bg2">
+                    <a:lumMod val="10000"/>
+                    <a:lumOff val="90000"/>
+                  </a:schemeClr>
+                </a:solidFill>
+                <a:latin typeface="Calibri" panose="020F0502020204030204" pitchFamily="34" charset="0"/>
+                <a:cs typeface="Calibri" panose="020F0502020204030204" pitchFamily="34" charset="0"/>
+              </a:rPr>
+              <a:t>ATT = Attempts</a:t>
+            </a:r>
+          </a:p>
+          <a:p>
+            <a:pPr marL="0" lvl="2">
+              <a:lnSpc>
+                <a:spcPct val="90000"/>
+              </a:lnSpc>
+              <a:spcBef>
+                <a:spcPts val="0"/>
+              </a:spcBef>
+              <a:spcAft>
+                <a:spcPts val="0"/>
+              </a:spcAft>
+              <a:buClr>
+                <a:srgbClr val="D34817"/>
+              </a:buClr>
+              <a:buSzPct val="100000"/>
+            </a:pPr>
+            <a:r>
+              <a:rPr lang="en-US" sz="2000" dirty="0">
+                <a:solidFill>
+                  <a:schemeClr val="bg2">
+                    <a:lumMod val="10000"/>
+                    <a:lumOff val="90000"/>
+                  </a:schemeClr>
+                </a:solidFill>
+                <a:latin typeface="Calibri" panose="020F0502020204030204" pitchFamily="34" charset="0"/>
+                <a:cs typeface="Calibri" panose="020F0502020204030204" pitchFamily="34" charset="0"/>
+              </a:rPr>
+              <a:t>G = Games</a:t>
+            </a:r>
+          </a:p>
+        </p:txBody>
+      </p:sp>
+      <p:cxnSp>
+        <p:nvCxnSpPr>
+          <p:cNvPr id="5" name="Straight Arrow Connector 4">
+            <a:extLst>
+              <a:ext uri="{FF2B5EF4-FFF2-40B4-BE49-F238E27FC236}">
+                <a16:creationId xmlns:a16="http://schemas.microsoft.com/office/drawing/2014/main" id="{AD114774-60F8-4C47-B64E-B62ACE72A3C5}"/>
+              </a:ext>
+            </a:extLst>
+          </p:cNvPr>
+          <p:cNvCxnSpPr>
+            <a:cxnSpLocks/>
+          </p:cNvCxnSpPr>
+          <p:nvPr/>
+        </p:nvCxnSpPr>
+        <p:spPr>
+          <a:xfrm flipH="1">
+            <a:off x="9583839" y="5243332"/>
+            <a:ext cx="740199" cy="0"/>
+          </a:xfrm>
+          <a:prstGeom prst="straightConnector1">
+            <a:avLst/>
+          </a:prstGeom>
+          <a:ln w="38100">
+            <a:solidFill>
+              <a:srgbClr val="D34817"/>
+            </a:solidFill>
+            <a:tailEnd type="triangle"/>
+          </a:ln>
+        </p:spPr>
+        <p:style>
+          <a:lnRef idx="1">
+            <a:schemeClr val="accent1"/>
+          </a:lnRef>
+          <a:fillRef idx="0">
+            <a:schemeClr val="accent1"/>
+          </a:fillRef>
+          <a:effectRef idx="0">
+            <a:schemeClr val="accent1"/>
+          </a:effectRef>
+          <a:fontRef idx="minor">
+            <a:schemeClr val="tx1"/>
+          </a:fontRef>
+        </p:style>
+      </p:cxnSp>
+      <p:sp>
+        <p:nvSpPr>
+          <p:cNvPr id="18" name="TextBox 17">
+            <a:extLst>
+              <a:ext uri="{FF2B5EF4-FFF2-40B4-BE49-F238E27FC236}">
+                <a16:creationId xmlns:a16="http://schemas.microsoft.com/office/drawing/2014/main" id="{407762D8-85C8-4596-ABDD-7CEA4F1D87A5}"/>
+              </a:ext>
+            </a:extLst>
+          </p:cNvPr>
+          <p:cNvSpPr txBox="1"/>
+          <p:nvPr/>
+        </p:nvSpPr>
+        <p:spPr>
+          <a:xfrm>
+            <a:off x="9879813" y="4920166"/>
+            <a:ext cx="2445378" cy="646331"/>
+          </a:xfrm>
+          <a:prstGeom prst="rect">
+            <a:avLst/>
+          </a:prstGeom>
+          <a:noFill/>
+        </p:spPr>
+        <p:txBody>
+          <a:bodyPr wrap="square" rtlCol="0">
+            <a:spAutoFit/>
+          </a:bodyPr>
+          <a:lstStyle/>
+          <a:p>
+            <a:pPr marL="0" lvl="2" algn="ctr">
+              <a:lnSpc>
+                <a:spcPct val="90000"/>
+              </a:lnSpc>
+              <a:spcBef>
+                <a:spcPts val="0"/>
+              </a:spcBef>
+              <a:spcAft>
+                <a:spcPts val="0"/>
+              </a:spcAft>
+              <a:buClr>
+                <a:srgbClr val="D34817"/>
+              </a:buClr>
+              <a:buSzPct val="100000"/>
+            </a:pPr>
+            <a:r>
+              <a:rPr lang="en-US" sz="2000" dirty="0">
+                <a:solidFill>
+                  <a:schemeClr val="bg2">
+                    <a:lumMod val="10000"/>
+                    <a:lumOff val="90000"/>
+                  </a:schemeClr>
+                </a:solidFill>
+                <a:latin typeface="Calibri" panose="020F0502020204030204" pitchFamily="34" charset="0"/>
+                <a:cs typeface="Calibri" panose="020F0502020204030204" pitchFamily="34" charset="0"/>
+              </a:rPr>
+              <a:t>Based on 16 </a:t>
+            </a:r>
+          </a:p>
+          <a:p>
+            <a:pPr marL="0" lvl="2" algn="ctr">
+              <a:lnSpc>
+                <a:spcPct val="90000"/>
+              </a:lnSpc>
+              <a:spcBef>
+                <a:spcPts val="0"/>
+              </a:spcBef>
+              <a:spcAft>
+                <a:spcPts val="0"/>
+              </a:spcAft>
+              <a:buClr>
+                <a:srgbClr val="D34817"/>
+              </a:buClr>
+              <a:buSzPct val="100000"/>
+            </a:pPr>
+            <a:r>
+              <a:rPr lang="en-US" sz="2000" dirty="0">
+                <a:solidFill>
+                  <a:schemeClr val="bg2">
+                    <a:lumMod val="10000"/>
+                    <a:lumOff val="90000"/>
+                  </a:schemeClr>
+                </a:solidFill>
+                <a:latin typeface="Calibri" panose="020F0502020204030204" pitchFamily="34" charset="0"/>
+                <a:cs typeface="Calibri" panose="020F0502020204030204" pitchFamily="34" charset="0"/>
+              </a:rPr>
+              <a:t>Game Season</a:t>
+            </a:r>
+          </a:p>
+        </p:txBody>
+      </p:sp>
+    </p:spTree>
+    <p:extLst>
+      <p:ext uri="{BB962C8B-B14F-4D97-AF65-F5344CB8AC3E}">
+        <p14:creationId xmlns:p14="http://schemas.microsoft.com/office/powerpoint/2010/main" val="1992004144"/>
+      </p:ext>
+    </p:extLst>
+  </p:cSld>
+  <p:clrMapOvr>
+    <a:masterClrMapping/>
+  </p:clrMapOvr>
+</p:sld>
+</file>
+
+<file path=ppt/slides/slide7.xml><?xml version="1.0" encoding="utf-8"?>
+<p:sld xmlns:a="http://schemas.openxmlformats.org/drawingml/2006/main" xmlns:r="http://schemas.openxmlformats.org/officeDocument/2006/relationships" xmlns:p="http://schemas.openxmlformats.org/presentationml/2006/main">
+  <p:cSld>
+    <p:bg>
+      <p:bgPr>
+        <a:blipFill rotWithShape="1">
+          <a:blip r:embed="rId2">
+            <a:duotone>
+              <a:schemeClr val="bg2">
+                <a:shade val="80000"/>
+                <a:lumMod val="80000"/>
+              </a:schemeClr>
+              <a:schemeClr val="bg2">
+                <a:tint val="98000"/>
+              </a:schemeClr>
+            </a:duotone>
+          </a:blip>
+          <a:stretch/>
+        </a:blipFill>
+        <a:effectLst/>
+      </p:bgPr>
+    </p:bg>
+    <p:spTree>
+      <p:nvGrpSpPr>
+        <p:cNvPr id="1" name=""/>
+        <p:cNvGrpSpPr/>
+        <p:nvPr/>
+      </p:nvGrpSpPr>
+      <p:grpSpPr>
+        <a:xfrm>
+          <a:off x="0" y="0"/>
+          <a:ext cx="0" cy="0"/>
+          <a:chOff x="0" y="0"/>
+          <a:chExt cx="0" cy="0"/>
+        </a:xfrm>
+      </p:grpSpPr>
+      <p:pic>
+        <p:nvPicPr>
+          <p:cNvPr id="21" name="Picture 20" descr="A picture containing clothing, person, headdress, baseball&#10;&#10;Description automatically generated">
+            <a:extLst>
+              <a:ext uri="{FF2B5EF4-FFF2-40B4-BE49-F238E27FC236}">
+                <a16:creationId xmlns:a16="http://schemas.microsoft.com/office/drawing/2014/main" id="{68BA132B-EA3B-4DFB-BEF2-04F4ACB3B027}"/>
+              </a:ext>
+            </a:extLst>
+          </p:cNvPr>
+          <p:cNvPicPr>
+            <a:picLocks noChangeAspect="1"/>
+          </p:cNvPicPr>
+          <p:nvPr/>
+        </p:nvPicPr>
+        <p:blipFill rotWithShape="1">
+          <a:blip r:embed="rId3">
+            <a:extLst>
+              <a:ext uri="{BEBA8EAE-BF5A-486C-A8C5-ECC9F3942E4B}">
+                <a14:imgProps xmlns:a14="http://schemas.microsoft.com/office/drawing/2010/main">
+                  <a14:imgLayer r:embed="rId4">
+                    <a14:imgEffect>
+                      <a14:colorTemperature colorTemp="11151"/>
+                    </a14:imgEffect>
+                    <a14:imgEffect>
+                      <a14:saturation sat="0"/>
+                    </a14:imgEffect>
+                  </a14:imgLayer>
+                </a14:imgProps>
+              </a:ext>
+              <a:ext uri="{28A0092B-C50C-407E-A947-70E740481C1C}">
+                <a14:useLocalDpi xmlns:a14="http://schemas.microsoft.com/office/drawing/2010/main" val="0"/>
+              </a:ext>
+            </a:extLst>
+          </a:blip>
+          <a:srcRect r="3" b="7624"/>
+          <a:stretch/>
+        </p:blipFill>
+        <p:spPr>
+          <a:xfrm>
+            <a:off x="-1051136" y="3119615"/>
+            <a:ext cx="4065464" cy="3258005"/>
+          </a:xfrm>
+          <a:prstGeom prst="rect">
+            <a:avLst/>
+          </a:prstGeom>
+        </p:spPr>
+      </p:pic>
+      <p:sp>
+        <p:nvSpPr>
+          <p:cNvPr id="41" name="Rectangle 40">
+            <a:extLst>
+              <a:ext uri="{FF2B5EF4-FFF2-40B4-BE49-F238E27FC236}">
+                <a16:creationId xmlns:a16="http://schemas.microsoft.com/office/drawing/2014/main" id="{7BDB8227-827C-484D-95AA-05C24716BEB4}"/>
+              </a:ext>
+            </a:extLst>
+          </p:cNvPr>
+          <p:cNvSpPr/>
+          <p:nvPr/>
+        </p:nvSpPr>
+        <p:spPr>
+          <a:xfrm>
+            <a:off x="1911020" y="528506"/>
+            <a:ext cx="6928179" cy="813912"/>
+          </a:xfrm>
+          <a:prstGeom prst="rect">
+            <a:avLst/>
+          </a:prstGeom>
+          <a:solidFill>
+            <a:srgbClr val="D34817"/>
+          </a:solidFill>
+        </p:spPr>
+        <p:style>
+          <a:lnRef idx="2">
+            <a:schemeClr val="accent1">
+              <a:shade val="50000"/>
+            </a:schemeClr>
+          </a:lnRef>
+          <a:fillRef idx="1">
+            <a:schemeClr val="accent1"/>
+          </a:fillRef>
+          <a:effectRef idx="0">
+            <a:schemeClr val="accent1"/>
+          </a:effectRef>
+          <a:fontRef idx="minor">
+            <a:schemeClr val="lt1"/>
+          </a:fontRef>
+        </p:style>
+        <p:txBody>
+          <a:bodyPr rtlCol="0" anchor="ctr"/>
+          <a:lstStyle/>
+          <a:p>
+            <a:pPr algn="ctr"/>
+            <a:endParaRPr lang="en-US">
+              <a:solidFill>
+                <a:srgbClr val="A6A1A1"/>
+              </a:solidFill>
+            </a:endParaRPr>
+          </a:p>
+        </p:txBody>
+      </p:sp>
+      <p:sp>
+        <p:nvSpPr>
+          <p:cNvPr id="4" name="Title 3">
+            <a:extLst>
+              <a:ext uri="{FF2B5EF4-FFF2-40B4-BE49-F238E27FC236}">
+                <a16:creationId xmlns:a16="http://schemas.microsoft.com/office/drawing/2014/main" id="{4A6C2FBC-B0EB-45C1-9469-C4F6741ECB31}"/>
+              </a:ext>
+            </a:extLst>
+          </p:cNvPr>
+          <p:cNvSpPr>
+            <a:spLocks noGrp="1"/>
+          </p:cNvSpPr>
+          <p:nvPr>
+            <p:ph type="title"/>
+          </p:nvPr>
+        </p:nvSpPr>
+        <p:spPr>
+          <a:xfrm>
+            <a:off x="1911020" y="428653"/>
+            <a:ext cx="6928179" cy="970450"/>
+          </a:xfrm>
+          <a:effectLst>
+            <a:outerShdw blurRad="25400" dir="17880000">
+              <a:srgbClr val="000000">
+                <a:alpha val="70000"/>
+              </a:srgbClr>
+            </a:outerShdw>
+          </a:effectLst>
+        </p:spPr>
+        <p:txBody>
+          <a:bodyPr>
+            <a:normAutofit/>
+          </a:bodyPr>
+          <a:lstStyle/>
+          <a:p>
+            <a:pPr algn="l"/>
+            <a:r>
+              <a:rPr lang="en-US" sz="3600" dirty="0">
+                <a:ln>
+                  <a:noFill/>
+                </a:ln>
+                <a:solidFill>
+                  <a:schemeClr val="bg2">
+                    <a:lumMod val="10000"/>
+                    <a:lumOff val="90000"/>
+                  </a:schemeClr>
+                </a:solidFill>
+                <a:effectLst/>
+                <a:latin typeface="Selawik Semibold" panose="020B0702040204020203" pitchFamily="34" charset="0"/>
+              </a:rPr>
+              <a:t>What Makes Teams Win</a:t>
+            </a:r>
+          </a:p>
+        </p:txBody>
+      </p:sp>
+      <p:sp>
+        <p:nvSpPr>
+          <p:cNvPr id="24" name="Content Placeholder 2">
+            <a:extLst>
+              <a:ext uri="{FF2B5EF4-FFF2-40B4-BE49-F238E27FC236}">
+                <a16:creationId xmlns:a16="http://schemas.microsoft.com/office/drawing/2014/main" id="{52313B83-B214-43D7-AC39-182CE4FA3E53}"/>
+              </a:ext>
+            </a:extLst>
+          </p:cNvPr>
+          <p:cNvSpPr>
+            <a:spLocks noGrp="1"/>
+          </p:cNvSpPr>
+          <p:nvPr>
+            <p:ph idx="1"/>
+          </p:nvPr>
+        </p:nvSpPr>
+        <p:spPr>
+          <a:xfrm>
+            <a:off x="2283155" y="1490925"/>
+            <a:ext cx="7729850" cy="4838569"/>
+          </a:xfrm>
+        </p:spPr>
+        <p:txBody>
+          <a:bodyPr numCol="1" anchor="t">
+            <a:noAutofit/>
+          </a:bodyPr>
+          <a:lstStyle/>
+          <a:p>
+            <a:pPr marL="0" indent="0">
+              <a:spcBef>
+                <a:spcPts val="0"/>
+              </a:spcBef>
+              <a:spcAft>
+                <a:spcPts val="0"/>
+              </a:spcAft>
+              <a:buClr>
+                <a:srgbClr val="D34817"/>
+              </a:buClr>
+              <a:buSzPct val="100000"/>
+              <a:buFont typeface="Wingdings" panose="05000000000000000000" pitchFamily="2" charset="2"/>
+              <a:buChar char="v"/>
+            </a:pPr>
+            <a:r>
+              <a:rPr lang="en-US" sz="2400" dirty="0">
+                <a:solidFill>
+                  <a:schemeClr val="bg2">
+                    <a:lumMod val="10000"/>
+                    <a:lumOff val="90000"/>
+                  </a:schemeClr>
+                </a:solidFill>
+                <a:effectLst/>
+                <a:latin typeface="Selawik Semibold" panose="020B0702040204020203" pitchFamily="34" charset="0"/>
+              </a:rPr>
+              <a:t>Modified Regressions for Spread</a:t>
+            </a:r>
+          </a:p>
+          <a:p>
+            <a:pPr marL="377100" lvl="1" indent="0">
+              <a:spcBef>
+                <a:spcPts val="0"/>
+              </a:spcBef>
+              <a:spcAft>
+                <a:spcPts val="0"/>
+              </a:spcAft>
+              <a:buClr>
+                <a:srgbClr val="D34817"/>
+              </a:buClr>
+              <a:buSzPct val="100000"/>
+              <a:buFont typeface="Wingdings" panose="05000000000000000000" pitchFamily="2" charset="2"/>
+              <a:buChar char="v"/>
+            </a:pPr>
+            <a:r>
+              <a:rPr lang="en-US" sz="2000" dirty="0">
+                <a:solidFill>
+                  <a:schemeClr val="bg2">
+                    <a:lumMod val="10000"/>
+                    <a:lumOff val="90000"/>
+                  </a:schemeClr>
+                </a:solidFill>
+                <a:effectLst/>
+                <a:latin typeface="Selawik Semibold" panose="020B0702040204020203" pitchFamily="34" charset="0"/>
+              </a:rPr>
+              <a:t>Regression Based ONLY on Passing Info (RSQ = 0.7)</a:t>
+            </a:r>
+          </a:p>
+          <a:p>
+            <a:pPr marL="377100" lvl="1" indent="0">
+              <a:spcBef>
+                <a:spcPts val="0"/>
+              </a:spcBef>
+              <a:spcAft>
+                <a:spcPts val="0"/>
+              </a:spcAft>
+              <a:buClr>
+                <a:srgbClr val="D34817"/>
+              </a:buClr>
+              <a:buSzPct val="100000"/>
+              <a:buFont typeface="Wingdings" panose="05000000000000000000" pitchFamily="2" charset="2"/>
+              <a:buChar char="v"/>
+            </a:pPr>
+            <a:r>
+              <a:rPr lang="en-US" sz="2000" dirty="0">
+                <a:solidFill>
+                  <a:schemeClr val="bg2">
+                    <a:lumMod val="10000"/>
+                    <a:lumOff val="90000"/>
+                  </a:schemeClr>
+                </a:solidFill>
+                <a:effectLst/>
+                <a:latin typeface="Selawik Semibold" panose="020B0702040204020203" pitchFamily="34" charset="0"/>
+              </a:rPr>
+              <a:t>Regression Based ONLY on Defensive Info (RSQ = 0.06)</a:t>
+            </a:r>
+          </a:p>
+          <a:p>
+            <a:pPr marL="0" indent="0">
+              <a:spcBef>
+                <a:spcPts val="0"/>
+              </a:spcBef>
+              <a:spcAft>
+                <a:spcPts val="0"/>
+              </a:spcAft>
+              <a:buClr>
+                <a:srgbClr val="D34817"/>
+              </a:buClr>
+              <a:buSzPct val="100000"/>
+              <a:buFont typeface="Wingdings" panose="05000000000000000000" pitchFamily="2" charset="2"/>
+              <a:buChar char="v"/>
+            </a:pPr>
+            <a:endParaRPr lang="en-US" sz="2200" dirty="0">
+              <a:solidFill>
+                <a:schemeClr val="bg2">
+                  <a:lumMod val="10000"/>
+                  <a:lumOff val="90000"/>
+                </a:schemeClr>
+              </a:solidFill>
+              <a:effectLst/>
+              <a:latin typeface="Selawik Semibold" panose="020B0702040204020203" pitchFamily="34" charset="0"/>
+            </a:endParaRPr>
+          </a:p>
+          <a:p>
+            <a:pPr marL="0" indent="0">
+              <a:spcBef>
+                <a:spcPts val="0"/>
+              </a:spcBef>
+              <a:spcAft>
+                <a:spcPts val="0"/>
+              </a:spcAft>
+              <a:buClr>
+                <a:srgbClr val="D34817"/>
+              </a:buClr>
+              <a:buSzPct val="100000"/>
+              <a:buFont typeface="Wingdings" panose="05000000000000000000" pitchFamily="2" charset="2"/>
+              <a:buChar char="v"/>
+            </a:pPr>
+            <a:r>
+              <a:rPr lang="en-US" sz="2400" dirty="0">
+                <a:solidFill>
+                  <a:schemeClr val="bg2">
+                    <a:lumMod val="10000"/>
+                    <a:lumOff val="90000"/>
+                  </a:schemeClr>
+                </a:solidFill>
+                <a:effectLst/>
+                <a:latin typeface="Selawik Semibold" panose="020B0702040204020203" pitchFamily="34" charset="0"/>
+              </a:rPr>
+              <a:t>Impact of Turnovers</a:t>
+            </a:r>
+          </a:p>
+          <a:p>
+            <a:pPr marL="377100" lvl="1" indent="0">
+              <a:spcBef>
+                <a:spcPts val="0"/>
+              </a:spcBef>
+              <a:spcAft>
+                <a:spcPts val="0"/>
+              </a:spcAft>
+              <a:buClr>
+                <a:srgbClr val="D34817"/>
+              </a:buClr>
+              <a:buSzPct val="100000"/>
+              <a:buFont typeface="Wingdings" panose="05000000000000000000" pitchFamily="2" charset="2"/>
+              <a:buChar char="v"/>
+            </a:pPr>
+            <a:r>
+              <a:rPr lang="en-US" sz="2000" dirty="0">
+                <a:solidFill>
+                  <a:schemeClr val="bg2">
+                    <a:lumMod val="10000"/>
+                    <a:lumOff val="90000"/>
+                  </a:schemeClr>
+                </a:solidFill>
+                <a:effectLst/>
+                <a:latin typeface="Selawik Semibold" panose="020B0702040204020203" pitchFamily="34" charset="0"/>
+              </a:rPr>
+              <a:t>Offensive TOs Worth 3.7 Points</a:t>
+            </a:r>
+          </a:p>
+          <a:p>
+            <a:pPr marL="377100" lvl="1" indent="0">
+              <a:spcBef>
+                <a:spcPts val="0"/>
+              </a:spcBef>
+              <a:spcAft>
+                <a:spcPts val="0"/>
+              </a:spcAft>
+              <a:buClr>
+                <a:srgbClr val="D34817"/>
+              </a:buClr>
+              <a:buSzPct val="100000"/>
+              <a:buFont typeface="Wingdings" panose="05000000000000000000" pitchFamily="2" charset="2"/>
+              <a:buChar char="v"/>
+            </a:pPr>
+            <a:r>
+              <a:rPr lang="en-US" sz="2000" dirty="0">
+                <a:solidFill>
+                  <a:schemeClr val="bg2">
+                    <a:lumMod val="10000"/>
+                    <a:lumOff val="90000"/>
+                  </a:schemeClr>
+                </a:solidFill>
+                <a:effectLst/>
+                <a:latin typeface="Selawik Semibold" panose="020B0702040204020203" pitchFamily="34" charset="0"/>
+              </a:rPr>
+              <a:t>Defensive TOs Worth 3.4 Points</a:t>
+            </a:r>
+          </a:p>
+          <a:p>
+            <a:pPr marL="377100" lvl="1" indent="0">
+              <a:spcBef>
+                <a:spcPts val="0"/>
+              </a:spcBef>
+              <a:spcAft>
+                <a:spcPts val="0"/>
+              </a:spcAft>
+              <a:buClr>
+                <a:srgbClr val="D34817"/>
+              </a:buClr>
+              <a:buSzPct val="100000"/>
+              <a:buFont typeface="Wingdings" panose="05000000000000000000" pitchFamily="2" charset="2"/>
+              <a:buChar char="v"/>
+            </a:pPr>
+            <a:r>
+              <a:rPr lang="en-US" sz="2000" dirty="0">
+                <a:solidFill>
+                  <a:schemeClr val="bg2">
+                    <a:lumMod val="10000"/>
+                    <a:lumOff val="90000"/>
+                  </a:schemeClr>
+                </a:solidFill>
+                <a:effectLst/>
+                <a:latin typeface="Selawik Semibold" panose="020B0702040204020203" pitchFamily="34" charset="0"/>
+              </a:rPr>
+              <a:t>Overall, TO Worth Approximately 3.55 Points</a:t>
+            </a:r>
+          </a:p>
+          <a:p>
+            <a:pPr marL="377100" lvl="1" indent="0">
+              <a:spcBef>
+                <a:spcPts val="0"/>
+              </a:spcBef>
+              <a:spcAft>
+                <a:spcPts val="0"/>
+              </a:spcAft>
+              <a:buClr>
+                <a:srgbClr val="D34817"/>
+              </a:buClr>
+              <a:buSzPct val="100000"/>
+              <a:buNone/>
+            </a:pPr>
+            <a:endParaRPr lang="en-US" sz="2200" dirty="0">
+              <a:solidFill>
+                <a:schemeClr val="bg2">
+                  <a:lumMod val="10000"/>
+                  <a:lumOff val="90000"/>
+                </a:schemeClr>
+              </a:solidFill>
+              <a:effectLst/>
+              <a:latin typeface="Selawik Semibold" panose="020B0702040204020203" pitchFamily="34" charset="0"/>
+            </a:endParaRPr>
+          </a:p>
+          <a:p>
+            <a:pPr marL="377100" lvl="1" indent="0">
+              <a:spcBef>
+                <a:spcPts val="0"/>
+              </a:spcBef>
+              <a:spcAft>
+                <a:spcPts val="0"/>
+              </a:spcAft>
+              <a:buClr>
+                <a:srgbClr val="D34817"/>
+              </a:buClr>
+              <a:buSzPct val="100000"/>
+              <a:buFont typeface="Wingdings" panose="05000000000000000000" pitchFamily="2" charset="2"/>
+              <a:buChar char="v"/>
+            </a:pPr>
+            <a:endParaRPr lang="en-US" sz="2200" dirty="0">
+              <a:solidFill>
+                <a:schemeClr val="bg2">
+                  <a:lumMod val="10000"/>
+                  <a:lumOff val="90000"/>
+                </a:schemeClr>
+              </a:solidFill>
+              <a:effectLst/>
+              <a:latin typeface="Selawik Semibold" panose="020B0702040204020203" pitchFamily="34" charset="0"/>
+            </a:endParaRPr>
+          </a:p>
+          <a:p>
+            <a:pPr marL="377100" lvl="1" indent="0">
+              <a:spcBef>
+                <a:spcPts val="0"/>
+              </a:spcBef>
+              <a:spcAft>
+                <a:spcPts val="0"/>
+              </a:spcAft>
+              <a:buClr>
+                <a:srgbClr val="D34817"/>
+              </a:buClr>
+              <a:buSzPct val="100000"/>
+              <a:buFont typeface="Wingdings" panose="05000000000000000000" pitchFamily="2" charset="2"/>
+              <a:buChar char="v"/>
+            </a:pPr>
+            <a:endParaRPr lang="en-US" sz="2000" dirty="0">
+              <a:effectLst/>
+              <a:latin typeface="Selawik Semibold" panose="020B0702040204020203" pitchFamily="34" charset="0"/>
+            </a:endParaRPr>
+          </a:p>
+        </p:txBody>
+      </p:sp>
+      <p:pic>
+        <p:nvPicPr>
+          <p:cNvPr id="40" name="Graphic 39" descr="Football">
+            <a:extLst>
+              <a:ext uri="{FF2B5EF4-FFF2-40B4-BE49-F238E27FC236}">
+                <a16:creationId xmlns:a16="http://schemas.microsoft.com/office/drawing/2014/main" id="{43103FBA-298C-4A8C-8E68-C9DFEB1CFAF5}"/>
+              </a:ext>
+            </a:extLst>
+          </p:cNvPr>
+          <p:cNvPicPr>
+            <a:picLocks noChangeAspect="1"/>
+          </p:cNvPicPr>
+          <p:nvPr/>
+        </p:nvPicPr>
+        <p:blipFill>
+          <a:blip r:embed="rId5">
+            <a:extLst>
+              <a:ext uri="{28A0092B-C50C-407E-A947-70E740481C1C}">
+                <a14:useLocalDpi xmlns:a14="http://schemas.microsoft.com/office/drawing/2010/main" val="0"/>
+              </a:ext>
+              <a:ext uri="{96DAC541-7B7A-43D3-8B79-37D633B846F1}">
+                <asvg:svgBlip xmlns:asvg="http://schemas.microsoft.com/office/drawing/2016/SVG/main" r:embed="rId6"/>
+              </a:ext>
+            </a:extLst>
+          </a:blip>
+          <a:stretch>
+            <a:fillRect/>
+          </a:stretch>
+        </p:blipFill>
+        <p:spPr>
+          <a:xfrm>
+            <a:off x="8917272" y="232079"/>
+            <a:ext cx="1406766" cy="1406766"/>
+          </a:xfrm>
+          <a:prstGeom prst="rect">
+            <a:avLst/>
+          </a:prstGeom>
+        </p:spPr>
+      </p:pic>
+      <p:sp>
+        <p:nvSpPr>
+          <p:cNvPr id="17" name="Rectangle 16">
+            <a:extLst>
+              <a:ext uri="{FF2B5EF4-FFF2-40B4-BE49-F238E27FC236}">
+                <a16:creationId xmlns:a16="http://schemas.microsoft.com/office/drawing/2014/main" id="{5020441A-C920-4B5D-B423-02BDA4A265D5}"/>
+              </a:ext>
+            </a:extLst>
+          </p:cNvPr>
+          <p:cNvSpPr/>
+          <p:nvPr/>
+        </p:nvSpPr>
+        <p:spPr>
+          <a:xfrm>
+            <a:off x="0" y="6363870"/>
+            <a:ext cx="12192000" cy="280807"/>
+          </a:xfrm>
+          <a:prstGeom prst="rect">
+            <a:avLst/>
+          </a:prstGeom>
+          <a:solidFill>
+            <a:srgbClr val="D34817"/>
+          </a:solidFill>
+          <a:ln>
+            <a:noFill/>
+          </a:ln>
+        </p:spPr>
+        <p:style>
+          <a:lnRef idx="2">
+            <a:schemeClr val="accent1">
+              <a:shade val="50000"/>
+            </a:schemeClr>
+          </a:lnRef>
+          <a:fillRef idx="1">
+            <a:schemeClr val="accent1"/>
+          </a:fillRef>
+          <a:effectRef idx="0">
+            <a:schemeClr val="accent1"/>
+          </a:effectRef>
+          <a:fontRef idx="minor">
+            <a:schemeClr val="lt1"/>
+          </a:fontRef>
+        </p:style>
+        <p:txBody>
+          <a:bodyPr rtlCol="0" anchor="ctr"/>
+          <a:lstStyle/>
+          <a:p>
+            <a:pPr algn="ctr"/>
+            <a:endParaRPr lang="en-US"/>
+          </a:p>
+        </p:txBody>
+      </p:sp>
+      <p:sp>
+        <p:nvSpPr>
+          <p:cNvPr id="43" name="Rectangle 42">
+            <a:extLst>
+              <a:ext uri="{FF2B5EF4-FFF2-40B4-BE49-F238E27FC236}">
+                <a16:creationId xmlns:a16="http://schemas.microsoft.com/office/drawing/2014/main" id="{50A0A4F6-DDDF-466F-B88A-4EAD2319B32D}"/>
+              </a:ext>
+            </a:extLst>
+          </p:cNvPr>
+          <p:cNvSpPr/>
+          <p:nvPr/>
+        </p:nvSpPr>
+        <p:spPr>
+          <a:xfrm>
+            <a:off x="10402110" y="528506"/>
+            <a:ext cx="1789889" cy="813912"/>
+          </a:xfrm>
+          <a:prstGeom prst="rect">
+            <a:avLst/>
+          </a:prstGeom>
+          <a:solidFill>
+            <a:srgbClr val="D34817"/>
+          </a:solidFill>
+        </p:spPr>
+        <p:style>
+          <a:lnRef idx="2">
+            <a:schemeClr val="accent1">
+              <a:shade val="50000"/>
+            </a:schemeClr>
+          </a:lnRef>
+          <a:fillRef idx="1">
+            <a:schemeClr val="accent1"/>
+          </a:fillRef>
+          <a:effectRef idx="0">
+            <a:schemeClr val="accent1"/>
+          </a:effectRef>
+          <a:fontRef idx="minor">
+            <a:schemeClr val="lt1"/>
+          </a:fontRef>
+        </p:style>
+        <p:txBody>
+          <a:bodyPr rtlCol="0" anchor="ctr"/>
+          <a:lstStyle/>
+          <a:p>
+            <a:pPr algn="ctr"/>
+            <a:endParaRPr lang="en-US"/>
+          </a:p>
+        </p:txBody>
+      </p:sp>
+      <p:sp>
+        <p:nvSpPr>
+          <p:cNvPr id="46" name="Rectangle 45">
+            <a:extLst>
+              <a:ext uri="{FF2B5EF4-FFF2-40B4-BE49-F238E27FC236}">
+                <a16:creationId xmlns:a16="http://schemas.microsoft.com/office/drawing/2014/main" id="{4E8668F5-2350-4974-AA4D-876D0CD42EDD}"/>
+              </a:ext>
+            </a:extLst>
+          </p:cNvPr>
+          <p:cNvSpPr/>
+          <p:nvPr/>
+        </p:nvSpPr>
+        <p:spPr>
+          <a:xfrm>
+            <a:off x="-112743" y="528506"/>
+            <a:ext cx="470541" cy="813912"/>
+          </a:xfrm>
+          <a:prstGeom prst="rect">
+            <a:avLst/>
+          </a:prstGeom>
+          <a:solidFill>
+            <a:srgbClr val="D34817"/>
+          </a:solidFill>
+        </p:spPr>
+        <p:style>
+          <a:lnRef idx="2">
+            <a:schemeClr val="accent1">
+              <a:shade val="50000"/>
+            </a:schemeClr>
+          </a:lnRef>
+          <a:fillRef idx="1">
+            <a:schemeClr val="accent1"/>
+          </a:fillRef>
+          <a:effectRef idx="0">
+            <a:schemeClr val="accent1"/>
+          </a:effectRef>
+          <a:fontRef idx="minor">
+            <a:schemeClr val="lt1"/>
+          </a:fontRef>
+        </p:style>
+        <p:txBody>
+          <a:bodyPr rtlCol="0" anchor="ctr"/>
+          <a:lstStyle/>
+          <a:p>
+            <a:pPr algn="ctr"/>
+            <a:endParaRPr lang="en-US"/>
+          </a:p>
+        </p:txBody>
+      </p:sp>
+      <p:pic>
+        <p:nvPicPr>
+          <p:cNvPr id="47" name="Graphic 46" descr="Football">
+            <a:extLst>
+              <a:ext uri="{FF2B5EF4-FFF2-40B4-BE49-F238E27FC236}">
+                <a16:creationId xmlns:a16="http://schemas.microsoft.com/office/drawing/2014/main" id="{BBBD34EB-97F5-4783-BE1A-4ADD4D05EBF0}"/>
+              </a:ext>
+            </a:extLst>
+          </p:cNvPr>
+          <p:cNvPicPr>
+            <a:picLocks noChangeAspect="1"/>
+          </p:cNvPicPr>
+          <p:nvPr/>
+        </p:nvPicPr>
+        <p:blipFill>
+          <a:blip r:embed="rId5">
+            <a:extLst>
+              <a:ext uri="{28A0092B-C50C-407E-A947-70E740481C1C}">
+                <a14:useLocalDpi xmlns:a14="http://schemas.microsoft.com/office/drawing/2010/main" val="0"/>
+              </a:ext>
+              <a:ext uri="{96DAC541-7B7A-43D3-8B79-37D633B846F1}">
+                <asvg:svgBlip xmlns:asvg="http://schemas.microsoft.com/office/drawing/2016/SVG/main" r:embed="rId6"/>
+              </a:ext>
+            </a:extLst>
+          </a:blip>
+          <a:stretch>
+            <a:fillRect/>
+          </a:stretch>
+        </p:blipFill>
+        <p:spPr>
+          <a:xfrm>
+            <a:off x="426182" y="210495"/>
+            <a:ext cx="1406766" cy="1406766"/>
+          </a:xfrm>
+          <a:prstGeom prst="rect">
+            <a:avLst/>
+          </a:prstGeom>
+        </p:spPr>
+      </p:pic>
+      <p:sp>
+        <p:nvSpPr>
+          <p:cNvPr id="13" name="Rectangle 12">
+            <a:extLst>
+              <a:ext uri="{FF2B5EF4-FFF2-40B4-BE49-F238E27FC236}">
+                <a16:creationId xmlns:a16="http://schemas.microsoft.com/office/drawing/2014/main" id="{C5037E27-FDE1-4148-81CE-0ACCDE2E5417}"/>
+              </a:ext>
+            </a:extLst>
+          </p:cNvPr>
+          <p:cNvSpPr/>
+          <p:nvPr/>
+        </p:nvSpPr>
+        <p:spPr>
+          <a:xfrm>
+            <a:off x="10013005" y="1660887"/>
+            <a:ext cx="2178994" cy="468715"/>
+          </a:xfrm>
+          <a:prstGeom prst="rect">
+            <a:avLst/>
+          </a:prstGeom>
+          <a:solidFill>
+            <a:srgbClr val="D34817"/>
+          </a:solidFill>
+        </p:spPr>
+        <p:style>
+          <a:lnRef idx="2">
+            <a:schemeClr val="accent1">
+              <a:shade val="50000"/>
+            </a:schemeClr>
+          </a:lnRef>
+          <a:fillRef idx="1">
+            <a:schemeClr val="accent1"/>
+          </a:fillRef>
+          <a:effectRef idx="0">
+            <a:schemeClr val="accent1"/>
+          </a:effectRef>
+          <a:fontRef idx="minor">
+            <a:schemeClr val="lt1"/>
+          </a:fontRef>
+        </p:style>
+        <p:txBody>
+          <a:bodyPr rtlCol="0" anchor="ctr"/>
+          <a:lstStyle/>
+          <a:p>
+            <a:pPr algn="ctr"/>
+            <a:endParaRPr lang="en-US"/>
+          </a:p>
+        </p:txBody>
+      </p:sp>
+      <p:sp>
+        <p:nvSpPr>
+          <p:cNvPr id="14" name="TextBox 13">
+            <a:extLst>
+              <a:ext uri="{FF2B5EF4-FFF2-40B4-BE49-F238E27FC236}">
+                <a16:creationId xmlns:a16="http://schemas.microsoft.com/office/drawing/2014/main" id="{648D25F1-F36E-4FA8-A3AD-4F39D8D78426}"/>
+              </a:ext>
+            </a:extLst>
+          </p:cNvPr>
+          <p:cNvSpPr txBox="1"/>
+          <p:nvPr/>
+        </p:nvSpPr>
+        <p:spPr>
+          <a:xfrm>
+            <a:off x="10013005" y="1760270"/>
+            <a:ext cx="2322658" cy="369332"/>
+          </a:xfrm>
+          <a:prstGeom prst="rect">
+            <a:avLst/>
+          </a:prstGeom>
+          <a:noFill/>
+        </p:spPr>
+        <p:txBody>
+          <a:bodyPr wrap="square" rtlCol="0">
+            <a:spAutoFit/>
+          </a:bodyPr>
+          <a:lstStyle/>
+          <a:p>
+            <a:pPr marL="0" lvl="2">
+              <a:lnSpc>
+                <a:spcPct val="90000"/>
+              </a:lnSpc>
+              <a:spcBef>
+                <a:spcPts val="0"/>
+              </a:spcBef>
+              <a:spcAft>
+                <a:spcPts val="0"/>
+              </a:spcAft>
+              <a:buClr>
+                <a:srgbClr val="D34817"/>
+              </a:buClr>
+              <a:buSzPct val="100000"/>
+            </a:pPr>
+            <a:r>
+              <a:rPr lang="en-US" sz="2000" dirty="0">
+                <a:solidFill>
+                  <a:schemeClr val="bg2">
+                    <a:lumMod val="10000"/>
+                    <a:lumOff val="90000"/>
+                  </a:schemeClr>
+                </a:solidFill>
+                <a:latin typeface="Calibri" panose="020F0502020204030204" pitchFamily="34" charset="0"/>
+                <a:cs typeface="Calibri" panose="020F0502020204030204" pitchFamily="34" charset="0"/>
+              </a:rPr>
+              <a:t>TO = Turnover</a:t>
+            </a:r>
+          </a:p>
+        </p:txBody>
+      </p:sp>
+    </p:spTree>
+    <p:extLst>
+      <p:ext uri="{BB962C8B-B14F-4D97-AF65-F5344CB8AC3E}">
+        <p14:creationId xmlns:p14="http://schemas.microsoft.com/office/powerpoint/2010/main" val="91364092"/>
+      </p:ext>
+    </p:extLst>
+  </p:cSld>
+  <p:clrMapOvr>
+    <a:masterClrMapping/>
+  </p:clrMapOvr>
+</p:sld>
+</file>
+
+<file path=ppt/slides/slide8.xml><?xml version="1.0" encoding="utf-8"?>
+<p:sld xmlns:a="http://schemas.openxmlformats.org/drawingml/2006/main" xmlns:r="http://schemas.openxmlformats.org/officeDocument/2006/relationships" xmlns:p="http://schemas.openxmlformats.org/presentationml/2006/main">
+  <p:cSld>
+    <p:bg>
+      <p:bgPr>
+        <a:blipFill rotWithShape="1">
+          <a:blip r:embed="rId2">
+            <a:duotone>
+              <a:schemeClr val="bg2">
+                <a:shade val="80000"/>
+                <a:lumMod val="80000"/>
+              </a:schemeClr>
+              <a:schemeClr val="bg2">
+                <a:tint val="98000"/>
+              </a:schemeClr>
+            </a:duotone>
+          </a:blip>
+          <a:stretch/>
+        </a:blipFill>
+        <a:effectLst/>
+      </p:bgPr>
+    </p:bg>
+    <p:spTree>
+      <p:nvGrpSpPr>
+        <p:cNvPr id="1" name=""/>
+        <p:cNvGrpSpPr/>
+        <p:nvPr/>
+      </p:nvGrpSpPr>
+      <p:grpSpPr>
+        <a:xfrm>
+          <a:off x="0" y="0"/>
+          <a:ext cx="0" cy="0"/>
+          <a:chOff x="0" y="0"/>
+          <a:chExt cx="0" cy="0"/>
+        </a:xfrm>
+      </p:grpSpPr>
+      <p:pic>
+        <p:nvPicPr>
+          <p:cNvPr id="21" name="Picture 20" descr="A picture containing clothing, person, headdress, baseball&#10;&#10;Description automatically generated">
+            <a:extLst>
+              <a:ext uri="{FF2B5EF4-FFF2-40B4-BE49-F238E27FC236}">
+                <a16:creationId xmlns:a16="http://schemas.microsoft.com/office/drawing/2014/main" id="{68BA132B-EA3B-4DFB-BEF2-04F4ACB3B027}"/>
+              </a:ext>
+            </a:extLst>
+          </p:cNvPr>
+          <p:cNvPicPr>
+            <a:picLocks noChangeAspect="1"/>
+          </p:cNvPicPr>
+          <p:nvPr/>
+        </p:nvPicPr>
+        <p:blipFill rotWithShape="1">
+          <a:blip r:embed="rId3">
+            <a:extLst>
+              <a:ext uri="{BEBA8EAE-BF5A-486C-A8C5-ECC9F3942E4B}">
+                <a14:imgProps xmlns:a14="http://schemas.microsoft.com/office/drawing/2010/main">
+                  <a14:imgLayer r:embed="rId4">
+                    <a14:imgEffect>
+                      <a14:colorTemperature colorTemp="11151"/>
+                    </a14:imgEffect>
+                    <a14:imgEffect>
+                      <a14:saturation sat="0"/>
+                    </a14:imgEffect>
+                  </a14:imgLayer>
+                </a14:imgProps>
+              </a:ext>
+              <a:ext uri="{28A0092B-C50C-407E-A947-70E740481C1C}">
+                <a14:useLocalDpi xmlns:a14="http://schemas.microsoft.com/office/drawing/2010/main" val="0"/>
+              </a:ext>
+            </a:extLst>
+          </a:blip>
+          <a:srcRect r="3" b="7624"/>
+          <a:stretch/>
+        </p:blipFill>
+        <p:spPr>
+          <a:xfrm>
+            <a:off x="-1051136" y="3119615"/>
+            <a:ext cx="4065464" cy="3258005"/>
+          </a:xfrm>
+          <a:prstGeom prst="rect">
+            <a:avLst/>
+          </a:prstGeom>
+        </p:spPr>
+      </p:pic>
+      <p:sp>
+        <p:nvSpPr>
+          <p:cNvPr id="41" name="Rectangle 40">
+            <a:extLst>
+              <a:ext uri="{FF2B5EF4-FFF2-40B4-BE49-F238E27FC236}">
+                <a16:creationId xmlns:a16="http://schemas.microsoft.com/office/drawing/2014/main" id="{7BDB8227-827C-484D-95AA-05C24716BEB4}"/>
+              </a:ext>
+            </a:extLst>
+          </p:cNvPr>
+          <p:cNvSpPr/>
+          <p:nvPr/>
+        </p:nvSpPr>
+        <p:spPr>
+          <a:xfrm>
+            <a:off x="1911020" y="528506"/>
+            <a:ext cx="6928179" cy="813912"/>
+          </a:xfrm>
+          <a:prstGeom prst="rect">
+            <a:avLst/>
+          </a:prstGeom>
+          <a:solidFill>
+            <a:srgbClr val="D34817"/>
+          </a:solidFill>
+        </p:spPr>
+        <p:style>
+          <a:lnRef idx="2">
+            <a:schemeClr val="accent1">
+              <a:shade val="50000"/>
+            </a:schemeClr>
+          </a:lnRef>
+          <a:fillRef idx="1">
+            <a:schemeClr val="accent1"/>
+          </a:fillRef>
+          <a:effectRef idx="0">
+            <a:schemeClr val="accent1"/>
+          </a:effectRef>
+          <a:fontRef idx="minor">
+            <a:schemeClr val="lt1"/>
+          </a:fontRef>
+        </p:style>
+        <p:txBody>
+          <a:bodyPr rtlCol="0" anchor="ctr"/>
+          <a:lstStyle/>
+          <a:p>
+            <a:pPr algn="ctr"/>
+            <a:endParaRPr lang="en-US">
+              <a:solidFill>
+                <a:srgbClr val="A6A1A1"/>
+              </a:solidFill>
+            </a:endParaRPr>
+          </a:p>
+        </p:txBody>
+      </p:sp>
+      <p:sp>
+        <p:nvSpPr>
+          <p:cNvPr id="4" name="Title 3">
+            <a:extLst>
+              <a:ext uri="{FF2B5EF4-FFF2-40B4-BE49-F238E27FC236}">
+                <a16:creationId xmlns:a16="http://schemas.microsoft.com/office/drawing/2014/main" id="{4A6C2FBC-B0EB-45C1-9469-C4F6741ECB31}"/>
+              </a:ext>
+            </a:extLst>
+          </p:cNvPr>
+          <p:cNvSpPr>
+            <a:spLocks noGrp="1"/>
+          </p:cNvSpPr>
+          <p:nvPr>
+            <p:ph type="title"/>
+          </p:nvPr>
+        </p:nvSpPr>
+        <p:spPr>
+          <a:xfrm>
+            <a:off x="1911020" y="428653"/>
+            <a:ext cx="6928179" cy="970450"/>
+          </a:xfrm>
+          <a:effectLst>
+            <a:outerShdw blurRad="25400" dir="17880000">
+              <a:srgbClr val="000000">
+                <a:alpha val="70000"/>
+              </a:srgbClr>
+            </a:outerShdw>
+          </a:effectLst>
+        </p:spPr>
+        <p:txBody>
+          <a:bodyPr>
+            <a:normAutofit/>
+          </a:bodyPr>
+          <a:lstStyle/>
+          <a:p>
+            <a:pPr algn="l"/>
+            <a:r>
+              <a:rPr lang="en-US" sz="3600" dirty="0">
+                <a:ln>
+                  <a:noFill/>
+                </a:ln>
+                <a:solidFill>
+                  <a:schemeClr val="bg2">
+                    <a:lumMod val="10000"/>
+                    <a:lumOff val="90000"/>
+                  </a:schemeClr>
+                </a:solidFill>
+                <a:effectLst/>
+                <a:latin typeface="Selawik Semibold" panose="020B0702040204020203" pitchFamily="34" charset="0"/>
+              </a:rPr>
+              <a:t>What Makes Teams Win</a:t>
+            </a:r>
+          </a:p>
+        </p:txBody>
+      </p:sp>
+      <p:sp>
+        <p:nvSpPr>
+          <p:cNvPr id="24" name="Content Placeholder 2">
+            <a:extLst>
+              <a:ext uri="{FF2B5EF4-FFF2-40B4-BE49-F238E27FC236}">
+                <a16:creationId xmlns:a16="http://schemas.microsoft.com/office/drawing/2014/main" id="{52313B83-B214-43D7-AC39-182CE4FA3E53}"/>
+              </a:ext>
+            </a:extLst>
+          </p:cNvPr>
+          <p:cNvSpPr>
+            <a:spLocks noGrp="1"/>
+          </p:cNvSpPr>
+          <p:nvPr>
+            <p:ph idx="1"/>
+          </p:nvPr>
+        </p:nvSpPr>
+        <p:spPr>
+          <a:xfrm>
+            <a:off x="2283155" y="1490925"/>
+            <a:ext cx="7729850" cy="4838569"/>
+          </a:xfrm>
+        </p:spPr>
+        <p:txBody>
+          <a:bodyPr numCol="1" anchor="t">
+            <a:noAutofit/>
+          </a:bodyPr>
+          <a:lstStyle/>
+          <a:p>
+            <a:pPr marL="0" indent="0">
+              <a:spcBef>
+                <a:spcPts val="0"/>
+              </a:spcBef>
+              <a:spcAft>
+                <a:spcPts val="0"/>
+              </a:spcAft>
+              <a:buClr>
+                <a:srgbClr val="D34817"/>
+              </a:buClr>
+              <a:buSzPct val="100000"/>
+              <a:buFont typeface="Wingdings" panose="05000000000000000000" pitchFamily="2" charset="2"/>
+              <a:buChar char="v"/>
+            </a:pPr>
+            <a:r>
+              <a:rPr lang="en-US" sz="2400" dirty="0">
+                <a:solidFill>
+                  <a:schemeClr val="bg2">
+                    <a:lumMod val="10000"/>
+                    <a:lumOff val="90000"/>
+                  </a:schemeClr>
+                </a:solidFill>
+                <a:effectLst/>
+                <a:latin typeface="Selawik Semibold" panose="020B0702040204020203" pitchFamily="34" charset="0"/>
+              </a:rPr>
+              <a:t>Correlation Matrix of Predictors</a:t>
+            </a:r>
+            <a:endParaRPr lang="en-US" sz="2000" dirty="0">
+              <a:solidFill>
+                <a:schemeClr val="bg2">
+                  <a:lumMod val="10000"/>
+                  <a:lumOff val="90000"/>
+                </a:schemeClr>
+              </a:solidFill>
+              <a:effectLst/>
+              <a:latin typeface="Selawik Semibold" panose="020B0702040204020203" pitchFamily="34" charset="0"/>
+            </a:endParaRPr>
+          </a:p>
+          <a:p>
+            <a:pPr marL="377100" lvl="1" indent="0">
+              <a:spcBef>
+                <a:spcPts val="0"/>
+              </a:spcBef>
+              <a:spcAft>
+                <a:spcPts val="0"/>
+              </a:spcAft>
+              <a:buClr>
+                <a:srgbClr val="D34817"/>
+              </a:buClr>
+              <a:buSzPct val="100000"/>
+              <a:buNone/>
+            </a:pPr>
+            <a:endParaRPr lang="en-US" sz="2200" dirty="0">
+              <a:solidFill>
+                <a:schemeClr val="bg2">
+                  <a:lumMod val="10000"/>
+                  <a:lumOff val="90000"/>
+                </a:schemeClr>
+              </a:solidFill>
+              <a:effectLst/>
+              <a:latin typeface="Selawik Semibold" panose="020B0702040204020203" pitchFamily="34" charset="0"/>
+            </a:endParaRPr>
+          </a:p>
+          <a:p>
+            <a:pPr marL="377100" lvl="1" indent="0">
+              <a:spcBef>
+                <a:spcPts val="0"/>
+              </a:spcBef>
+              <a:spcAft>
+                <a:spcPts val="0"/>
+              </a:spcAft>
+              <a:buClr>
+                <a:srgbClr val="D34817"/>
+              </a:buClr>
+              <a:buSzPct val="100000"/>
+              <a:buFont typeface="Wingdings" panose="05000000000000000000" pitchFamily="2" charset="2"/>
+              <a:buChar char="v"/>
+            </a:pPr>
+            <a:endParaRPr lang="en-US" sz="2200" dirty="0">
+              <a:solidFill>
+                <a:schemeClr val="bg2">
+                  <a:lumMod val="10000"/>
+                  <a:lumOff val="90000"/>
+                </a:schemeClr>
+              </a:solidFill>
+              <a:effectLst/>
+              <a:latin typeface="Selawik Semibold" panose="020B0702040204020203" pitchFamily="34" charset="0"/>
+            </a:endParaRPr>
+          </a:p>
+          <a:p>
+            <a:pPr marL="377100" lvl="1" indent="0">
+              <a:spcBef>
+                <a:spcPts val="0"/>
+              </a:spcBef>
+              <a:spcAft>
+                <a:spcPts val="0"/>
+              </a:spcAft>
+              <a:buClr>
+                <a:srgbClr val="D34817"/>
+              </a:buClr>
+              <a:buSzPct val="100000"/>
+              <a:buFont typeface="Wingdings" panose="05000000000000000000" pitchFamily="2" charset="2"/>
+              <a:buChar char="v"/>
+            </a:pPr>
+            <a:endParaRPr lang="en-US" sz="2000" dirty="0">
+              <a:effectLst/>
+              <a:latin typeface="Selawik Semibold" panose="020B0702040204020203" pitchFamily="34" charset="0"/>
+            </a:endParaRPr>
+          </a:p>
+        </p:txBody>
+      </p:sp>
+      <p:pic>
+        <p:nvPicPr>
+          <p:cNvPr id="40" name="Graphic 39" descr="Football">
+            <a:extLst>
+              <a:ext uri="{FF2B5EF4-FFF2-40B4-BE49-F238E27FC236}">
+                <a16:creationId xmlns:a16="http://schemas.microsoft.com/office/drawing/2014/main" id="{43103FBA-298C-4A8C-8E68-C9DFEB1CFAF5}"/>
+              </a:ext>
+            </a:extLst>
+          </p:cNvPr>
+          <p:cNvPicPr>
+            <a:picLocks noChangeAspect="1"/>
+          </p:cNvPicPr>
+          <p:nvPr/>
+        </p:nvPicPr>
+        <p:blipFill>
+          <a:blip r:embed="rId5">
+            <a:extLst>
+              <a:ext uri="{28A0092B-C50C-407E-A947-70E740481C1C}">
+                <a14:useLocalDpi xmlns:a14="http://schemas.microsoft.com/office/drawing/2010/main" val="0"/>
+              </a:ext>
+              <a:ext uri="{96DAC541-7B7A-43D3-8B79-37D633B846F1}">
+                <asvg:svgBlip xmlns:asvg="http://schemas.microsoft.com/office/drawing/2016/SVG/main" r:embed="rId6"/>
+              </a:ext>
+            </a:extLst>
+          </a:blip>
+          <a:stretch>
+            <a:fillRect/>
+          </a:stretch>
+        </p:blipFill>
+        <p:spPr>
+          <a:xfrm>
+            <a:off x="8917272" y="232079"/>
+            <a:ext cx="1406766" cy="1406766"/>
+          </a:xfrm>
+          <a:prstGeom prst="rect">
+            <a:avLst/>
+          </a:prstGeom>
+        </p:spPr>
+      </p:pic>
+      <p:sp>
+        <p:nvSpPr>
+          <p:cNvPr id="17" name="Rectangle 16">
+            <a:extLst>
+              <a:ext uri="{FF2B5EF4-FFF2-40B4-BE49-F238E27FC236}">
+                <a16:creationId xmlns:a16="http://schemas.microsoft.com/office/drawing/2014/main" id="{5020441A-C920-4B5D-B423-02BDA4A265D5}"/>
+              </a:ext>
+            </a:extLst>
+          </p:cNvPr>
+          <p:cNvSpPr/>
+          <p:nvPr/>
+        </p:nvSpPr>
+        <p:spPr>
+          <a:xfrm>
+            <a:off x="0" y="6363870"/>
+            <a:ext cx="12192000" cy="280807"/>
+          </a:xfrm>
+          <a:prstGeom prst="rect">
+            <a:avLst/>
+          </a:prstGeom>
+          <a:solidFill>
+            <a:srgbClr val="D34817"/>
+          </a:solidFill>
+          <a:ln>
+            <a:noFill/>
+          </a:ln>
+        </p:spPr>
+        <p:style>
+          <a:lnRef idx="2">
+            <a:schemeClr val="accent1">
+              <a:shade val="50000"/>
+            </a:schemeClr>
+          </a:lnRef>
+          <a:fillRef idx="1">
+            <a:schemeClr val="accent1"/>
+          </a:fillRef>
+          <a:effectRef idx="0">
+            <a:schemeClr val="accent1"/>
+          </a:effectRef>
+          <a:fontRef idx="minor">
+            <a:schemeClr val="lt1"/>
+          </a:fontRef>
+        </p:style>
+        <p:txBody>
+          <a:bodyPr rtlCol="0" anchor="ctr"/>
+          <a:lstStyle/>
+          <a:p>
+            <a:pPr algn="ctr"/>
+            <a:endParaRPr lang="en-US"/>
+          </a:p>
+        </p:txBody>
+      </p:sp>
+      <p:sp>
+        <p:nvSpPr>
+          <p:cNvPr id="43" name="Rectangle 42">
+            <a:extLst>
+              <a:ext uri="{FF2B5EF4-FFF2-40B4-BE49-F238E27FC236}">
+                <a16:creationId xmlns:a16="http://schemas.microsoft.com/office/drawing/2014/main" id="{50A0A4F6-DDDF-466F-B88A-4EAD2319B32D}"/>
+              </a:ext>
+            </a:extLst>
+          </p:cNvPr>
+          <p:cNvSpPr/>
+          <p:nvPr/>
+        </p:nvSpPr>
+        <p:spPr>
+          <a:xfrm>
+            <a:off x="10402110" y="528506"/>
+            <a:ext cx="1789889" cy="813912"/>
+          </a:xfrm>
+          <a:prstGeom prst="rect">
+            <a:avLst/>
+          </a:prstGeom>
+          <a:solidFill>
+            <a:srgbClr val="D34817"/>
+          </a:solidFill>
+        </p:spPr>
+        <p:style>
+          <a:lnRef idx="2">
+            <a:schemeClr val="accent1">
+              <a:shade val="50000"/>
+            </a:schemeClr>
+          </a:lnRef>
+          <a:fillRef idx="1">
+            <a:schemeClr val="accent1"/>
+          </a:fillRef>
+          <a:effectRef idx="0">
+            <a:schemeClr val="accent1"/>
+          </a:effectRef>
+          <a:fontRef idx="minor">
+            <a:schemeClr val="lt1"/>
+          </a:fontRef>
+        </p:style>
+        <p:txBody>
+          <a:bodyPr rtlCol="0" anchor="ctr"/>
+          <a:lstStyle/>
+          <a:p>
+            <a:pPr algn="ctr"/>
+            <a:endParaRPr lang="en-US"/>
+          </a:p>
+        </p:txBody>
+      </p:sp>
+      <p:sp>
+        <p:nvSpPr>
+          <p:cNvPr id="46" name="Rectangle 45">
+            <a:extLst>
+              <a:ext uri="{FF2B5EF4-FFF2-40B4-BE49-F238E27FC236}">
+                <a16:creationId xmlns:a16="http://schemas.microsoft.com/office/drawing/2014/main" id="{4E8668F5-2350-4974-AA4D-876D0CD42EDD}"/>
+              </a:ext>
+            </a:extLst>
+          </p:cNvPr>
+          <p:cNvSpPr/>
+          <p:nvPr/>
+        </p:nvSpPr>
+        <p:spPr>
+          <a:xfrm>
+            <a:off x="-112743" y="528506"/>
+            <a:ext cx="470541" cy="813912"/>
+          </a:xfrm>
+          <a:prstGeom prst="rect">
+            <a:avLst/>
+          </a:prstGeom>
+          <a:solidFill>
+            <a:srgbClr val="D34817"/>
+          </a:solidFill>
+        </p:spPr>
+        <p:style>
+          <a:lnRef idx="2">
+            <a:schemeClr val="accent1">
+              <a:shade val="50000"/>
+            </a:schemeClr>
+          </a:lnRef>
+          <a:fillRef idx="1">
+            <a:schemeClr val="accent1"/>
+          </a:fillRef>
+          <a:effectRef idx="0">
+            <a:schemeClr val="accent1"/>
+          </a:effectRef>
+          <a:fontRef idx="minor">
+            <a:schemeClr val="lt1"/>
+          </a:fontRef>
+        </p:style>
+        <p:txBody>
+          <a:bodyPr rtlCol="0" anchor="ctr"/>
+          <a:lstStyle/>
+          <a:p>
+            <a:pPr algn="ctr"/>
+            <a:endParaRPr lang="en-US"/>
+          </a:p>
+        </p:txBody>
+      </p:sp>
+      <p:pic>
+        <p:nvPicPr>
+          <p:cNvPr id="47" name="Graphic 46" descr="Football">
+            <a:extLst>
+              <a:ext uri="{FF2B5EF4-FFF2-40B4-BE49-F238E27FC236}">
+                <a16:creationId xmlns:a16="http://schemas.microsoft.com/office/drawing/2014/main" id="{BBBD34EB-97F5-4783-BE1A-4ADD4D05EBF0}"/>
+              </a:ext>
+            </a:extLst>
+          </p:cNvPr>
+          <p:cNvPicPr>
+            <a:picLocks noChangeAspect="1"/>
+          </p:cNvPicPr>
+          <p:nvPr/>
+        </p:nvPicPr>
+        <p:blipFill>
+          <a:blip r:embed="rId5">
+            <a:extLst>
+              <a:ext uri="{28A0092B-C50C-407E-A947-70E740481C1C}">
+                <a14:useLocalDpi xmlns:a14="http://schemas.microsoft.com/office/drawing/2010/main" val="0"/>
+              </a:ext>
+              <a:ext uri="{96DAC541-7B7A-43D3-8B79-37D633B846F1}">
+                <asvg:svgBlip xmlns:asvg="http://schemas.microsoft.com/office/drawing/2016/SVG/main" r:embed="rId6"/>
+              </a:ext>
+            </a:extLst>
+          </a:blip>
+          <a:stretch>
+            <a:fillRect/>
+          </a:stretch>
+        </p:blipFill>
+        <p:spPr>
+          <a:xfrm>
+            <a:off x="426182" y="210495"/>
+            <a:ext cx="1406766" cy="1406766"/>
+          </a:xfrm>
+          <a:prstGeom prst="rect">
+            <a:avLst/>
+          </a:prstGeom>
+        </p:spPr>
+      </p:pic>
+      <p:pic>
+        <p:nvPicPr>
+          <p:cNvPr id="2" name="Picture 1">
+            <a:extLst>
+              <a:ext uri="{FF2B5EF4-FFF2-40B4-BE49-F238E27FC236}">
+                <a16:creationId xmlns:a16="http://schemas.microsoft.com/office/drawing/2014/main" id="{31B3E2F6-DB87-4F05-9BEC-7C855C42BF97}"/>
+              </a:ext>
+            </a:extLst>
+          </p:cNvPr>
+          <p:cNvPicPr>
+            <a:picLocks noChangeAspect="1"/>
+          </p:cNvPicPr>
+          <p:nvPr/>
+        </p:nvPicPr>
+        <p:blipFill>
+          <a:blip r:embed="rId7"/>
+          <a:stretch>
+            <a:fillRect/>
+          </a:stretch>
+        </p:blipFill>
+        <p:spPr>
+          <a:xfrm>
+            <a:off x="2703273" y="2036011"/>
+            <a:ext cx="8188505" cy="4132999"/>
+          </a:xfrm>
+          <a:prstGeom prst="rect">
+            <a:avLst/>
+          </a:prstGeom>
+          <a:ln w="38100">
+            <a:solidFill>
+              <a:srgbClr val="D34817"/>
+            </a:solidFill>
+          </a:ln>
+        </p:spPr>
+      </p:pic>
+      <p:sp>
+        <p:nvSpPr>
+          <p:cNvPr id="3" name="Oval 2">
+            <a:extLst>
+              <a:ext uri="{FF2B5EF4-FFF2-40B4-BE49-F238E27FC236}">
+                <a16:creationId xmlns:a16="http://schemas.microsoft.com/office/drawing/2014/main" id="{411EFEB5-9280-4891-A4BF-E89FEF9B37CB}"/>
+              </a:ext>
+            </a:extLst>
+          </p:cNvPr>
+          <p:cNvSpPr/>
+          <p:nvPr/>
+        </p:nvSpPr>
+        <p:spPr>
+          <a:xfrm>
+            <a:off x="6528121" y="3557695"/>
+            <a:ext cx="833378" cy="433539"/>
+          </a:xfrm>
+          <a:prstGeom prst="ellipse">
+            <a:avLst/>
+          </a:prstGeom>
+          <a:noFill/>
+          <a:ln w="38100">
+            <a:solidFill>
+              <a:srgbClr val="D34817"/>
+            </a:solidFill>
+          </a:ln>
+        </p:spPr>
+        <p:style>
+          <a:lnRef idx="2">
+            <a:schemeClr val="accent1">
+              <a:shade val="50000"/>
+            </a:schemeClr>
+          </a:lnRef>
+          <a:fillRef idx="1">
+            <a:schemeClr val="accent1"/>
+          </a:fillRef>
+          <a:effectRef idx="0">
+            <a:schemeClr val="accent1"/>
+          </a:effectRef>
+          <a:fontRef idx="minor">
+            <a:schemeClr val="lt1"/>
+          </a:fontRef>
+        </p:style>
+        <p:txBody>
+          <a:bodyPr rtlCol="0" anchor="ctr"/>
+          <a:lstStyle/>
+          <a:p>
+            <a:pPr algn="ctr"/>
+            <a:endParaRPr lang="en-US"/>
+          </a:p>
+        </p:txBody>
+      </p:sp>
+    </p:spTree>
+    <p:extLst>
+      <p:ext uri="{BB962C8B-B14F-4D97-AF65-F5344CB8AC3E}">
+        <p14:creationId xmlns:p14="http://schemas.microsoft.com/office/powerpoint/2010/main" val="179609624"/>
+      </p:ext>
+    </p:extLst>
+  </p:cSld>
+  <p:clrMapOvr>
+    <a:masterClrMapping/>
+  </p:clrMapOvr>
+</p:sld>
+</file>
+
+<file path=ppt/slides/slide9.xml><?xml version="1.0" encoding="utf-8"?>
+<p:sld xmlns:a="http://schemas.openxmlformats.org/drawingml/2006/main" xmlns:r="http://schemas.openxmlformats.org/officeDocument/2006/relationships" xmlns:p="http://schemas.openxmlformats.org/presentationml/2006/main">
+  <p:cSld>
+    <p:bg>
+      <p:bgPr>
+        <a:blipFill rotWithShape="1">
+          <a:blip r:embed="rId2">
+            <a:duotone>
+              <a:schemeClr val="bg2">
+                <a:shade val="80000"/>
+                <a:lumMod val="80000"/>
+              </a:schemeClr>
+              <a:schemeClr val="bg2">
+                <a:tint val="98000"/>
+              </a:schemeClr>
+            </a:duotone>
+          </a:blip>
+          <a:stretch/>
+        </a:blipFill>
+        <a:effectLst/>
+      </p:bgPr>
+    </p:bg>
+    <p:spTree>
+      <p:nvGrpSpPr>
+        <p:cNvPr id="1" name=""/>
+        <p:cNvGrpSpPr/>
+        <p:nvPr/>
+      </p:nvGrpSpPr>
+      <p:grpSpPr>
+        <a:xfrm>
+          <a:off x="0" y="0"/>
+          <a:ext cx="0" cy="0"/>
+          <a:chOff x="0" y="0"/>
+          <a:chExt cx="0" cy="0"/>
+        </a:xfrm>
+      </p:grpSpPr>
+      <p:pic>
+        <p:nvPicPr>
+          <p:cNvPr id="21" name="Picture 20" descr="A picture containing clothing, person, headdress, baseball&#10;&#10;Description automatically generated">
+            <a:extLst>
+              <a:ext uri="{FF2B5EF4-FFF2-40B4-BE49-F238E27FC236}">
+                <a16:creationId xmlns:a16="http://schemas.microsoft.com/office/drawing/2014/main" id="{68BA132B-EA3B-4DFB-BEF2-04F4ACB3B027}"/>
+              </a:ext>
+            </a:extLst>
+          </p:cNvPr>
+          <p:cNvPicPr>
+            <a:picLocks noChangeAspect="1"/>
+          </p:cNvPicPr>
+          <p:nvPr/>
+        </p:nvPicPr>
+        <p:blipFill rotWithShape="1">
+          <a:blip r:embed="rId3">
+            <a:extLst>
+              <a:ext uri="{BEBA8EAE-BF5A-486C-A8C5-ECC9F3942E4B}">
+                <a14:imgProps xmlns:a14="http://schemas.microsoft.com/office/drawing/2010/main">
+                  <a14:imgLayer r:embed="rId4">
+                    <a14:imgEffect>
+                      <a14:colorTemperature colorTemp="11151"/>
+                    </a14:imgEffect>
+                    <a14:imgEffect>
+                      <a14:saturation sat="0"/>
+                    </a14:imgEffect>
+                  </a14:imgLayer>
+                </a14:imgProps>
+              </a:ext>
+              <a:ext uri="{28A0092B-C50C-407E-A947-70E740481C1C}">
+                <a14:useLocalDpi xmlns:a14="http://schemas.microsoft.com/office/drawing/2010/main" val="0"/>
+              </a:ext>
+            </a:extLst>
+          </a:blip>
+          <a:srcRect r="3" b="7624"/>
+          <a:stretch/>
+        </p:blipFill>
+        <p:spPr>
+          <a:xfrm>
+            <a:off x="-1051136" y="3119615"/>
+            <a:ext cx="4065464" cy="3258005"/>
+          </a:xfrm>
+          <a:prstGeom prst="rect">
+            <a:avLst/>
+          </a:prstGeom>
+        </p:spPr>
+      </p:pic>
+      <p:sp>
+        <p:nvSpPr>
+          <p:cNvPr id="41" name="Rectangle 40">
+            <a:extLst>
+              <a:ext uri="{FF2B5EF4-FFF2-40B4-BE49-F238E27FC236}">
+                <a16:creationId xmlns:a16="http://schemas.microsoft.com/office/drawing/2014/main" id="{7BDB8227-827C-484D-95AA-05C24716BEB4}"/>
+              </a:ext>
+            </a:extLst>
+          </p:cNvPr>
+          <p:cNvSpPr/>
+          <p:nvPr/>
+        </p:nvSpPr>
+        <p:spPr>
+          <a:xfrm>
+            <a:off x="1911020" y="528506"/>
+            <a:ext cx="6928179" cy="813912"/>
+          </a:xfrm>
+          <a:prstGeom prst="rect">
+            <a:avLst/>
+          </a:prstGeom>
+          <a:solidFill>
+            <a:srgbClr val="D34817"/>
+          </a:solidFill>
+        </p:spPr>
+        <p:style>
+          <a:lnRef idx="2">
+            <a:schemeClr val="accent1">
+              <a:shade val="50000"/>
+            </a:schemeClr>
+          </a:lnRef>
+          <a:fillRef idx="1">
+            <a:schemeClr val="accent1"/>
+          </a:fillRef>
+          <a:effectRef idx="0">
+            <a:schemeClr val="accent1"/>
+          </a:effectRef>
+          <a:fontRef idx="minor">
+            <a:schemeClr val="lt1"/>
+          </a:fontRef>
+        </p:style>
+        <p:txBody>
+          <a:bodyPr rtlCol="0" anchor="ctr"/>
+          <a:lstStyle/>
+          <a:p>
+            <a:pPr algn="ctr"/>
+            <a:endParaRPr lang="en-US">
+              <a:solidFill>
+                <a:srgbClr val="A6A1A1"/>
+              </a:solidFill>
+            </a:endParaRPr>
+          </a:p>
+        </p:txBody>
+      </p:sp>
+      <p:sp>
+        <p:nvSpPr>
+          <p:cNvPr id="4" name="Title 3">
+            <a:extLst>
+              <a:ext uri="{FF2B5EF4-FFF2-40B4-BE49-F238E27FC236}">
+                <a16:creationId xmlns:a16="http://schemas.microsoft.com/office/drawing/2014/main" id="{4A6C2FBC-B0EB-45C1-9469-C4F6741ECB31}"/>
+              </a:ext>
+            </a:extLst>
+          </p:cNvPr>
+          <p:cNvSpPr>
+            <a:spLocks noGrp="1"/>
+          </p:cNvSpPr>
+          <p:nvPr>
+            <p:ph type="title"/>
+          </p:nvPr>
+        </p:nvSpPr>
+        <p:spPr>
+          <a:xfrm>
+            <a:off x="1911020" y="428653"/>
+            <a:ext cx="6928179" cy="970450"/>
+          </a:xfrm>
+          <a:effectLst>
+            <a:outerShdw blurRad="25400" dir="17880000">
+              <a:srgbClr val="000000">
+                <a:alpha val="70000"/>
+              </a:srgbClr>
+            </a:outerShdw>
+          </a:effectLst>
+        </p:spPr>
+        <p:txBody>
+          <a:bodyPr>
+            <a:normAutofit/>
+          </a:bodyPr>
+          <a:lstStyle/>
+          <a:p>
+            <a:pPr algn="l"/>
+            <a:r>
+              <a:rPr lang="en-US" sz="3600" dirty="0">
+                <a:ln>
+                  <a:noFill/>
+                </a:ln>
+                <a:solidFill>
+                  <a:schemeClr val="bg2">
+                    <a:lumMod val="10000"/>
+                    <a:lumOff val="90000"/>
+                  </a:schemeClr>
+                </a:solidFill>
+                <a:effectLst/>
+                <a:latin typeface="Selawik Semibold" panose="020B0702040204020203" pitchFamily="34" charset="0"/>
+              </a:rPr>
+              <a:t>What Makes Teams Win</a:t>
+            </a:r>
+          </a:p>
+        </p:txBody>
+      </p:sp>
+      <p:sp>
+        <p:nvSpPr>
+          <p:cNvPr id="24" name="Content Placeholder 2">
+            <a:extLst>
+              <a:ext uri="{FF2B5EF4-FFF2-40B4-BE49-F238E27FC236}">
+                <a16:creationId xmlns:a16="http://schemas.microsoft.com/office/drawing/2014/main" id="{52313B83-B214-43D7-AC39-182CE4FA3E53}"/>
+              </a:ext>
+            </a:extLst>
+          </p:cNvPr>
+          <p:cNvSpPr>
+            <a:spLocks noGrp="1"/>
+          </p:cNvSpPr>
+          <p:nvPr>
+            <p:ph idx="1"/>
+          </p:nvPr>
+        </p:nvSpPr>
+        <p:spPr>
+          <a:xfrm>
+            <a:off x="2283154" y="1490925"/>
+            <a:ext cx="7815497" cy="4838569"/>
+          </a:xfrm>
+        </p:spPr>
+        <p:txBody>
+          <a:bodyPr numCol="1" anchor="t">
+            <a:noAutofit/>
+          </a:bodyPr>
+          <a:lstStyle/>
+          <a:p>
+            <a:pPr marL="0" indent="0">
+              <a:spcBef>
+                <a:spcPts val="0"/>
+              </a:spcBef>
+              <a:spcAft>
+                <a:spcPts val="0"/>
+              </a:spcAft>
+              <a:buClr>
+                <a:srgbClr val="D34817"/>
+              </a:buClr>
+              <a:buSzPct val="100000"/>
+              <a:buFont typeface="Wingdings" panose="05000000000000000000" pitchFamily="2" charset="2"/>
+              <a:buChar char="v"/>
+            </a:pPr>
+            <a:r>
+              <a:rPr lang="en-US" sz="2400" dirty="0">
+                <a:solidFill>
+                  <a:schemeClr val="bg2">
+                    <a:lumMod val="10000"/>
+                    <a:lumOff val="90000"/>
+                  </a:schemeClr>
+                </a:solidFill>
+                <a:effectLst/>
+                <a:latin typeface="Selawik Semibold" panose="020B0702040204020203" pitchFamily="34" charset="0"/>
+              </a:rPr>
+              <a:t>Relationship Between Passing and Rushing Stats</a:t>
+            </a:r>
+          </a:p>
+          <a:p>
+            <a:pPr marL="377100" lvl="1" indent="0">
+              <a:spcBef>
+                <a:spcPts val="0"/>
+              </a:spcBef>
+              <a:spcAft>
+                <a:spcPts val="0"/>
+              </a:spcAft>
+              <a:buClr>
+                <a:srgbClr val="D34817"/>
+              </a:buClr>
+              <a:buSzPct val="100000"/>
+              <a:buFont typeface="Wingdings" panose="05000000000000000000" pitchFamily="2" charset="2"/>
+              <a:buChar char="v"/>
+            </a:pPr>
+            <a:r>
+              <a:rPr lang="en-US" sz="2000" dirty="0">
+                <a:solidFill>
+                  <a:schemeClr val="bg2">
+                    <a:lumMod val="10000"/>
+                    <a:lumOff val="90000"/>
+                  </a:schemeClr>
+                </a:solidFill>
+                <a:effectLst/>
+                <a:latin typeface="Selawik Semibold" panose="020B0702040204020203" pitchFamily="34" charset="0"/>
+              </a:rPr>
+              <a:t>Correlation of 0.10 Between Passing YDS/ATT and  </a:t>
+            </a:r>
+          </a:p>
+          <a:p>
+            <a:pPr marL="377100" lvl="1" indent="0">
+              <a:spcBef>
+                <a:spcPts val="0"/>
+              </a:spcBef>
+              <a:spcAft>
+                <a:spcPts val="0"/>
+              </a:spcAft>
+              <a:buClr>
+                <a:srgbClr val="D34817"/>
+              </a:buClr>
+              <a:buSzPct val="100000"/>
+              <a:buNone/>
+            </a:pPr>
+            <a:r>
+              <a:rPr lang="en-US" sz="2000" dirty="0">
+                <a:solidFill>
+                  <a:schemeClr val="bg2">
+                    <a:lumMod val="10000"/>
+                    <a:lumOff val="90000"/>
+                  </a:schemeClr>
+                </a:solidFill>
+                <a:effectLst/>
+                <a:latin typeface="Selawik Semibold" panose="020B0702040204020203" pitchFamily="34" charset="0"/>
+              </a:rPr>
+              <a:t>    Rushing YDS/ATT</a:t>
+            </a:r>
+          </a:p>
+          <a:p>
+            <a:pPr marL="377100" lvl="1" indent="0">
+              <a:spcBef>
+                <a:spcPts val="0"/>
+              </a:spcBef>
+              <a:spcAft>
+                <a:spcPts val="0"/>
+              </a:spcAft>
+              <a:buClr>
+                <a:srgbClr val="D34817"/>
+              </a:buClr>
+              <a:buSzPct val="100000"/>
+              <a:buFont typeface="Wingdings" panose="05000000000000000000" pitchFamily="2" charset="2"/>
+              <a:buChar char="v"/>
+            </a:pPr>
+            <a:r>
+              <a:rPr lang="en-US" sz="2000" dirty="0">
+                <a:solidFill>
+                  <a:schemeClr val="bg2">
+                    <a:lumMod val="10000"/>
+                    <a:lumOff val="90000"/>
+                  </a:schemeClr>
+                </a:solidFill>
+                <a:effectLst/>
+                <a:latin typeface="Selawik Semibold" panose="020B0702040204020203" pitchFamily="34" charset="0"/>
+              </a:rPr>
+              <a:t>Many Believe Rushing Improves the Passing</a:t>
+            </a:r>
+          </a:p>
+          <a:p>
+            <a:pPr marL="377100" lvl="1" indent="0">
+              <a:spcBef>
+                <a:spcPts val="0"/>
+              </a:spcBef>
+              <a:spcAft>
+                <a:spcPts val="0"/>
+              </a:spcAft>
+              <a:buClr>
+                <a:srgbClr val="D34817"/>
+              </a:buClr>
+              <a:buSzPct val="100000"/>
+              <a:buFont typeface="Wingdings" panose="05000000000000000000" pitchFamily="2" charset="2"/>
+              <a:buChar char="v"/>
+            </a:pPr>
+            <a:r>
+              <a:rPr lang="en-US" sz="2000" dirty="0">
+                <a:solidFill>
+                  <a:schemeClr val="bg2">
+                    <a:lumMod val="10000"/>
+                    <a:lumOff val="90000"/>
+                  </a:schemeClr>
+                </a:solidFill>
+                <a:effectLst/>
+                <a:latin typeface="Selawik Semibold" panose="020B0702040204020203" pitchFamily="34" charset="0"/>
+              </a:rPr>
+              <a:t>Contradicts the Actual Seasonal Data</a:t>
+            </a:r>
+          </a:p>
+          <a:p>
+            <a:pPr marL="377100" lvl="1" indent="0">
+              <a:spcBef>
+                <a:spcPts val="0"/>
+              </a:spcBef>
+              <a:spcAft>
+                <a:spcPts val="0"/>
+              </a:spcAft>
+              <a:buClr>
+                <a:srgbClr val="D34817"/>
+              </a:buClr>
+              <a:buSzPct val="100000"/>
+              <a:buFont typeface="Wingdings" panose="05000000000000000000" pitchFamily="2" charset="2"/>
+              <a:buChar char="v"/>
+            </a:pPr>
+            <a:r>
+              <a:rPr lang="en-US" sz="2000" dirty="0">
+                <a:solidFill>
+                  <a:schemeClr val="bg2">
+                    <a:lumMod val="10000"/>
+                    <a:lumOff val="90000"/>
+                  </a:schemeClr>
+                </a:solidFill>
+                <a:effectLst/>
+                <a:latin typeface="Selawik Semibold" panose="020B0702040204020203" pitchFamily="34" charset="0"/>
+              </a:rPr>
+              <a:t>Why Low Correlation? Possibly Due to Payroll Decisions</a:t>
+            </a:r>
+          </a:p>
+          <a:p>
+            <a:pPr marL="377100" lvl="1" indent="0">
+              <a:spcBef>
+                <a:spcPts val="0"/>
+              </a:spcBef>
+              <a:spcAft>
+                <a:spcPts val="0"/>
+              </a:spcAft>
+              <a:buClr>
+                <a:srgbClr val="D34817"/>
+              </a:buClr>
+              <a:buSzPct val="100000"/>
+              <a:buNone/>
+            </a:pPr>
+            <a:endParaRPr lang="en-US" sz="2000" dirty="0">
+              <a:solidFill>
+                <a:schemeClr val="bg2">
+                  <a:lumMod val="10000"/>
+                  <a:lumOff val="90000"/>
+                </a:schemeClr>
+              </a:solidFill>
+              <a:effectLst/>
+              <a:latin typeface="Selawik Semibold" panose="020B0702040204020203" pitchFamily="34" charset="0"/>
+            </a:endParaRPr>
+          </a:p>
+          <a:p>
+            <a:pPr marL="377100" lvl="1" indent="0">
+              <a:spcBef>
+                <a:spcPts val="0"/>
+              </a:spcBef>
+              <a:spcAft>
+                <a:spcPts val="0"/>
+              </a:spcAft>
+              <a:buClr>
+                <a:srgbClr val="D34817"/>
+              </a:buClr>
+              <a:buSzPct val="100000"/>
+              <a:buNone/>
+            </a:pPr>
+            <a:endParaRPr lang="en-US" sz="2200" dirty="0">
+              <a:solidFill>
+                <a:schemeClr val="bg2">
+                  <a:lumMod val="10000"/>
+                  <a:lumOff val="90000"/>
+                </a:schemeClr>
+              </a:solidFill>
+              <a:effectLst/>
+              <a:latin typeface="Selawik Semibold" panose="020B0702040204020203" pitchFamily="34" charset="0"/>
+            </a:endParaRPr>
+          </a:p>
+          <a:p>
+            <a:pPr marL="377100" lvl="1" indent="0">
+              <a:spcBef>
+                <a:spcPts val="0"/>
+              </a:spcBef>
+              <a:spcAft>
+                <a:spcPts val="0"/>
+              </a:spcAft>
+              <a:buClr>
+                <a:srgbClr val="D34817"/>
+              </a:buClr>
+              <a:buSzPct val="100000"/>
+              <a:buFont typeface="Wingdings" panose="05000000000000000000" pitchFamily="2" charset="2"/>
+              <a:buChar char="v"/>
+            </a:pPr>
+            <a:endParaRPr lang="en-US" sz="2200" dirty="0">
+              <a:solidFill>
+                <a:schemeClr val="bg2">
+                  <a:lumMod val="10000"/>
+                  <a:lumOff val="90000"/>
+                </a:schemeClr>
+              </a:solidFill>
+              <a:effectLst/>
+              <a:latin typeface="Selawik Semibold" panose="020B0702040204020203" pitchFamily="34" charset="0"/>
+            </a:endParaRPr>
+          </a:p>
+          <a:p>
+            <a:pPr marL="377100" lvl="1" indent="0">
+              <a:spcBef>
+                <a:spcPts val="0"/>
+              </a:spcBef>
+              <a:spcAft>
+                <a:spcPts val="0"/>
+              </a:spcAft>
+              <a:buClr>
+                <a:srgbClr val="D34817"/>
+              </a:buClr>
+              <a:buSzPct val="100000"/>
+              <a:buFont typeface="Wingdings" panose="05000000000000000000" pitchFamily="2" charset="2"/>
+              <a:buChar char="v"/>
+            </a:pPr>
+            <a:endParaRPr lang="en-US" sz="2000" dirty="0">
+              <a:effectLst/>
+              <a:latin typeface="Selawik Semibold" panose="020B0702040204020203" pitchFamily="34" charset="0"/>
+            </a:endParaRPr>
+          </a:p>
+        </p:txBody>
+      </p:sp>
+      <p:pic>
+        <p:nvPicPr>
+          <p:cNvPr id="40" name="Graphic 39" descr="Football">
+            <a:extLst>
+              <a:ext uri="{FF2B5EF4-FFF2-40B4-BE49-F238E27FC236}">
+                <a16:creationId xmlns:a16="http://schemas.microsoft.com/office/drawing/2014/main" id="{43103FBA-298C-4A8C-8E68-C9DFEB1CFAF5}"/>
+              </a:ext>
+            </a:extLst>
+          </p:cNvPr>
+          <p:cNvPicPr>
+            <a:picLocks noChangeAspect="1"/>
+          </p:cNvPicPr>
+          <p:nvPr/>
+        </p:nvPicPr>
+        <p:blipFill>
+          <a:blip r:embed="rId5">
+            <a:extLst>
+              <a:ext uri="{28A0092B-C50C-407E-A947-70E740481C1C}">
+                <a14:useLocalDpi xmlns:a14="http://schemas.microsoft.com/office/drawing/2010/main" val="0"/>
+              </a:ext>
+              <a:ext uri="{96DAC541-7B7A-43D3-8B79-37D633B846F1}">
+                <asvg:svgBlip xmlns:asvg="http://schemas.microsoft.com/office/drawing/2016/SVG/main" r:embed="rId6"/>
+              </a:ext>
+            </a:extLst>
+          </a:blip>
+          <a:stretch>
+            <a:fillRect/>
+          </a:stretch>
+        </p:blipFill>
+        <p:spPr>
+          <a:xfrm>
+            <a:off x="8917272" y="232079"/>
+            <a:ext cx="1406766" cy="1406766"/>
+          </a:xfrm>
+          <a:prstGeom prst="rect">
+            <a:avLst/>
+          </a:prstGeom>
+        </p:spPr>
+      </p:pic>
+      <p:sp>
+        <p:nvSpPr>
+          <p:cNvPr id="17" name="Rectangle 16">
+            <a:extLst>
+              <a:ext uri="{FF2B5EF4-FFF2-40B4-BE49-F238E27FC236}">
+                <a16:creationId xmlns:a16="http://schemas.microsoft.com/office/drawing/2014/main" id="{5020441A-C920-4B5D-B423-02BDA4A265D5}"/>
+              </a:ext>
+            </a:extLst>
+          </p:cNvPr>
+          <p:cNvSpPr/>
+          <p:nvPr/>
+        </p:nvSpPr>
+        <p:spPr>
+          <a:xfrm>
+            <a:off x="0" y="6363870"/>
+            <a:ext cx="12192000" cy="280807"/>
+          </a:xfrm>
+          <a:prstGeom prst="rect">
+            <a:avLst/>
+          </a:prstGeom>
+          <a:solidFill>
+            <a:srgbClr val="D34817"/>
+          </a:solidFill>
+          <a:ln>
+            <a:noFill/>
+          </a:ln>
+        </p:spPr>
+        <p:style>
+          <a:lnRef idx="2">
+            <a:schemeClr val="accent1">
+              <a:shade val="50000"/>
+            </a:schemeClr>
+          </a:lnRef>
+          <a:fillRef idx="1">
+            <a:schemeClr val="accent1"/>
+          </a:fillRef>
+          <a:effectRef idx="0">
+            <a:schemeClr val="accent1"/>
+          </a:effectRef>
+          <a:fontRef idx="minor">
+            <a:schemeClr val="lt1"/>
+          </a:fontRef>
+        </p:style>
+        <p:txBody>
+          <a:bodyPr rtlCol="0" anchor="ctr"/>
+          <a:lstStyle/>
+          <a:p>
+            <a:pPr algn="ctr"/>
+            <a:endParaRPr lang="en-US"/>
+          </a:p>
+        </p:txBody>
+      </p:sp>
+      <p:sp>
+        <p:nvSpPr>
+          <p:cNvPr id="43" name="Rectangle 42">
+            <a:extLst>
+              <a:ext uri="{FF2B5EF4-FFF2-40B4-BE49-F238E27FC236}">
+                <a16:creationId xmlns:a16="http://schemas.microsoft.com/office/drawing/2014/main" id="{50A0A4F6-DDDF-466F-B88A-4EAD2319B32D}"/>
+              </a:ext>
+            </a:extLst>
+          </p:cNvPr>
+          <p:cNvSpPr/>
+          <p:nvPr/>
+        </p:nvSpPr>
+        <p:spPr>
+          <a:xfrm>
+            <a:off x="10402110" y="528506"/>
+            <a:ext cx="1789889" cy="813912"/>
+          </a:xfrm>
+          <a:prstGeom prst="rect">
+            <a:avLst/>
+          </a:prstGeom>
+          <a:solidFill>
+            <a:srgbClr val="D34817"/>
+          </a:solidFill>
+        </p:spPr>
+        <p:style>
+          <a:lnRef idx="2">
+            <a:schemeClr val="accent1">
+              <a:shade val="50000"/>
+            </a:schemeClr>
+          </a:lnRef>
+          <a:fillRef idx="1">
+            <a:schemeClr val="accent1"/>
+          </a:fillRef>
+          <a:effectRef idx="0">
+            <a:schemeClr val="accent1"/>
+          </a:effectRef>
+          <a:fontRef idx="minor">
+            <a:schemeClr val="lt1"/>
+          </a:fontRef>
+        </p:style>
+        <p:txBody>
+          <a:bodyPr rtlCol="0" anchor="ctr"/>
+          <a:lstStyle/>
+          <a:p>
+            <a:pPr algn="ctr"/>
+            <a:endParaRPr lang="en-US"/>
+          </a:p>
+        </p:txBody>
+      </p:sp>
+      <p:sp>
+        <p:nvSpPr>
+          <p:cNvPr id="46" name="Rectangle 45">
+            <a:extLst>
+              <a:ext uri="{FF2B5EF4-FFF2-40B4-BE49-F238E27FC236}">
+                <a16:creationId xmlns:a16="http://schemas.microsoft.com/office/drawing/2014/main" id="{4E8668F5-2350-4974-AA4D-876D0CD42EDD}"/>
+              </a:ext>
+            </a:extLst>
+          </p:cNvPr>
+          <p:cNvSpPr/>
+          <p:nvPr/>
+        </p:nvSpPr>
+        <p:spPr>
+          <a:xfrm>
+            <a:off x="-112743" y="528506"/>
+            <a:ext cx="470541" cy="813912"/>
+          </a:xfrm>
+          <a:prstGeom prst="rect">
+            <a:avLst/>
+          </a:prstGeom>
+          <a:solidFill>
+            <a:srgbClr val="D34817"/>
+          </a:solidFill>
+        </p:spPr>
+        <p:style>
+          <a:lnRef idx="2">
+            <a:schemeClr val="accent1">
+              <a:shade val="50000"/>
+            </a:schemeClr>
+          </a:lnRef>
+          <a:fillRef idx="1">
+            <a:schemeClr val="accent1"/>
+          </a:fillRef>
+          <a:effectRef idx="0">
+            <a:schemeClr val="accent1"/>
+          </a:effectRef>
+          <a:fontRef idx="minor">
+            <a:schemeClr val="lt1"/>
+          </a:fontRef>
+        </p:style>
+        <p:txBody>
+          <a:bodyPr rtlCol="0" anchor="ctr"/>
+          <a:lstStyle/>
+          <a:p>
+            <a:pPr algn="ctr"/>
+            <a:endParaRPr lang="en-US"/>
+          </a:p>
+        </p:txBody>
+      </p:sp>
+      <p:pic>
+        <p:nvPicPr>
+          <p:cNvPr id="47" name="Graphic 46" descr="Football">
+            <a:extLst>
+              <a:ext uri="{FF2B5EF4-FFF2-40B4-BE49-F238E27FC236}">
+                <a16:creationId xmlns:a16="http://schemas.microsoft.com/office/drawing/2014/main" id="{BBBD34EB-97F5-4783-BE1A-4ADD4D05EBF0}"/>
+              </a:ext>
+            </a:extLst>
+          </p:cNvPr>
+          <p:cNvPicPr>
+            <a:picLocks noChangeAspect="1"/>
+          </p:cNvPicPr>
+          <p:nvPr/>
+        </p:nvPicPr>
+        <p:blipFill>
+          <a:blip r:embed="rId5">
+            <a:extLst>
+              <a:ext uri="{28A0092B-C50C-407E-A947-70E740481C1C}">
+                <a14:useLocalDpi xmlns:a14="http://schemas.microsoft.com/office/drawing/2010/main" val="0"/>
+              </a:ext>
+              <a:ext uri="{96DAC541-7B7A-43D3-8B79-37D633B846F1}">
+                <asvg:svgBlip xmlns:asvg="http://schemas.microsoft.com/office/drawing/2016/SVG/main" r:embed="rId6"/>
+              </a:ext>
+            </a:extLst>
+          </a:blip>
+          <a:stretch>
+            <a:fillRect/>
+          </a:stretch>
+        </p:blipFill>
+        <p:spPr>
+          <a:xfrm>
+            <a:off x="426182" y="210495"/>
+            <a:ext cx="1406766" cy="1406766"/>
+          </a:xfrm>
+          <a:prstGeom prst="rect">
+            <a:avLst/>
+          </a:prstGeom>
+        </p:spPr>
+      </p:pic>
+      <p:sp>
+        <p:nvSpPr>
+          <p:cNvPr id="13" name="Rectangle 12">
+            <a:extLst>
+              <a:ext uri="{FF2B5EF4-FFF2-40B4-BE49-F238E27FC236}">
+                <a16:creationId xmlns:a16="http://schemas.microsoft.com/office/drawing/2014/main" id="{E9464DB7-7D4B-44D1-958B-6431A6DCD7B6}"/>
+              </a:ext>
+            </a:extLst>
+          </p:cNvPr>
+          <p:cNvSpPr/>
+          <p:nvPr/>
+        </p:nvSpPr>
+        <p:spPr>
+          <a:xfrm>
+            <a:off x="10013005" y="1660888"/>
+            <a:ext cx="2178994" cy="813912"/>
+          </a:xfrm>
+          <a:prstGeom prst="rect">
+            <a:avLst/>
+          </a:prstGeom>
+          <a:solidFill>
+            <a:srgbClr val="D34817"/>
+          </a:solidFill>
+        </p:spPr>
+        <p:style>
+          <a:lnRef idx="2">
+            <a:schemeClr val="accent1">
+              <a:shade val="50000"/>
+            </a:schemeClr>
+          </a:lnRef>
+          <a:fillRef idx="1">
+            <a:schemeClr val="accent1"/>
+          </a:fillRef>
+          <a:effectRef idx="0">
+            <a:schemeClr val="accent1"/>
+          </a:effectRef>
+          <a:fontRef idx="minor">
+            <a:schemeClr val="lt1"/>
+          </a:fontRef>
+        </p:style>
+        <p:txBody>
+          <a:bodyPr rtlCol="0" anchor="ctr"/>
+          <a:lstStyle/>
+          <a:p>
+            <a:pPr algn="ctr"/>
+            <a:endParaRPr lang="en-US"/>
+          </a:p>
+        </p:txBody>
+      </p:sp>
+      <p:sp>
+        <p:nvSpPr>
+          <p:cNvPr id="14" name="TextBox 13">
+            <a:extLst>
+              <a:ext uri="{FF2B5EF4-FFF2-40B4-BE49-F238E27FC236}">
+                <a16:creationId xmlns:a16="http://schemas.microsoft.com/office/drawing/2014/main" id="{1FD16587-0E62-4915-9DF6-167AC9FED700}"/>
+              </a:ext>
+            </a:extLst>
+          </p:cNvPr>
+          <p:cNvSpPr txBox="1"/>
+          <p:nvPr/>
+        </p:nvSpPr>
+        <p:spPr>
+          <a:xfrm>
+            <a:off x="10013005" y="1760270"/>
+            <a:ext cx="2322658" cy="646331"/>
+          </a:xfrm>
+          <a:prstGeom prst="rect">
+            <a:avLst/>
+          </a:prstGeom>
+          <a:noFill/>
+        </p:spPr>
+        <p:txBody>
+          <a:bodyPr wrap="square" rtlCol="0">
+            <a:spAutoFit/>
+          </a:bodyPr>
+          <a:lstStyle/>
+          <a:p>
+            <a:pPr marL="0" lvl="2">
+              <a:lnSpc>
+                <a:spcPct val="90000"/>
+              </a:lnSpc>
+              <a:spcBef>
+                <a:spcPts val="0"/>
+              </a:spcBef>
+              <a:spcAft>
+                <a:spcPts val="0"/>
+              </a:spcAft>
+              <a:buClr>
+                <a:srgbClr val="D34817"/>
+              </a:buClr>
+              <a:buSzPct val="100000"/>
+            </a:pPr>
+            <a:r>
+              <a:rPr lang="en-US" sz="2000" dirty="0">
+                <a:solidFill>
+                  <a:schemeClr val="bg2">
+                    <a:lumMod val="10000"/>
+                    <a:lumOff val="90000"/>
+                  </a:schemeClr>
+                </a:solidFill>
+                <a:latin typeface="Calibri" panose="020F0502020204030204" pitchFamily="34" charset="0"/>
+                <a:cs typeface="Calibri" panose="020F0502020204030204" pitchFamily="34" charset="0"/>
+              </a:rPr>
+              <a:t>YDS = Yards</a:t>
+            </a:r>
+          </a:p>
+          <a:p>
+            <a:pPr marL="0" lvl="2">
+              <a:lnSpc>
+                <a:spcPct val="90000"/>
+              </a:lnSpc>
+              <a:spcBef>
+                <a:spcPts val="0"/>
+              </a:spcBef>
+              <a:spcAft>
+                <a:spcPts val="0"/>
+              </a:spcAft>
+              <a:buClr>
+                <a:srgbClr val="D34817"/>
+              </a:buClr>
+              <a:buSzPct val="100000"/>
+            </a:pPr>
+            <a:r>
+              <a:rPr lang="en-US" sz="2000" dirty="0">
+                <a:solidFill>
+                  <a:schemeClr val="bg2">
+                    <a:lumMod val="10000"/>
+                    <a:lumOff val="90000"/>
+                  </a:schemeClr>
+                </a:solidFill>
+                <a:latin typeface="Calibri" panose="020F0502020204030204" pitchFamily="34" charset="0"/>
+                <a:cs typeface="Calibri" panose="020F0502020204030204" pitchFamily="34" charset="0"/>
+              </a:rPr>
+              <a:t>ATT = Attempt</a:t>
+            </a:r>
+          </a:p>
+        </p:txBody>
+      </p:sp>
+    </p:spTree>
+    <p:extLst>
+      <p:ext uri="{BB962C8B-B14F-4D97-AF65-F5344CB8AC3E}">
+        <p14:creationId xmlns:p14="http://schemas.microsoft.com/office/powerpoint/2010/main" val="2542508274"/>
       </p:ext>
     </p:extLst>
   </p:cSld>

--- a/Slides/Football 1/Footballl_1_Lecture.pptx
+++ b/Slides/Football 1/Footballl_1_Lecture.pptx
@@ -218,7 +218,7 @@
           <a:p>
             <a:fld id="{C04E5E84-956F-4423-97B3-5936A6D8EEEE}" type="datetimeFigureOut">
               <a:rPr lang="en-US" smtClean="0"/>
-              <a:t>10/8/2019</a:t>
+              <a:t>10/14/2019</a:t>
             </a:fld>
             <a:endParaRPr lang="en-US"/>
           </a:p>
@@ -670,7 +670,7 @@
           <a:p>
             <a:fld id="{3881C039-66A3-4640-815B-3B5A8B7D868D}" type="datetimeFigureOut">
               <a:rPr lang="en-US" smtClean="0"/>
-              <a:t>10/8/2019</a:t>
+              <a:t>10/14/2019</a:t>
             </a:fld>
             <a:endParaRPr lang="en-US"/>
           </a:p>
@@ -968,7 +968,7 @@
           <a:p>
             <a:fld id="{3881C039-66A3-4640-815B-3B5A8B7D868D}" type="datetimeFigureOut">
               <a:rPr lang="en-US" smtClean="0"/>
-              <a:t>10/8/2019</a:t>
+              <a:t>10/14/2019</a:t>
             </a:fld>
             <a:endParaRPr lang="en-US"/>
           </a:p>
@@ -1160,7 +1160,7 @@
           <a:p>
             <a:fld id="{3881C039-66A3-4640-815B-3B5A8B7D868D}" type="datetimeFigureOut">
               <a:rPr lang="en-US" smtClean="0"/>
-              <a:t>10/8/2019</a:t>
+              <a:t>10/14/2019</a:t>
             </a:fld>
             <a:endParaRPr lang="en-US"/>
           </a:p>
@@ -1421,7 +1421,7 @@
           <a:p>
             <a:fld id="{3881C039-66A3-4640-815B-3B5A8B7D868D}" type="datetimeFigureOut">
               <a:rPr lang="en-US" smtClean="0"/>
-              <a:t>10/8/2019</a:t>
+              <a:t>10/14/2019</a:t>
             </a:fld>
             <a:endParaRPr lang="en-US"/>
           </a:p>
@@ -1845,7 +1845,7 @@
           <a:p>
             <a:fld id="{3881C039-66A3-4640-815B-3B5A8B7D868D}" type="datetimeFigureOut">
               <a:rPr lang="en-US" smtClean="0"/>
-              <a:t>10/8/2019</a:t>
+              <a:t>10/14/2019</a:t>
             </a:fld>
             <a:endParaRPr lang="en-US"/>
           </a:p>
@@ -2382,7 +2382,7 @@
           <a:p>
             <a:fld id="{3881C039-66A3-4640-815B-3B5A8B7D868D}" type="datetimeFigureOut">
               <a:rPr lang="en-US" smtClean="0"/>
-              <a:t>10/8/2019</a:t>
+              <a:t>10/14/2019</a:t>
             </a:fld>
             <a:endParaRPr lang="en-US"/>
           </a:p>
@@ -3246,7 +3246,7 @@
           <a:p>
             <a:fld id="{3881C039-66A3-4640-815B-3B5A8B7D868D}" type="datetimeFigureOut">
               <a:rPr lang="en-US" smtClean="0"/>
-              <a:t>10/8/2019</a:t>
+              <a:t>10/14/2019</a:t>
             </a:fld>
             <a:endParaRPr lang="en-US"/>
           </a:p>
@@ -3416,7 +3416,7 @@
           <a:p>
             <a:fld id="{3881C039-66A3-4640-815B-3B5A8B7D868D}" type="datetimeFigureOut">
               <a:rPr lang="en-US" smtClean="0"/>
-              <a:t>10/8/2019</a:t>
+              <a:t>10/14/2019</a:t>
             </a:fld>
             <a:endParaRPr lang="en-US"/>
           </a:p>
@@ -3600,7 +3600,7 @@
           <a:p>
             <a:fld id="{3881C039-66A3-4640-815B-3B5A8B7D868D}" type="datetimeFigureOut">
               <a:rPr lang="en-US" smtClean="0"/>
-              <a:t>10/8/2019</a:t>
+              <a:t>10/14/2019</a:t>
             </a:fld>
             <a:endParaRPr lang="en-US"/>
           </a:p>
@@ -3770,7 +3770,7 @@
           <a:p>
             <a:fld id="{3881C039-66A3-4640-815B-3B5A8B7D868D}" type="datetimeFigureOut">
               <a:rPr lang="en-US" smtClean="0"/>
-              <a:t>10/8/2019</a:t>
+              <a:t>10/14/2019</a:t>
             </a:fld>
             <a:endParaRPr lang="en-US"/>
           </a:p>
@@ -4014,7 +4014,7 @@
           <a:p>
             <a:fld id="{3881C039-66A3-4640-815B-3B5A8B7D868D}" type="datetimeFigureOut">
               <a:rPr lang="en-US" smtClean="0"/>
-              <a:t>10/8/2019</a:t>
+              <a:t>10/14/2019</a:t>
             </a:fld>
             <a:endParaRPr lang="en-US"/>
           </a:p>
@@ -4250,7 +4250,7 @@
           <a:p>
             <a:fld id="{3881C039-66A3-4640-815B-3B5A8B7D868D}" type="datetimeFigureOut">
               <a:rPr lang="en-US" smtClean="0"/>
-              <a:t>10/8/2019</a:t>
+              <a:t>10/14/2019</a:t>
             </a:fld>
             <a:endParaRPr lang="en-US"/>
           </a:p>
@@ -4716,7 +4716,7 @@
           <a:p>
             <a:fld id="{3881C039-66A3-4640-815B-3B5A8B7D868D}" type="datetimeFigureOut">
               <a:rPr lang="en-US" smtClean="0"/>
-              <a:t>10/8/2019</a:t>
+              <a:t>10/14/2019</a:t>
             </a:fld>
             <a:endParaRPr lang="en-US"/>
           </a:p>
@@ -4834,7 +4834,7 @@
           <a:p>
             <a:fld id="{3881C039-66A3-4640-815B-3B5A8B7D868D}" type="datetimeFigureOut">
               <a:rPr lang="en-US" smtClean="0"/>
-              <a:t>10/8/2019</a:t>
+              <a:t>10/14/2019</a:t>
             </a:fld>
             <a:endParaRPr lang="en-US"/>
           </a:p>
@@ -4929,7 +4929,7 @@
           <a:p>
             <a:fld id="{3881C039-66A3-4640-815B-3B5A8B7D868D}" type="datetimeFigureOut">
               <a:rPr lang="en-US" smtClean="0"/>
-              <a:t>10/8/2019</a:t>
+              <a:t>10/14/2019</a:t>
             </a:fld>
             <a:endParaRPr lang="en-US"/>
           </a:p>
@@ -5184,7 +5184,7 @@
           <a:p>
             <a:fld id="{3881C039-66A3-4640-815B-3B5A8B7D868D}" type="datetimeFigureOut">
               <a:rPr lang="en-US" smtClean="0"/>
-              <a:t>10/8/2019</a:t>
+              <a:t>10/14/2019</a:t>
             </a:fld>
             <a:endParaRPr lang="en-US"/>
           </a:p>
@@ -5484,7 +5484,7 @@
           <a:p>
             <a:fld id="{3881C039-66A3-4640-815B-3B5A8B7D868D}" type="datetimeFigureOut">
               <a:rPr lang="en-US" smtClean="0"/>
-              <a:t>10/8/2019</a:t>
+              <a:t>10/14/2019</a:t>
             </a:fld>
             <a:endParaRPr lang="en-US"/>
           </a:p>
@@ -5718,7 +5718,7 @@
           <a:p>
             <a:fld id="{3881C039-66A3-4640-815B-3B5A8B7D868D}" type="datetimeFigureOut">
               <a:rPr lang="en-US" smtClean="0"/>
-              <a:t>10/8/2019</a:t>
+              <a:t>10/14/2019</a:t>
             </a:fld>
             <a:endParaRPr lang="en-US"/>
           </a:p>
@@ -8892,7 +8892,7 @@
                 <a:effectLst/>
                 <a:latin typeface="Selawik Semibold" panose="020B0702040204020203" pitchFamily="34" charset="0"/>
               </a:rPr>
-              <a:t>Often Called the Spread</a:t>
+              <a:t>Related to the Spread</a:t>
             </a:r>
           </a:p>
           <a:p>
@@ -9002,7 +9002,7 @@
                 <a:effectLst/>
                 <a:latin typeface="Selawik Semibold" panose="020B0702040204020203" pitchFamily="34" charset="0"/>
               </a:rPr>
-              <a:t>Positive Spread = Team Won</a:t>
+              <a:t>Positive Margin = Team Won</a:t>
             </a:r>
           </a:p>
           <a:p>
@@ -9031,7 +9031,7 @@
                 <a:effectLst/>
                 <a:latin typeface="Selawik Semibold" panose="020B0702040204020203" pitchFamily="34" charset="0"/>
               </a:rPr>
-              <a:t>Negative Spread = Team Lost</a:t>
+              <a:t>Negative Margin = Team Lost</a:t>
             </a:r>
           </a:p>
           <a:p>
@@ -9086,7 +9086,33 @@
                 <a:effectLst/>
                 <a:latin typeface="Selawik Semibold" panose="020B0702040204020203" pitchFamily="34" charset="0"/>
               </a:rPr>
-              <a:t>Offensive Predictors of Spread </a:t>
+              <a:t>Offensive Predictors of the Scoring </a:t>
+            </a:r>
+            <a:r>
+              <a:rPr lang="en-US" sz="2400" dirty="0" err="1">
+                <a:solidFill>
+                  <a:schemeClr val="bg2">
+                    <a:lumMod val="10000"/>
+                    <a:lumOff val="90000"/>
+                  </a:schemeClr>
+                </a:solidFill>
+                <a:effectLst/>
+                <a:latin typeface="Selawik Semibold" panose="020B0702040204020203" pitchFamily="34" charset="0"/>
+              </a:rPr>
+              <a:t>Magin</a:t>
+            </a:r>
+            <a:r>
+              <a:rPr lang="en-US" sz="2400" dirty="0">
+                <a:solidFill>
+                  <a:schemeClr val="bg2">
+                    <a:lumMod val="10000"/>
+                    <a:lumOff val="90000"/>
+                  </a:schemeClr>
+                </a:solidFill>
+                <a:effectLst/>
+                <a:latin typeface="Selawik Semibold" panose="020B0702040204020203" pitchFamily="34" charset="0"/>
+              </a:rPr>
+              <a:t> </a:t>
             </a:r>
           </a:p>
           <a:p>
@@ -9680,6 +9706,7 @@
               </a:bodyPr>
               <a:lstStyle/>
               <a:p>
+                <a:pPr/>
                 <a14:m>
                   <m:oMathPara xmlns:m="http://schemas.openxmlformats.org/officeDocument/2006/math">
                     <m:oMathParaPr>
@@ -9690,7 +9717,19 @@
                         <a:rPr lang="en-US" sz="2000" b="0" i="1" smtClean="0">
                           <a:latin typeface="Cambria Math" panose="02040503050406030204" pitchFamily="18" charset="0"/>
                         </a:rPr>
-                        <m:t>𝑆𝑝𝑟𝑒𝑎𝑑</m:t>
+                        <m:t>𝑆𝑐𝑜𝑟𝑖𝑛𝑔</m:t>
+                      </m:r>
+                      <m:r>
+                        <a:rPr lang="en-US" sz="2000" b="0" i="1" smtClean="0">
+                          <a:latin typeface="Cambria Math" panose="02040503050406030204" pitchFamily="18" charset="0"/>
+                        </a:rPr>
+                        <m:t> </m:t>
+                      </m:r>
+                      <m:r>
+                        <a:rPr lang="en-US" sz="2000" b="0" i="1" smtClean="0">
+                          <a:latin typeface="Cambria Math" panose="02040503050406030204" pitchFamily="18" charset="0"/>
+                        </a:rPr>
+                        <m:t>𝑀𝑎𝑟𝑔𝑖𝑛</m:t>
                       </m:r>
                       <m:r>
                         <a:rPr lang="en-US" sz="2000" b="0" i="1" smtClean="0">
@@ -10050,7 +10089,7 @@
                 <a:effectLst/>
                 <a:latin typeface="Selawik Semibold" panose="020B0702040204020203" pitchFamily="34" charset="0"/>
               </a:rPr>
-              <a:t>Defensive Predictors of Spread </a:t>
+              <a:t>Defensive Predictors of the Scoring Margin </a:t>
             </a:r>
           </a:p>
           <a:p>
@@ -10192,7 +10231,7 @@
                 <a:effectLst/>
                 <a:latin typeface="Selawik Semibold" panose="020B0702040204020203" pitchFamily="34" charset="0"/>
               </a:rPr>
-              <a:t>Differential Predictors of Spread</a:t>
+              <a:t>Differential Predictors of the Scoring Margin</a:t>
             </a:r>
           </a:p>
           <a:p>

--- a/Slides/Football 1/Footballl_1_Lecture.pptx
+++ b/Slides/Football 1/Footballl_1_Lecture.pptx
@@ -14,8 +14,8 @@
     <p:sldId id="308" r:id="rId5"/>
     <p:sldId id="310" r:id="rId6"/>
     <p:sldId id="311" r:id="rId7"/>
-    <p:sldId id="312" r:id="rId8"/>
-    <p:sldId id="313" r:id="rId9"/>
+    <p:sldId id="313" r:id="rId8"/>
+    <p:sldId id="312" r:id="rId9"/>
     <p:sldId id="314" r:id="rId10"/>
     <p:sldId id="281" r:id="rId11"/>
   </p:sldIdLst>
@@ -9676,8 +9676,8 @@
           </a:p>
         </p:txBody>
       </p:sp>
-      <mc:AlternateContent xmlns:mc="http://schemas.openxmlformats.org/markup-compatibility/2006">
-        <mc:Choice xmlns:a14="http://schemas.microsoft.com/office/drawing/2010/main" Requires="a14">
+      <mc:AlternateContent xmlns:mc="http://schemas.openxmlformats.org/markup-compatibility/2006" xmlns:a14="http://schemas.microsoft.com/office/drawing/2010/main">
+        <mc:Choice Requires="a14">
           <p:sp>
             <p:nvSpPr>
               <p:cNvPr id="3" name="TextBox 2">
@@ -9787,7 +9787,7 @@
             </p:txBody>
           </p:sp>
         </mc:Choice>
-        <mc:Fallback>
+        <mc:Fallback xmlns="">
           <p:sp>
             <p:nvSpPr>
               <p:cNvPr id="3" name="TextBox 2">
@@ -12371,8 +12371,18 @@
                 <a:effectLst/>
                 <a:latin typeface="Selawik Semibold" panose="020B0702040204020203" pitchFamily="34" charset="0"/>
               </a:rPr>
-              <a:t>Modified Regressions for Spread</a:t>
-            </a:r>
+              <a:t>Correlation Matrix of Predictors</a:t>
+            </a:r>
+            <a:endParaRPr lang="en-US" sz="2000" dirty="0">
+              <a:solidFill>
+                <a:schemeClr val="bg2">
+                  <a:lumMod val="10000"/>
+                  <a:lumOff val="90000"/>
+                </a:schemeClr>
+              </a:solidFill>
+              <a:effectLst/>
+              <a:latin typeface="Selawik Semibold" panose="020B0702040204020203" pitchFamily="34" charset="0"/>
+            </a:endParaRPr>
           </a:p>
           <a:p>
             <a:pPr marL="377100" lvl="1" indent="0">
@@ -12386,54 +12396,21 @@
                 <a:srgbClr val="D34817"/>
               </a:buClr>
               <a:buSzPct val="100000"/>
-              <a:buFont typeface="Wingdings" panose="05000000000000000000" pitchFamily="2" charset="2"/>
-              <a:buChar char="v"/>
+              <a:buNone/>
             </a:pPr>
-            <a:r>
-              <a:rPr lang="en-US" sz="2000" dirty="0">
-                <a:solidFill>
-                  <a:schemeClr val="bg2">
-                    <a:lumMod val="10000"/>
-                    <a:lumOff val="90000"/>
-                  </a:schemeClr>
-                </a:solidFill>
-                <a:effectLst/>
-                <a:latin typeface="Selawik Semibold" panose="020B0702040204020203" pitchFamily="34" charset="0"/>
-              </a:rPr>
-              <a:t>Regression Based ONLY on Passing Info (RSQ = 0.7)</a:t>
-            </a:r>
+            <a:endParaRPr lang="en-US" sz="2200" dirty="0">
+              <a:solidFill>
+                <a:schemeClr val="bg2">
+                  <a:lumMod val="10000"/>
+                  <a:lumOff val="90000"/>
+                </a:schemeClr>
+              </a:solidFill>
+              <a:effectLst/>
+              <a:latin typeface="Selawik Semibold" panose="020B0702040204020203" pitchFamily="34" charset="0"/>
+            </a:endParaRPr>
           </a:p>
           <a:p>
             <a:pPr marL="377100" lvl="1" indent="0">
-              <a:spcBef>
-                <a:spcPts val="0"/>
-              </a:spcBef>
-              <a:spcAft>
-                <a:spcPts val="0"/>
-              </a:spcAft>
-              <a:buClr>
-                <a:srgbClr val="D34817"/>
-              </a:buClr>
-              <a:buSzPct val="100000"/>
-              <a:buFont typeface="Wingdings" panose="05000000000000000000" pitchFamily="2" charset="2"/>
-              <a:buChar char="v"/>
-            </a:pPr>
-            <a:r>
-              <a:rPr lang="en-US" sz="2000" dirty="0">
-                <a:solidFill>
-                  <a:schemeClr val="bg2">
-                    <a:lumMod val="10000"/>
-                    <a:lumOff val="90000"/>
-                  </a:schemeClr>
-                </a:solidFill>
-                <a:effectLst/>
-                <a:latin typeface="Selawik Semibold" panose="020B0702040204020203" pitchFamily="34" charset="0"/>
-              </a:rPr>
-              <a:t>Regression Based ONLY on Defensive Info (RSQ = 0.06)</a:t>
-            </a:r>
-          </a:p>
-          <a:p>
-            <a:pPr marL="0" indent="0">
               <a:spcBef>
                 <a:spcPts val="0"/>
               </a:spcBef>
@@ -12459,173 +12436,6 @@
             </a:endParaRPr>
           </a:p>
           <a:p>
-            <a:pPr marL="0" indent="0">
-              <a:spcBef>
-                <a:spcPts val="0"/>
-              </a:spcBef>
-              <a:spcAft>
-                <a:spcPts val="0"/>
-              </a:spcAft>
-              <a:buClr>
-                <a:srgbClr val="D34817"/>
-              </a:buClr>
-              <a:buSzPct val="100000"/>
-              <a:buFont typeface="Wingdings" panose="05000000000000000000" pitchFamily="2" charset="2"/>
-              <a:buChar char="v"/>
-            </a:pPr>
-            <a:r>
-              <a:rPr lang="en-US" sz="2400" dirty="0">
-                <a:solidFill>
-                  <a:schemeClr val="bg2">
-                    <a:lumMod val="10000"/>
-                    <a:lumOff val="90000"/>
-                  </a:schemeClr>
-                </a:solidFill>
-                <a:effectLst/>
-                <a:latin typeface="Selawik Semibold" panose="020B0702040204020203" pitchFamily="34" charset="0"/>
-              </a:rPr>
-              <a:t>Impact of Turnovers</a:t>
-            </a:r>
-          </a:p>
-          <a:p>
-            <a:pPr marL="377100" lvl="1" indent="0">
-              <a:spcBef>
-                <a:spcPts val="0"/>
-              </a:spcBef>
-              <a:spcAft>
-                <a:spcPts val="0"/>
-              </a:spcAft>
-              <a:buClr>
-                <a:srgbClr val="D34817"/>
-              </a:buClr>
-              <a:buSzPct val="100000"/>
-              <a:buFont typeface="Wingdings" panose="05000000000000000000" pitchFamily="2" charset="2"/>
-              <a:buChar char="v"/>
-            </a:pPr>
-            <a:r>
-              <a:rPr lang="en-US" sz="2000" dirty="0">
-                <a:solidFill>
-                  <a:schemeClr val="bg2">
-                    <a:lumMod val="10000"/>
-                    <a:lumOff val="90000"/>
-                  </a:schemeClr>
-                </a:solidFill>
-                <a:effectLst/>
-                <a:latin typeface="Selawik Semibold" panose="020B0702040204020203" pitchFamily="34" charset="0"/>
-              </a:rPr>
-              <a:t>Offensive TOs Worth 3.7 Points</a:t>
-            </a:r>
-          </a:p>
-          <a:p>
-            <a:pPr marL="377100" lvl="1" indent="0">
-              <a:spcBef>
-                <a:spcPts val="0"/>
-              </a:spcBef>
-              <a:spcAft>
-                <a:spcPts val="0"/>
-              </a:spcAft>
-              <a:buClr>
-                <a:srgbClr val="D34817"/>
-              </a:buClr>
-              <a:buSzPct val="100000"/>
-              <a:buFont typeface="Wingdings" panose="05000000000000000000" pitchFamily="2" charset="2"/>
-              <a:buChar char="v"/>
-            </a:pPr>
-            <a:r>
-              <a:rPr lang="en-US" sz="2000" dirty="0">
-                <a:solidFill>
-                  <a:schemeClr val="bg2">
-                    <a:lumMod val="10000"/>
-                    <a:lumOff val="90000"/>
-                  </a:schemeClr>
-                </a:solidFill>
-                <a:effectLst/>
-                <a:latin typeface="Selawik Semibold" panose="020B0702040204020203" pitchFamily="34" charset="0"/>
-              </a:rPr>
-              <a:t>Defensive TOs Worth 3.4 Points</a:t>
-            </a:r>
-          </a:p>
-          <a:p>
-            <a:pPr marL="377100" lvl="1" indent="0">
-              <a:spcBef>
-                <a:spcPts val="0"/>
-              </a:spcBef>
-              <a:spcAft>
-                <a:spcPts val="0"/>
-              </a:spcAft>
-              <a:buClr>
-                <a:srgbClr val="D34817"/>
-              </a:buClr>
-              <a:buSzPct val="100000"/>
-              <a:buFont typeface="Wingdings" panose="05000000000000000000" pitchFamily="2" charset="2"/>
-              <a:buChar char="v"/>
-            </a:pPr>
-            <a:r>
-              <a:rPr lang="en-US" sz="2000" dirty="0">
-                <a:solidFill>
-                  <a:schemeClr val="bg2">
-                    <a:lumMod val="10000"/>
-                    <a:lumOff val="90000"/>
-                  </a:schemeClr>
-                </a:solidFill>
-                <a:effectLst/>
-                <a:latin typeface="Selawik Semibold" panose="020B0702040204020203" pitchFamily="34" charset="0"/>
-              </a:rPr>
-              <a:t>Overall, TO Worth Approximately 3.55 Points</a:t>
-            </a:r>
-          </a:p>
-          <a:p>
-            <a:pPr marL="377100" lvl="1" indent="0">
-              <a:spcBef>
-                <a:spcPts val="0"/>
-              </a:spcBef>
-              <a:spcAft>
-                <a:spcPts val="0"/>
-              </a:spcAft>
-              <a:buClr>
-                <a:srgbClr val="D34817"/>
-              </a:buClr>
-              <a:buSzPct val="100000"/>
-              <a:buNone/>
-            </a:pPr>
-            <a:endParaRPr lang="en-US" sz="2200" dirty="0">
-              <a:solidFill>
-                <a:schemeClr val="bg2">
-                  <a:lumMod val="10000"/>
-                  <a:lumOff val="90000"/>
-                </a:schemeClr>
-              </a:solidFill>
-              <a:effectLst/>
-              <a:latin typeface="Selawik Semibold" panose="020B0702040204020203" pitchFamily="34" charset="0"/>
-            </a:endParaRPr>
-          </a:p>
-          <a:p>
-            <a:pPr marL="377100" lvl="1" indent="0">
-              <a:spcBef>
-                <a:spcPts val="0"/>
-              </a:spcBef>
-              <a:spcAft>
-                <a:spcPts val="0"/>
-              </a:spcAft>
-              <a:buClr>
-                <a:srgbClr val="D34817"/>
-              </a:buClr>
-              <a:buSzPct val="100000"/>
-              <a:buFont typeface="Wingdings" panose="05000000000000000000" pitchFamily="2" charset="2"/>
-              <a:buChar char="v"/>
-            </a:pPr>
-            <a:endParaRPr lang="en-US" sz="2200" dirty="0">
-              <a:solidFill>
-                <a:schemeClr val="bg2">
-                  <a:lumMod val="10000"/>
-                  <a:lumOff val="90000"/>
-                </a:schemeClr>
-              </a:solidFill>
-              <a:effectLst/>
-              <a:latin typeface="Selawik Semibold" panose="020B0702040204020203" pitchFamily="34" charset="0"/>
-            </a:endParaRPr>
-          </a:p>
-          <a:p>
             <a:pPr marL="377100" lvl="1" indent="0">
               <a:spcBef>
                 <a:spcPts val="0"/>
@@ -12875,12 +12685,47 @@
           </a:prstGeom>
         </p:spPr>
       </p:pic>
-      <p:sp>
-        <p:nvSpPr>
-          <p:cNvPr id="13" name="Rectangle 12">
+      <p:pic>
+        <p:nvPicPr>
+          <p:cNvPr id="2" name="Picture 1">
             <a:extLst>
               <a:ext uri="{FF2B5EF4-FFF2-40B4-BE49-F238E27FC236}">
-                <a16:creationId xmlns:a16="http://schemas.microsoft.com/office/drawing/2014/main" id="{C5037E27-FDE1-4148-81CE-0ACCDE2E5417}"/>
+                <a16:creationId xmlns:a16="http://schemas.microsoft.com/office/drawing/2014/main" id="{31B3E2F6-DB87-4F05-9BEC-7C855C42BF97}"/>
+              </a:ext>
+            </a:extLst>
+          </p:cNvPr>
+          <p:cNvPicPr>
+            <a:picLocks noChangeAspect="1"/>
+          </p:cNvPicPr>
+          <p:nvPr/>
+        </p:nvPicPr>
+        <p:blipFill>
+          <a:blip r:embed="rId7"/>
+          <a:stretch>
+            <a:fillRect/>
+          </a:stretch>
+        </p:blipFill>
+        <p:spPr>
+          <a:xfrm>
+            <a:off x="2703273" y="2036011"/>
+            <a:ext cx="8188505" cy="4132999"/>
+          </a:xfrm>
+          <a:prstGeom prst="rect">
+            <a:avLst/>
+          </a:prstGeom>
+          <a:ln w="38100">
+            <a:solidFill>
+              <a:srgbClr val="D34817"/>
+            </a:solidFill>
+          </a:ln>
+        </p:spPr>
+      </p:pic>
+      <p:sp>
+        <p:nvSpPr>
+          <p:cNvPr id="3" name="Oval 2">
+            <a:extLst>
+              <a:ext uri="{FF2B5EF4-FFF2-40B4-BE49-F238E27FC236}">
+                <a16:creationId xmlns:a16="http://schemas.microsoft.com/office/drawing/2014/main" id="{411EFEB5-9280-4891-A4BF-E89FEF9B37CB}"/>
               </a:ext>
             </a:extLst>
           </p:cNvPr>
@@ -12889,15 +12734,18 @@
         </p:nvSpPr>
         <p:spPr>
           <a:xfrm>
-            <a:off x="10013005" y="1660887"/>
-            <a:ext cx="2178994" cy="468715"/>
-          </a:xfrm>
-          <a:prstGeom prst="rect">
+            <a:off x="6528121" y="3557695"/>
+            <a:ext cx="833378" cy="433539"/>
+          </a:xfrm>
+          <a:prstGeom prst="ellipse">
             <a:avLst/>
           </a:prstGeom>
-          <a:solidFill>
-            <a:srgbClr val="D34817"/>
-          </a:solidFill>
+          <a:noFill/>
+          <a:ln w="38100">
+            <a:solidFill>
+              <a:srgbClr val="D34817"/>
+            </a:solidFill>
+          </a:ln>
         </p:spPr>
         <p:style>
           <a:lnRef idx="2">
@@ -12924,69 +12772,10 @@
           </a:p>
         </p:txBody>
       </p:sp>
-      <p:sp>
-        <p:nvSpPr>
-          <p:cNvPr id="14" name="TextBox 13">
-            <a:extLst>
-              <a:ext uri="{FF2B5EF4-FFF2-40B4-BE49-F238E27FC236}">
-                <a16:creationId xmlns:a16="http://schemas.microsoft.com/office/drawing/2014/main" id="{648D25F1-F36E-4FA8-A3AD-4F39D8D78426}"/>
-              </a:ext>
-            </a:extLst>
-          </p:cNvPr>
-          <p:cNvSpPr txBox="1"/>
-          <p:nvPr/>
-        </p:nvSpPr>
-        <p:spPr>
-          <a:xfrm>
-            <a:off x="10013005" y="1760270"/>
-            <a:ext cx="2322658" cy="369332"/>
-          </a:xfrm>
-          <a:prstGeom prst="rect">
-            <a:avLst/>
-          </a:prstGeom>
-          <a:noFill/>
-        </p:spPr>
-        <p:txBody>
-          <a:bodyPr wrap="square" rtlCol="0">
-            <a:spAutoFit/>
-          </a:bodyPr>
-          <a:lstStyle/>
-          <a:p>
-            <a:pPr marL="0" lvl="2">
-              <a:lnSpc>
-                <a:spcPct val="90000"/>
-              </a:lnSpc>
-              <a:spcBef>
-                <a:spcPts val="0"/>
-              </a:spcBef>
-              <a:spcAft>
-                <a:spcPts val="0"/>
-              </a:spcAft>
-              <a:buClr>
-                <a:srgbClr val="D34817"/>
-              </a:buClr>
-              <a:buSzPct val="100000"/>
-            </a:pPr>
-            <a:r>
-              <a:rPr lang="en-US" sz="2000" dirty="0">
-                <a:solidFill>
-                  <a:schemeClr val="bg2">
-                    <a:lumMod val="10000"/>
-                    <a:lumOff val="90000"/>
-                  </a:schemeClr>
-                </a:solidFill>
-                <a:latin typeface="Calibri" panose="020F0502020204030204" pitchFamily="34" charset="0"/>
-                <a:cs typeface="Calibri" panose="020F0502020204030204" pitchFamily="34" charset="0"/>
-              </a:rPr>
-              <a:t>TO = Turnover</a:t>
-            </a:r>
-          </a:p>
-        </p:txBody>
-      </p:sp>
     </p:spTree>
     <p:extLst>
       <p:ext uri="{BB962C8B-B14F-4D97-AF65-F5344CB8AC3E}">
-        <p14:creationId xmlns:p14="http://schemas.microsoft.com/office/powerpoint/2010/main" val="91364092"/>
+        <p14:creationId xmlns:p14="http://schemas.microsoft.com/office/powerpoint/2010/main" val="179609624"/>
       </p:ext>
     </p:extLst>
   </p:cSld>
@@ -13240,18 +13029,8 @@
                 <a:effectLst/>
                 <a:latin typeface="Selawik Semibold" panose="020B0702040204020203" pitchFamily="34" charset="0"/>
               </a:rPr>
-              <a:t>Correlation Matrix of Predictors</a:t>
-            </a:r>
-            <a:endParaRPr lang="en-US" sz="2000" dirty="0">
-              <a:solidFill>
-                <a:schemeClr val="bg2">
-                  <a:lumMod val="10000"/>
-                  <a:lumOff val="90000"/>
-                </a:schemeClr>
-              </a:solidFill>
-              <a:effectLst/>
-              <a:latin typeface="Selawik Semibold" panose="020B0702040204020203" pitchFamily="34" charset="0"/>
-            </a:endParaRPr>
+              <a:t>Modified Regressions for Scoring Margin</a:t>
+            </a:r>
           </a:p>
           <a:p>
             <a:pPr marL="377100" lvl="1" indent="0">
@@ -13265,21 +13044,54 @@
                 <a:srgbClr val="D34817"/>
               </a:buClr>
               <a:buSzPct val="100000"/>
-              <a:buNone/>
+              <a:buFont typeface="Wingdings" panose="05000000000000000000" pitchFamily="2" charset="2"/>
+              <a:buChar char="v"/>
             </a:pPr>
-            <a:endParaRPr lang="en-US" sz="2200" dirty="0">
-              <a:solidFill>
-                <a:schemeClr val="bg2">
-                  <a:lumMod val="10000"/>
-                  <a:lumOff val="90000"/>
-                </a:schemeClr>
-              </a:solidFill>
-              <a:effectLst/>
-              <a:latin typeface="Selawik Semibold" panose="020B0702040204020203" pitchFamily="34" charset="0"/>
-            </a:endParaRPr>
+            <a:r>
+              <a:rPr lang="en-US" sz="2000" dirty="0">
+                <a:solidFill>
+                  <a:schemeClr val="bg2">
+                    <a:lumMod val="10000"/>
+                    <a:lumOff val="90000"/>
+                  </a:schemeClr>
+                </a:solidFill>
+                <a:effectLst/>
+                <a:latin typeface="Selawik Semibold" panose="020B0702040204020203" pitchFamily="34" charset="0"/>
+              </a:rPr>
+              <a:t>Regression Based ONLY on Passing Info (RSQ = 0.7)</a:t>
+            </a:r>
           </a:p>
           <a:p>
             <a:pPr marL="377100" lvl="1" indent="0">
+              <a:spcBef>
+                <a:spcPts val="0"/>
+              </a:spcBef>
+              <a:spcAft>
+                <a:spcPts val="0"/>
+              </a:spcAft>
+              <a:buClr>
+                <a:srgbClr val="D34817"/>
+              </a:buClr>
+              <a:buSzPct val="100000"/>
+              <a:buFont typeface="Wingdings" panose="05000000000000000000" pitchFamily="2" charset="2"/>
+              <a:buChar char="v"/>
+            </a:pPr>
+            <a:r>
+              <a:rPr lang="en-US" sz="2000" dirty="0">
+                <a:solidFill>
+                  <a:schemeClr val="bg2">
+                    <a:lumMod val="10000"/>
+                    <a:lumOff val="90000"/>
+                  </a:schemeClr>
+                </a:solidFill>
+                <a:effectLst/>
+                <a:latin typeface="Selawik Semibold" panose="020B0702040204020203" pitchFamily="34" charset="0"/>
+              </a:rPr>
+              <a:t>Regression Based ONLY on Rushing Info (RSQ = 0.06)</a:t>
+            </a:r>
+          </a:p>
+          <a:p>
+            <a:pPr marL="0" indent="0">
               <a:spcBef>
                 <a:spcPts val="0"/>
               </a:spcBef>
@@ -13305,6 +13117,173 @@
             </a:endParaRPr>
           </a:p>
           <a:p>
+            <a:pPr marL="0" indent="0">
+              <a:spcBef>
+                <a:spcPts val="0"/>
+              </a:spcBef>
+              <a:spcAft>
+                <a:spcPts val="0"/>
+              </a:spcAft>
+              <a:buClr>
+                <a:srgbClr val="D34817"/>
+              </a:buClr>
+              <a:buSzPct val="100000"/>
+              <a:buFont typeface="Wingdings" panose="05000000000000000000" pitchFamily="2" charset="2"/>
+              <a:buChar char="v"/>
+            </a:pPr>
+            <a:r>
+              <a:rPr lang="en-US" sz="2400" dirty="0">
+                <a:solidFill>
+                  <a:schemeClr val="bg2">
+                    <a:lumMod val="10000"/>
+                    <a:lumOff val="90000"/>
+                  </a:schemeClr>
+                </a:solidFill>
+                <a:effectLst/>
+                <a:latin typeface="Selawik Semibold" panose="020B0702040204020203" pitchFamily="34" charset="0"/>
+              </a:rPr>
+              <a:t>Impact of Turnovers</a:t>
+            </a:r>
+          </a:p>
+          <a:p>
+            <a:pPr marL="377100" lvl="1" indent="0">
+              <a:spcBef>
+                <a:spcPts val="0"/>
+              </a:spcBef>
+              <a:spcAft>
+                <a:spcPts val="0"/>
+              </a:spcAft>
+              <a:buClr>
+                <a:srgbClr val="D34817"/>
+              </a:buClr>
+              <a:buSzPct val="100000"/>
+              <a:buFont typeface="Wingdings" panose="05000000000000000000" pitchFamily="2" charset="2"/>
+              <a:buChar char="v"/>
+            </a:pPr>
+            <a:r>
+              <a:rPr lang="en-US" sz="2000" dirty="0">
+                <a:solidFill>
+                  <a:schemeClr val="bg2">
+                    <a:lumMod val="10000"/>
+                    <a:lumOff val="90000"/>
+                  </a:schemeClr>
+                </a:solidFill>
+                <a:effectLst/>
+                <a:latin typeface="Selawik Semibold" panose="020B0702040204020203" pitchFamily="34" charset="0"/>
+              </a:rPr>
+              <a:t>Offensive TOs Worth 3.7 Points</a:t>
+            </a:r>
+          </a:p>
+          <a:p>
+            <a:pPr marL="377100" lvl="1" indent="0">
+              <a:spcBef>
+                <a:spcPts val="0"/>
+              </a:spcBef>
+              <a:spcAft>
+                <a:spcPts val="0"/>
+              </a:spcAft>
+              <a:buClr>
+                <a:srgbClr val="D34817"/>
+              </a:buClr>
+              <a:buSzPct val="100000"/>
+              <a:buFont typeface="Wingdings" panose="05000000000000000000" pitchFamily="2" charset="2"/>
+              <a:buChar char="v"/>
+            </a:pPr>
+            <a:r>
+              <a:rPr lang="en-US" sz="2000" dirty="0">
+                <a:solidFill>
+                  <a:schemeClr val="bg2">
+                    <a:lumMod val="10000"/>
+                    <a:lumOff val="90000"/>
+                  </a:schemeClr>
+                </a:solidFill>
+                <a:effectLst/>
+                <a:latin typeface="Selawik Semibold" panose="020B0702040204020203" pitchFamily="34" charset="0"/>
+              </a:rPr>
+              <a:t>Defensive TOs Worth 3.4 Points</a:t>
+            </a:r>
+          </a:p>
+          <a:p>
+            <a:pPr marL="377100" lvl="1" indent="0">
+              <a:spcBef>
+                <a:spcPts val="0"/>
+              </a:spcBef>
+              <a:spcAft>
+                <a:spcPts val="0"/>
+              </a:spcAft>
+              <a:buClr>
+                <a:srgbClr val="D34817"/>
+              </a:buClr>
+              <a:buSzPct val="100000"/>
+              <a:buFont typeface="Wingdings" panose="05000000000000000000" pitchFamily="2" charset="2"/>
+              <a:buChar char="v"/>
+            </a:pPr>
+            <a:r>
+              <a:rPr lang="en-US" sz="2000" dirty="0">
+                <a:solidFill>
+                  <a:schemeClr val="bg2">
+                    <a:lumMod val="10000"/>
+                    <a:lumOff val="90000"/>
+                  </a:schemeClr>
+                </a:solidFill>
+                <a:effectLst/>
+                <a:latin typeface="Selawik Semibold" panose="020B0702040204020203" pitchFamily="34" charset="0"/>
+              </a:rPr>
+              <a:t>Overall, TO Worth Approximately 3.55 Points</a:t>
+            </a:r>
+          </a:p>
+          <a:p>
+            <a:pPr marL="377100" lvl="1" indent="0">
+              <a:spcBef>
+                <a:spcPts val="0"/>
+              </a:spcBef>
+              <a:spcAft>
+                <a:spcPts val="0"/>
+              </a:spcAft>
+              <a:buClr>
+                <a:srgbClr val="D34817"/>
+              </a:buClr>
+              <a:buSzPct val="100000"/>
+              <a:buNone/>
+            </a:pPr>
+            <a:endParaRPr lang="en-US" sz="2200" dirty="0">
+              <a:solidFill>
+                <a:schemeClr val="bg2">
+                  <a:lumMod val="10000"/>
+                  <a:lumOff val="90000"/>
+                </a:schemeClr>
+              </a:solidFill>
+              <a:effectLst/>
+              <a:latin typeface="Selawik Semibold" panose="020B0702040204020203" pitchFamily="34" charset="0"/>
+            </a:endParaRPr>
+          </a:p>
+          <a:p>
+            <a:pPr marL="377100" lvl="1" indent="0">
+              <a:spcBef>
+                <a:spcPts val="0"/>
+              </a:spcBef>
+              <a:spcAft>
+                <a:spcPts val="0"/>
+              </a:spcAft>
+              <a:buClr>
+                <a:srgbClr val="D34817"/>
+              </a:buClr>
+              <a:buSzPct val="100000"/>
+              <a:buFont typeface="Wingdings" panose="05000000000000000000" pitchFamily="2" charset="2"/>
+              <a:buChar char="v"/>
+            </a:pPr>
+            <a:endParaRPr lang="en-US" sz="2200" dirty="0">
+              <a:solidFill>
+                <a:schemeClr val="bg2">
+                  <a:lumMod val="10000"/>
+                  <a:lumOff val="90000"/>
+                </a:schemeClr>
+              </a:solidFill>
+              <a:effectLst/>
+              <a:latin typeface="Selawik Semibold" panose="020B0702040204020203" pitchFamily="34" charset="0"/>
+            </a:endParaRPr>
+          </a:p>
+          <a:p>
             <a:pPr marL="377100" lvl="1" indent="0">
               <a:spcBef>
                 <a:spcPts val="0"/>
@@ -13554,47 +13533,12 @@
           </a:prstGeom>
         </p:spPr>
       </p:pic>
-      <p:pic>
-        <p:nvPicPr>
-          <p:cNvPr id="2" name="Picture 1">
+      <p:sp>
+        <p:nvSpPr>
+          <p:cNvPr id="13" name="Rectangle 12">
             <a:extLst>
               <a:ext uri="{FF2B5EF4-FFF2-40B4-BE49-F238E27FC236}">
-                <a16:creationId xmlns:a16="http://schemas.microsoft.com/office/drawing/2014/main" id="{31B3E2F6-DB87-4F05-9BEC-7C855C42BF97}"/>
-              </a:ext>
-            </a:extLst>
-          </p:cNvPr>
-          <p:cNvPicPr>
-            <a:picLocks noChangeAspect="1"/>
-          </p:cNvPicPr>
-          <p:nvPr/>
-        </p:nvPicPr>
-        <p:blipFill>
-          <a:blip r:embed="rId7"/>
-          <a:stretch>
-            <a:fillRect/>
-          </a:stretch>
-        </p:blipFill>
-        <p:spPr>
-          <a:xfrm>
-            <a:off x="2703273" y="2036011"/>
-            <a:ext cx="8188505" cy="4132999"/>
-          </a:xfrm>
-          <a:prstGeom prst="rect">
-            <a:avLst/>
-          </a:prstGeom>
-          <a:ln w="38100">
-            <a:solidFill>
-              <a:srgbClr val="D34817"/>
-            </a:solidFill>
-          </a:ln>
-        </p:spPr>
-      </p:pic>
-      <p:sp>
-        <p:nvSpPr>
-          <p:cNvPr id="3" name="Oval 2">
-            <a:extLst>
-              <a:ext uri="{FF2B5EF4-FFF2-40B4-BE49-F238E27FC236}">
-                <a16:creationId xmlns:a16="http://schemas.microsoft.com/office/drawing/2014/main" id="{411EFEB5-9280-4891-A4BF-E89FEF9B37CB}"/>
+                <a16:creationId xmlns:a16="http://schemas.microsoft.com/office/drawing/2014/main" id="{C5037E27-FDE1-4148-81CE-0ACCDE2E5417}"/>
               </a:ext>
             </a:extLst>
           </p:cNvPr>
@@ -13603,18 +13547,15 @@
         </p:nvSpPr>
         <p:spPr>
           <a:xfrm>
-            <a:off x="6528121" y="3557695"/>
-            <a:ext cx="833378" cy="433539"/>
-          </a:xfrm>
-          <a:prstGeom prst="ellipse">
+            <a:off x="10013005" y="1660887"/>
+            <a:ext cx="2178994" cy="468715"/>
+          </a:xfrm>
+          <a:prstGeom prst="rect">
             <a:avLst/>
           </a:prstGeom>
-          <a:noFill/>
-          <a:ln w="38100">
-            <a:solidFill>
-              <a:srgbClr val="D34817"/>
-            </a:solidFill>
-          </a:ln>
+          <a:solidFill>
+            <a:srgbClr val="D34817"/>
+          </a:solidFill>
         </p:spPr>
         <p:style>
           <a:lnRef idx="2">
@@ -13641,10 +13582,69 @@
           </a:p>
         </p:txBody>
       </p:sp>
+      <p:sp>
+        <p:nvSpPr>
+          <p:cNvPr id="14" name="TextBox 13">
+            <a:extLst>
+              <a:ext uri="{FF2B5EF4-FFF2-40B4-BE49-F238E27FC236}">
+                <a16:creationId xmlns:a16="http://schemas.microsoft.com/office/drawing/2014/main" id="{648D25F1-F36E-4FA8-A3AD-4F39D8D78426}"/>
+              </a:ext>
+            </a:extLst>
+          </p:cNvPr>
+          <p:cNvSpPr txBox="1"/>
+          <p:nvPr/>
+        </p:nvSpPr>
+        <p:spPr>
+          <a:xfrm>
+            <a:off x="10013005" y="1760270"/>
+            <a:ext cx="2322658" cy="369332"/>
+          </a:xfrm>
+          <a:prstGeom prst="rect">
+            <a:avLst/>
+          </a:prstGeom>
+          <a:noFill/>
+        </p:spPr>
+        <p:txBody>
+          <a:bodyPr wrap="square" rtlCol="0">
+            <a:spAutoFit/>
+          </a:bodyPr>
+          <a:lstStyle/>
+          <a:p>
+            <a:pPr marL="0" lvl="2">
+              <a:lnSpc>
+                <a:spcPct val="90000"/>
+              </a:lnSpc>
+              <a:spcBef>
+                <a:spcPts val="0"/>
+              </a:spcBef>
+              <a:spcAft>
+                <a:spcPts val="0"/>
+              </a:spcAft>
+              <a:buClr>
+                <a:srgbClr val="D34817"/>
+              </a:buClr>
+              <a:buSzPct val="100000"/>
+            </a:pPr>
+            <a:r>
+              <a:rPr lang="en-US" sz="2000" dirty="0">
+                <a:solidFill>
+                  <a:schemeClr val="bg2">
+                    <a:lumMod val="10000"/>
+                    <a:lumOff val="90000"/>
+                  </a:schemeClr>
+                </a:solidFill>
+                <a:latin typeface="Calibri" panose="020F0502020204030204" pitchFamily="34" charset="0"/>
+                <a:cs typeface="Calibri" panose="020F0502020204030204" pitchFamily="34" charset="0"/>
+              </a:rPr>
+              <a:t>TO = Turnover</a:t>
+            </a:r>
+          </a:p>
+        </p:txBody>
+      </p:sp>
     </p:spTree>
     <p:extLst>
       <p:ext uri="{BB962C8B-B14F-4D97-AF65-F5344CB8AC3E}">
-        <p14:creationId xmlns:p14="http://schemas.microsoft.com/office/powerpoint/2010/main" val="179609624"/>
+        <p14:creationId xmlns:p14="http://schemas.microsoft.com/office/powerpoint/2010/main" val="91364092"/>
       </p:ext>
     </p:extLst>
   </p:cSld>
